--- a/topic01/talk-2/html5.pptx
+++ b/topic01/talk-2/html5.pptx
@@ -5,7 +5,7 @@
     <p:sldMasterId id="2147483648" r:id="rId1"/>
   </p:sldMasterIdLst>
   <p:notesMasterIdLst>
-    <p:notesMasterId r:id="rId69"/>
+    <p:notesMasterId r:id="rId66"/>
   </p:notesMasterIdLst>
   <p:sldIdLst>
     <p:sldId id="256" r:id="rId2"/>
@@ -16,65 +16,62 @@
     <p:sldId id="261" r:id="rId7"/>
     <p:sldId id="262" r:id="rId8"/>
     <p:sldId id="263" r:id="rId9"/>
-    <p:sldId id="264" r:id="rId10"/>
-    <p:sldId id="265" r:id="rId11"/>
-    <p:sldId id="266" r:id="rId12"/>
-    <p:sldId id="267" r:id="rId13"/>
+    <p:sldId id="267" r:id="rId10"/>
+    <p:sldId id="264" r:id="rId11"/>
+    <p:sldId id="265" r:id="rId12"/>
+    <p:sldId id="266" r:id="rId13"/>
     <p:sldId id="269" r:id="rId14"/>
-    <p:sldId id="268" r:id="rId15"/>
-    <p:sldId id="270" r:id="rId16"/>
-    <p:sldId id="271" r:id="rId17"/>
-    <p:sldId id="272" r:id="rId18"/>
-    <p:sldId id="273" r:id="rId19"/>
-    <p:sldId id="274" r:id="rId20"/>
-    <p:sldId id="276" r:id="rId21"/>
-    <p:sldId id="278" r:id="rId22"/>
-    <p:sldId id="279" r:id="rId23"/>
-    <p:sldId id="280" r:id="rId24"/>
-    <p:sldId id="281" r:id="rId25"/>
-    <p:sldId id="282" r:id="rId26"/>
-    <p:sldId id="283" r:id="rId27"/>
-    <p:sldId id="284" r:id="rId28"/>
-    <p:sldId id="285" r:id="rId29"/>
-    <p:sldId id="286" r:id="rId30"/>
-    <p:sldId id="287" r:id="rId31"/>
-    <p:sldId id="290" r:id="rId32"/>
-    <p:sldId id="291" r:id="rId33"/>
-    <p:sldId id="292" r:id="rId34"/>
-    <p:sldId id="293" r:id="rId35"/>
-    <p:sldId id="289" r:id="rId36"/>
-    <p:sldId id="296" r:id="rId37"/>
-    <p:sldId id="322" r:id="rId38"/>
-    <p:sldId id="298" r:id="rId39"/>
-    <p:sldId id="300" r:id="rId40"/>
-    <p:sldId id="323" r:id="rId41"/>
-    <p:sldId id="326" r:id="rId42"/>
-    <p:sldId id="302" r:id="rId43"/>
-    <p:sldId id="303" r:id="rId44"/>
-    <p:sldId id="304" r:id="rId45"/>
-    <p:sldId id="305" r:id="rId46"/>
-    <p:sldId id="306" r:id="rId47"/>
-    <p:sldId id="329" r:id="rId48"/>
-    <p:sldId id="307" r:id="rId49"/>
-    <p:sldId id="308" r:id="rId50"/>
-    <p:sldId id="309" r:id="rId51"/>
-    <p:sldId id="310" r:id="rId52"/>
-    <p:sldId id="311" r:id="rId53"/>
-    <p:sldId id="312" r:id="rId54"/>
-    <p:sldId id="324" r:id="rId55"/>
-    <p:sldId id="313" r:id="rId56"/>
-    <p:sldId id="325" r:id="rId57"/>
-    <p:sldId id="314" r:id="rId58"/>
-    <p:sldId id="316" r:id="rId59"/>
-    <p:sldId id="315" r:id="rId60"/>
-    <p:sldId id="317" r:id="rId61"/>
-    <p:sldId id="319" r:id="rId62"/>
-    <p:sldId id="320" r:id="rId63"/>
-    <p:sldId id="328" r:id="rId64"/>
-    <p:sldId id="327" r:id="rId65"/>
-    <p:sldId id="331" r:id="rId66"/>
-    <p:sldId id="332" r:id="rId67"/>
-    <p:sldId id="318" r:id="rId68"/>
+    <p:sldId id="270" r:id="rId15"/>
+    <p:sldId id="273" r:id="rId16"/>
+    <p:sldId id="274" r:id="rId17"/>
+    <p:sldId id="276" r:id="rId18"/>
+    <p:sldId id="278" r:id="rId19"/>
+    <p:sldId id="279" r:id="rId20"/>
+    <p:sldId id="280" r:id="rId21"/>
+    <p:sldId id="281" r:id="rId22"/>
+    <p:sldId id="282" r:id="rId23"/>
+    <p:sldId id="283" r:id="rId24"/>
+    <p:sldId id="284" r:id="rId25"/>
+    <p:sldId id="285" r:id="rId26"/>
+    <p:sldId id="286" r:id="rId27"/>
+    <p:sldId id="287" r:id="rId28"/>
+    <p:sldId id="290" r:id="rId29"/>
+    <p:sldId id="291" r:id="rId30"/>
+    <p:sldId id="292" r:id="rId31"/>
+    <p:sldId id="293" r:id="rId32"/>
+    <p:sldId id="289" r:id="rId33"/>
+    <p:sldId id="296" r:id="rId34"/>
+    <p:sldId id="322" r:id="rId35"/>
+    <p:sldId id="298" r:id="rId36"/>
+    <p:sldId id="300" r:id="rId37"/>
+    <p:sldId id="323" r:id="rId38"/>
+    <p:sldId id="326" r:id="rId39"/>
+    <p:sldId id="302" r:id="rId40"/>
+    <p:sldId id="303" r:id="rId41"/>
+    <p:sldId id="304" r:id="rId42"/>
+    <p:sldId id="305" r:id="rId43"/>
+    <p:sldId id="306" r:id="rId44"/>
+    <p:sldId id="329" r:id="rId45"/>
+    <p:sldId id="307" r:id="rId46"/>
+    <p:sldId id="308" r:id="rId47"/>
+    <p:sldId id="309" r:id="rId48"/>
+    <p:sldId id="310" r:id="rId49"/>
+    <p:sldId id="311" r:id="rId50"/>
+    <p:sldId id="312" r:id="rId51"/>
+    <p:sldId id="324" r:id="rId52"/>
+    <p:sldId id="313" r:id="rId53"/>
+    <p:sldId id="325" r:id="rId54"/>
+    <p:sldId id="314" r:id="rId55"/>
+    <p:sldId id="316" r:id="rId56"/>
+    <p:sldId id="315" r:id="rId57"/>
+    <p:sldId id="317" r:id="rId58"/>
+    <p:sldId id="319" r:id="rId59"/>
+    <p:sldId id="320" r:id="rId60"/>
+    <p:sldId id="328" r:id="rId61"/>
+    <p:sldId id="327" r:id="rId62"/>
+    <p:sldId id="331" r:id="rId63"/>
+    <p:sldId id="332" r:id="rId64"/>
+    <p:sldId id="318" r:id="rId65"/>
   </p:sldIdLst>
   <p:sldSz cx="9144000" cy="6858000" type="screen4x3"/>
   <p:notesSz cx="6858000" cy="9144000"/>
@@ -3719,6 +3716,115 @@
           <a:p>
             <a:r>
               <a:rPr lang="en-IE" dirty="0"/>
+              <a:t>HTML Fundamentals: Rendering</a:t>
+            </a:r>
+            <a:endParaRPr lang="en-US" dirty="0"/>
+          </a:p>
+        </p:txBody>
+      </p:sp>
+      <p:pic>
+        <p:nvPicPr>
+          <p:cNvPr id="7170" name="Picture 2"/>
+          <p:cNvPicPr>
+            <a:picLocks noGrp="1" noChangeAspect="1" noChangeArrowheads="1"/>
+          </p:cNvPicPr>
+          <p:nvPr>
+            <p:ph idx="1"/>
+          </p:nvPr>
+        </p:nvPicPr>
+        <p:blipFill>
+          <a:blip r:embed="rId2">
+            <a:extLst>
+              <a:ext uri="{28A0092B-C50C-407E-A947-70E740481C1C}">
+                <a14:useLocalDpi xmlns:a14="http://schemas.microsoft.com/office/drawing/2010/main" val="0"/>
+              </a:ext>
+            </a:extLst>
+          </a:blip>
+          <a:srcRect/>
+          <a:stretch>
+            <a:fillRect/>
+          </a:stretch>
+        </p:blipFill>
+        <p:spPr bwMode="auto">
+          <a:xfrm>
+            <a:off x="1905000" y="1219200"/>
+            <a:ext cx="5410200" cy="5261568"/>
+          </a:xfrm>
+          <a:prstGeom prst="rect">
+            <a:avLst/>
+          </a:prstGeom>
+          <a:noFill/>
+          <a:ln>
+            <a:noFill/>
+          </a:ln>
+          <a:extLst>
+            <a:ext uri="{909E8E84-426E-40DD-AFC4-6F175D3DCCD1}">
+              <a14:hiddenFill xmlns:a14="http://schemas.microsoft.com/office/drawing/2010/main">
+                <a:solidFill>
+                  <a:schemeClr val="accent1"/>
+                </a:solidFill>
+              </a14:hiddenFill>
+            </a:ext>
+            <a:ext uri="{91240B29-F687-4F45-9708-019B960494DF}">
+              <a14:hiddenLine xmlns:a14="http://schemas.microsoft.com/office/drawing/2010/main" w="9525">
+                <a:solidFill>
+                  <a:schemeClr val="tx1"/>
+                </a:solidFill>
+                <a:miter lim="800000"/>
+                <a:headEnd/>
+                <a:tailEnd/>
+              </a14:hiddenLine>
+            </a:ext>
+          </a:extLst>
+        </p:spPr>
+      </p:pic>
+    </p:spTree>
+    <p:extLst>
+      <p:ext uri="{BB962C8B-B14F-4D97-AF65-F5344CB8AC3E}">
+        <p14:creationId xmlns:p14="http://schemas.microsoft.com/office/powerpoint/2010/main" val="3392299316"/>
+      </p:ext>
+    </p:extLst>
+  </p:cSld>
+  <p:clrMapOvr>
+    <a:masterClrMapping/>
+  </p:clrMapOvr>
+</p:sld>
+</file>
+
+<file path=ppt/slides/slide11.xml><?xml version="1.0" encoding="utf-8"?>
+<p:sld xmlns:a="http://schemas.openxmlformats.org/drawingml/2006/main" xmlns:r="http://schemas.openxmlformats.org/officeDocument/2006/relationships" xmlns:p="http://schemas.openxmlformats.org/presentationml/2006/main">
+  <p:cSld>
+    <p:spTree>
+      <p:nvGrpSpPr>
+        <p:cNvPr id="1" name=""/>
+        <p:cNvGrpSpPr/>
+        <p:nvPr/>
+      </p:nvGrpSpPr>
+      <p:grpSpPr>
+        <a:xfrm>
+          <a:off x="0" y="0"/>
+          <a:ext cx="0" cy="0"/>
+          <a:chOff x="0" y="0"/>
+          <a:chExt cx="0" cy="0"/>
+        </a:xfrm>
+      </p:grpSpPr>
+      <p:sp>
+        <p:nvSpPr>
+          <p:cNvPr id="2" name="Title 1"/>
+          <p:cNvSpPr>
+            <a:spLocks noGrp="1"/>
+          </p:cNvSpPr>
+          <p:nvPr>
+            <p:ph type="title"/>
+          </p:nvPr>
+        </p:nvSpPr>
+        <p:spPr/>
+        <p:txBody>
+          <a:bodyPr/>
+          <a:lstStyle/>
+          <a:p>
+            <a:r>
+              <a:rPr lang="en-IE" dirty="0"/>
               <a:t>HTML Fundamentals: Elements</a:t>
             </a:r>
             <a:endParaRPr lang="en-US" dirty="0"/>
@@ -3794,7 +3900,7 @@
 </p:sld>
 </file>
 
-<file path=ppt/slides/slide11.xml><?xml version="1.0" encoding="utf-8"?>
+<file path=ppt/slides/slide12.xml><?xml version="1.0" encoding="utf-8"?>
 <p:sld xmlns:a="http://schemas.openxmlformats.org/drawingml/2006/main" xmlns:r="http://schemas.openxmlformats.org/officeDocument/2006/relationships" xmlns:p="http://schemas.openxmlformats.org/presentationml/2006/main">
   <p:cSld>
     <p:spTree>
@@ -3894,143 +4000,6 @@
     <p:extLst>
       <p:ext uri="{BB962C8B-B14F-4D97-AF65-F5344CB8AC3E}">
         <p14:creationId xmlns:p14="http://schemas.microsoft.com/office/powerpoint/2010/main" val="1001299230"/>
-      </p:ext>
-    </p:extLst>
-  </p:cSld>
-  <p:clrMapOvr>
-    <a:masterClrMapping/>
-  </p:clrMapOvr>
-</p:sld>
-</file>
-
-<file path=ppt/slides/slide12.xml><?xml version="1.0" encoding="utf-8"?>
-<p:sld xmlns:a="http://schemas.openxmlformats.org/drawingml/2006/main" xmlns:r="http://schemas.openxmlformats.org/officeDocument/2006/relationships" xmlns:p="http://schemas.openxmlformats.org/presentationml/2006/main">
-  <p:cSld>
-    <p:spTree>
-      <p:nvGrpSpPr>
-        <p:cNvPr id="1" name=""/>
-        <p:cNvGrpSpPr/>
-        <p:nvPr/>
-      </p:nvGrpSpPr>
-      <p:grpSpPr>
-        <a:xfrm>
-          <a:off x="0" y="0"/>
-          <a:ext cx="0" cy="0"/>
-          <a:chOff x="0" y="0"/>
-          <a:chExt cx="0" cy="0"/>
-        </a:xfrm>
-      </p:grpSpPr>
-      <p:sp>
-        <p:nvSpPr>
-          <p:cNvPr id="2" name="Title 1"/>
-          <p:cNvSpPr>
-            <a:spLocks noGrp="1"/>
-          </p:cNvSpPr>
-          <p:nvPr>
-            <p:ph type="title"/>
-          </p:nvPr>
-        </p:nvSpPr>
-        <p:spPr/>
-        <p:txBody>
-          <a:bodyPr/>
-          <a:lstStyle/>
-          <a:p>
-            <a:r>
-              <a:rPr lang="en-IE" dirty="0"/>
-              <a:t>HTML Fundamentals: HTML</a:t>
-            </a:r>
-            <a:endParaRPr lang="en-US" dirty="0"/>
-          </a:p>
-        </p:txBody>
-      </p:sp>
-      <p:sp>
-        <p:nvSpPr>
-          <p:cNvPr id="3" name="Content Placeholder 2"/>
-          <p:cNvSpPr>
-            <a:spLocks noGrp="1"/>
-          </p:cNvSpPr>
-          <p:nvPr>
-            <p:ph idx="1"/>
-          </p:nvPr>
-        </p:nvSpPr>
-        <p:spPr/>
-        <p:txBody>
-          <a:bodyPr>
-            <a:normAutofit fontScale="92500" lnSpcReduction="20000"/>
-          </a:bodyPr>
-          <a:lstStyle/>
-          <a:p>
-            <a:r>
-              <a:rPr lang="en-IE" dirty="0"/>
-              <a:t>HTML tell the browser about the structure of your document</a:t>
-            </a:r>
-          </a:p>
-          <a:p>
-            <a:pPr lvl="1"/>
-            <a:r>
-              <a:rPr lang="en-IE" dirty="0"/>
-              <a:t>where the headings are</a:t>
-            </a:r>
-          </a:p>
-          <a:p>
-            <a:pPr lvl="1"/>
-            <a:r>
-              <a:rPr lang="en-IE" dirty="0"/>
-              <a:t>Where paragraphs are</a:t>
-            </a:r>
-          </a:p>
-          <a:p>
-            <a:pPr lvl="1"/>
-            <a:r>
-              <a:rPr lang="en-IE" dirty="0"/>
-              <a:t>Where text has emphasis</a:t>
-            </a:r>
-          </a:p>
-          <a:p>
-            <a:pPr lvl="1"/>
-            <a:r>
-              <a:rPr lang="en-IE" dirty="0"/>
-              <a:t>Where links are</a:t>
-            </a:r>
-          </a:p>
-          <a:p>
-            <a:pPr lvl="1"/>
-            <a:r>
-              <a:rPr lang="en-IE" dirty="0"/>
-              <a:t>What images are to be displayed</a:t>
-            </a:r>
-          </a:p>
-          <a:p>
-            <a:r>
-              <a:rPr lang="en-IE" dirty="0"/>
-              <a:t>Using HTML alone, browsers have default rules on how to display each element</a:t>
-            </a:r>
-          </a:p>
-          <a:p>
-            <a:r>
-              <a:rPr lang="en-IE" dirty="0"/>
-              <a:t>Information is conveyed using </a:t>
-            </a:r>
-            <a:r>
-              <a:rPr lang="en-IE" b="1" dirty="0"/>
-              <a:t> “tags” </a:t>
-            </a:r>
-            <a:r>
-              <a:rPr lang="en-IE" dirty="0"/>
-              <a:t>or </a:t>
-            </a:r>
-            <a:r>
-              <a:rPr lang="en-IE" b="1" dirty="0"/>
-              <a:t>“elements”. </a:t>
-            </a:r>
-            <a:endParaRPr lang="en-IE" dirty="0"/>
-          </a:p>
-        </p:txBody>
-      </p:sp>
-    </p:spTree>
-    <p:extLst>
-      <p:ext uri="{BB962C8B-B14F-4D97-AF65-F5344CB8AC3E}">
-        <p14:creationId xmlns:p14="http://schemas.microsoft.com/office/powerpoint/2010/main" val="1108202927"/>
       </p:ext>
     </p:extLst>
   </p:cSld>
@@ -4185,154 +4154,6 @@
           <a:p>
             <a:r>
               <a:rPr lang="en-IE" dirty="0"/>
-              <a:t>HTML Fundamentals: Element complete list</a:t>
-            </a:r>
-            <a:endParaRPr lang="en-US" dirty="0"/>
-          </a:p>
-        </p:txBody>
-      </p:sp>
-      <p:sp>
-        <p:nvSpPr>
-          <p:cNvPr id="3" name="Content Placeholder 2"/>
-          <p:cNvSpPr>
-            <a:spLocks noGrp="1"/>
-          </p:cNvSpPr>
-          <p:nvPr>
-            <p:ph idx="1"/>
-          </p:nvPr>
-        </p:nvSpPr>
-        <p:spPr>
-          <a:xfrm>
-            <a:off x="152400" y="1618455"/>
-            <a:ext cx="3733800" cy="4525963"/>
-          </a:xfrm>
-        </p:spPr>
-        <p:txBody>
-          <a:bodyPr/>
-          <a:lstStyle/>
-          <a:p>
-            <a:pPr marL="0" indent="0">
-              <a:buNone/>
-            </a:pPr>
-            <a:r>
-              <a:rPr lang="en-IE" dirty="0"/>
-              <a:t>See </a:t>
-            </a:r>
-            <a:r>
-              <a:rPr lang="en-IE" dirty="0">
-                <a:hlinkClick r:id="rId2"/>
-              </a:rPr>
-              <a:t>here</a:t>
-            </a:r>
-            <a:endParaRPr lang="en-IE" dirty="0"/>
-          </a:p>
-          <a:p>
-            <a:pPr marL="0" indent="0">
-              <a:buNone/>
-            </a:pPr>
-            <a:endParaRPr lang="en-IE" dirty="0"/>
-          </a:p>
-          <a:p>
-            <a:endParaRPr lang="en-IE" dirty="0"/>
-          </a:p>
-          <a:p>
-            <a:pPr marL="0" indent="0">
-              <a:buNone/>
-            </a:pPr>
-            <a:endParaRPr lang="en-IE" dirty="0"/>
-          </a:p>
-        </p:txBody>
-      </p:sp>
-      <p:pic>
-        <p:nvPicPr>
-          <p:cNvPr id="11266" name="Picture 2" descr="http://watershedcreative.com/naked/img/dom-tree.png"/>
-          <p:cNvPicPr>
-            <a:picLocks noChangeAspect="1" noChangeArrowheads="1"/>
-          </p:cNvPicPr>
-          <p:nvPr/>
-        </p:nvPicPr>
-        <p:blipFill>
-          <a:blip r:embed="rId3">
-            <a:extLst>
-              <a:ext uri="{28A0092B-C50C-407E-A947-70E740481C1C}">
-                <a14:useLocalDpi xmlns:a14="http://schemas.microsoft.com/office/drawing/2010/main" val="0"/>
-              </a:ext>
-            </a:extLst>
-          </a:blip>
-          <a:srcRect/>
-          <a:stretch>
-            <a:fillRect/>
-          </a:stretch>
-        </p:blipFill>
-        <p:spPr bwMode="auto">
-          <a:xfrm>
-            <a:off x="2604655" y="1519670"/>
-            <a:ext cx="4572000" cy="5324475"/>
-          </a:xfrm>
-          <a:prstGeom prst="rect">
-            <a:avLst/>
-          </a:prstGeom>
-          <a:noFill/>
-          <a:extLst>
-            <a:ext uri="{909E8E84-426E-40DD-AFC4-6F175D3DCCD1}">
-              <a14:hiddenFill xmlns:a14="http://schemas.microsoft.com/office/drawing/2010/main">
-                <a:solidFill>
-                  <a:srgbClr val="FFFFFF"/>
-                </a:solidFill>
-              </a14:hiddenFill>
-            </a:ext>
-          </a:extLst>
-        </p:spPr>
-      </p:pic>
-    </p:spTree>
-    <p:extLst>
-      <p:ext uri="{BB962C8B-B14F-4D97-AF65-F5344CB8AC3E}">
-        <p14:creationId xmlns:p14="http://schemas.microsoft.com/office/powerpoint/2010/main" val="1816204353"/>
-      </p:ext>
-    </p:extLst>
-  </p:cSld>
-  <p:clrMapOvr>
-    <a:masterClrMapping/>
-  </p:clrMapOvr>
-</p:sld>
-</file>
-
-<file path=ppt/slides/slide15.xml><?xml version="1.0" encoding="utf-8"?>
-<p:sld xmlns:a="http://schemas.openxmlformats.org/drawingml/2006/main" xmlns:r="http://schemas.openxmlformats.org/officeDocument/2006/relationships" xmlns:p="http://schemas.openxmlformats.org/presentationml/2006/main">
-  <p:cSld>
-    <p:spTree>
-      <p:nvGrpSpPr>
-        <p:cNvPr id="1" name=""/>
-        <p:cNvGrpSpPr/>
-        <p:nvPr/>
-      </p:nvGrpSpPr>
-      <p:grpSpPr>
-        <a:xfrm>
-          <a:off x="0" y="0"/>
-          <a:ext cx="0" cy="0"/>
-          <a:chOff x="0" y="0"/>
-          <a:chExt cx="0" cy="0"/>
-        </a:xfrm>
-      </p:grpSpPr>
-      <p:sp>
-        <p:nvSpPr>
-          <p:cNvPr id="2" name="Title 1"/>
-          <p:cNvSpPr>
-            <a:spLocks noGrp="1"/>
-          </p:cNvSpPr>
-          <p:nvPr>
-            <p:ph type="title"/>
-          </p:nvPr>
-        </p:nvSpPr>
-        <p:spPr/>
-        <p:txBody>
-          <a:bodyPr>
-            <a:normAutofit fontScale="90000"/>
-          </a:bodyPr>
-          <a:lstStyle/>
-          <a:p>
-            <a:r>
-              <a:rPr lang="en-IE" dirty="0"/>
               <a:t>HTML Fundamentals: Anatomy of a HTML Element</a:t>
             </a:r>
             <a:endParaRPr lang="en-US" dirty="0"/>
@@ -4415,224 +4236,7 @@
 </p:sld>
 </file>
 
-<file path=ppt/slides/slide16.xml><?xml version="1.0" encoding="utf-8"?>
-<p:sld xmlns:a="http://schemas.openxmlformats.org/drawingml/2006/main" xmlns:r="http://schemas.openxmlformats.org/officeDocument/2006/relationships" xmlns:p="http://schemas.openxmlformats.org/presentationml/2006/main">
-  <p:cSld>
-    <p:spTree>
-      <p:nvGrpSpPr>
-        <p:cNvPr id="1" name=""/>
-        <p:cNvGrpSpPr/>
-        <p:nvPr/>
-      </p:nvGrpSpPr>
-      <p:grpSpPr>
-        <a:xfrm>
-          <a:off x="0" y="0"/>
-          <a:ext cx="0" cy="0"/>
-          <a:chOff x="0" y="0"/>
-          <a:chExt cx="0" cy="0"/>
-        </a:xfrm>
-      </p:grpSpPr>
-      <p:sp>
-        <p:nvSpPr>
-          <p:cNvPr id="2" name="Title 1"/>
-          <p:cNvSpPr>
-            <a:spLocks noGrp="1"/>
-          </p:cNvSpPr>
-          <p:nvPr>
-            <p:ph type="title"/>
-          </p:nvPr>
-        </p:nvSpPr>
-        <p:spPr/>
-        <p:txBody>
-          <a:bodyPr>
-            <a:normAutofit fontScale="90000"/>
-          </a:bodyPr>
-          <a:lstStyle/>
-          <a:p>
-            <a:r>
-              <a:rPr lang="en-IE" dirty="0"/>
-              <a:t>HTML Fundamentals: Element Example</a:t>
-            </a:r>
-            <a:endParaRPr lang="en-US" dirty="0"/>
-          </a:p>
-        </p:txBody>
-      </p:sp>
-      <p:pic>
-        <p:nvPicPr>
-          <p:cNvPr id="13314" name="Picture 2"/>
-          <p:cNvPicPr>
-            <a:picLocks noGrp="1" noChangeAspect="1" noChangeArrowheads="1"/>
-          </p:cNvPicPr>
-          <p:nvPr>
-            <p:ph idx="1"/>
-          </p:nvPr>
-        </p:nvPicPr>
-        <p:blipFill>
-          <a:blip r:embed="rId2">
-            <a:extLst>
-              <a:ext uri="{28A0092B-C50C-407E-A947-70E740481C1C}">
-                <a14:useLocalDpi xmlns:a14="http://schemas.microsoft.com/office/drawing/2010/main" val="0"/>
-              </a:ext>
-            </a:extLst>
-          </a:blip>
-          <a:srcRect/>
-          <a:stretch>
-            <a:fillRect/>
-          </a:stretch>
-        </p:blipFill>
-        <p:spPr bwMode="auto">
-          <a:xfrm>
-            <a:off x="1600200" y="2019299"/>
-            <a:ext cx="4648200" cy="3553937"/>
-          </a:xfrm>
-          <a:prstGeom prst="rect">
-            <a:avLst/>
-          </a:prstGeom>
-          <a:noFill/>
-          <a:ln w="9525">
-            <a:solidFill>
-              <a:schemeClr val="tx1"/>
-            </a:solidFill>
-            <a:miter lim="800000"/>
-            <a:headEnd/>
-            <a:tailEnd/>
-          </a:ln>
-          <a:extLst>
-            <a:ext uri="{909E8E84-426E-40DD-AFC4-6F175D3DCCD1}">
-              <a14:hiddenFill xmlns:a14="http://schemas.microsoft.com/office/drawing/2010/main">
-                <a:solidFill>
-                  <a:schemeClr val="accent1"/>
-                </a:solidFill>
-              </a14:hiddenFill>
-            </a:ext>
-          </a:extLst>
-        </p:spPr>
-      </p:pic>
-    </p:spTree>
-    <p:extLst>
-      <p:ext uri="{BB962C8B-B14F-4D97-AF65-F5344CB8AC3E}">
-        <p14:creationId xmlns:p14="http://schemas.microsoft.com/office/powerpoint/2010/main" val="52349364"/>
-      </p:ext>
-    </p:extLst>
-  </p:cSld>
-  <p:clrMapOvr>
-    <a:masterClrMapping/>
-  </p:clrMapOvr>
-</p:sld>
-</file>
-
-<file path=ppt/slides/slide17.xml><?xml version="1.0" encoding="utf-8"?>
-<p:sld xmlns:a="http://schemas.openxmlformats.org/drawingml/2006/main" xmlns:r="http://schemas.openxmlformats.org/officeDocument/2006/relationships" xmlns:p="http://schemas.openxmlformats.org/presentationml/2006/main">
-  <p:cSld>
-    <p:spTree>
-      <p:nvGrpSpPr>
-        <p:cNvPr id="1" name=""/>
-        <p:cNvGrpSpPr/>
-        <p:nvPr/>
-      </p:nvGrpSpPr>
-      <p:grpSpPr>
-        <a:xfrm>
-          <a:off x="0" y="0"/>
-          <a:ext cx="0" cy="0"/>
-          <a:chOff x="0" y="0"/>
-          <a:chExt cx="0" cy="0"/>
-        </a:xfrm>
-      </p:grpSpPr>
-      <p:sp>
-        <p:nvSpPr>
-          <p:cNvPr id="2" name="Title 1"/>
-          <p:cNvSpPr>
-            <a:spLocks noGrp="1"/>
-          </p:cNvSpPr>
-          <p:nvPr>
-            <p:ph type="title"/>
-          </p:nvPr>
-        </p:nvSpPr>
-        <p:spPr/>
-        <p:txBody>
-          <a:bodyPr>
-            <a:normAutofit fontScale="90000"/>
-          </a:bodyPr>
-          <a:lstStyle/>
-          <a:p>
-            <a:r>
-              <a:rPr lang="en-IE" dirty="0"/>
-              <a:t>HTML Fundamentals: Element Example</a:t>
-            </a:r>
-            <a:endParaRPr lang="en-US" dirty="0"/>
-          </a:p>
-        </p:txBody>
-      </p:sp>
-      <p:pic>
-        <p:nvPicPr>
-          <p:cNvPr id="4" name="Content Placeholder 3"/>
-          <p:cNvPicPr>
-            <a:picLocks noGrp="1" noChangeAspect="1" noChangeArrowheads="1"/>
-          </p:cNvPicPr>
-          <p:nvPr>
-            <p:ph idx="1"/>
-          </p:nvPr>
-        </p:nvPicPr>
-        <p:blipFill>
-          <a:blip r:embed="rId2">
-            <a:extLst>
-              <a:ext uri="{28A0092B-C50C-407E-A947-70E740481C1C}">
-                <a14:useLocalDpi xmlns:a14="http://schemas.microsoft.com/office/drawing/2010/main" val="0"/>
-              </a:ext>
-            </a:extLst>
-          </a:blip>
-          <a:srcRect/>
-          <a:stretch>
-            <a:fillRect/>
-          </a:stretch>
-        </p:blipFill>
-        <p:spPr bwMode="auto">
-          <a:xfrm>
-            <a:off x="1176337" y="2201069"/>
-            <a:ext cx="6791325" cy="3324225"/>
-          </a:xfrm>
-          <a:prstGeom prst="rect">
-            <a:avLst/>
-          </a:prstGeom>
-          <a:noFill/>
-          <a:ln>
-            <a:noFill/>
-          </a:ln>
-          <a:extLst>
-            <a:ext uri="{909E8E84-426E-40DD-AFC4-6F175D3DCCD1}">
-              <a14:hiddenFill xmlns:a14="http://schemas.microsoft.com/office/drawing/2010/main">
-                <a:solidFill>
-                  <a:schemeClr val="accent1"/>
-                </a:solidFill>
-              </a14:hiddenFill>
-            </a:ext>
-            <a:ext uri="{91240B29-F687-4F45-9708-019B960494DF}">
-              <a14:hiddenLine xmlns:a14="http://schemas.microsoft.com/office/drawing/2010/main" w="9525">
-                <a:solidFill>
-                  <a:schemeClr val="tx1"/>
-                </a:solidFill>
-                <a:miter lim="800000"/>
-                <a:headEnd/>
-                <a:tailEnd/>
-              </a14:hiddenLine>
-            </a:ext>
-          </a:extLst>
-        </p:spPr>
-      </p:pic>
-    </p:spTree>
-    <p:extLst>
-      <p:ext uri="{BB962C8B-B14F-4D97-AF65-F5344CB8AC3E}">
-        <p14:creationId xmlns:p14="http://schemas.microsoft.com/office/powerpoint/2010/main" val="1842518825"/>
-      </p:ext>
-    </p:extLst>
-  </p:cSld>
-  <p:clrMapOvr>
-    <a:masterClrMapping/>
-  </p:clrMapOvr>
-</p:sld>
-</file>
-
-<file path=ppt/slides/slide18.xml><?xml version="1.0" encoding="utf-8"?>
+<file path=ppt/slides/slide15.xml><?xml version="1.0" encoding="utf-8"?>
 <p:sld xmlns:a="http://schemas.openxmlformats.org/drawingml/2006/main" xmlns:r="http://schemas.openxmlformats.org/officeDocument/2006/relationships" xmlns:p="http://schemas.openxmlformats.org/presentationml/2006/main">
   <p:cSld>
     <p:spTree>
@@ -4767,7 +4371,7 @@
 </p:sld>
 </file>
 
-<file path=ppt/slides/slide19.xml><?xml version="1.0" encoding="utf-8"?>
+<file path=ppt/slides/slide16.xml><?xml version="1.0" encoding="utf-8"?>
 <p:sld xmlns:a="http://schemas.openxmlformats.org/drawingml/2006/main" xmlns:r="http://schemas.openxmlformats.org/officeDocument/2006/relationships" xmlns:p="http://schemas.openxmlformats.org/presentationml/2006/main">
   <p:cSld>
     <p:spTree>
@@ -4913,6 +4517,305 @@
 </p:sld>
 </file>
 
+<file path=ppt/slides/slide17.xml><?xml version="1.0" encoding="utf-8"?>
+<p:sld xmlns:a="http://schemas.openxmlformats.org/drawingml/2006/main" xmlns:r="http://schemas.openxmlformats.org/officeDocument/2006/relationships" xmlns:p="http://schemas.openxmlformats.org/presentationml/2006/main">
+  <p:cSld>
+    <p:spTree>
+      <p:nvGrpSpPr>
+        <p:cNvPr id="1" name=""/>
+        <p:cNvGrpSpPr/>
+        <p:nvPr/>
+      </p:nvGrpSpPr>
+      <p:grpSpPr>
+        <a:xfrm>
+          <a:off x="0" y="0"/>
+          <a:ext cx="0" cy="0"/>
+          <a:chOff x="0" y="0"/>
+          <a:chExt cx="0" cy="0"/>
+        </a:xfrm>
+      </p:grpSpPr>
+      <p:sp>
+        <p:nvSpPr>
+          <p:cNvPr id="2" name="Title 1"/>
+          <p:cNvSpPr>
+            <a:spLocks noGrp="1"/>
+          </p:cNvSpPr>
+          <p:nvPr>
+            <p:ph type="title"/>
+          </p:nvPr>
+        </p:nvSpPr>
+        <p:spPr/>
+        <p:txBody>
+          <a:bodyPr/>
+          <a:lstStyle/>
+          <a:p>
+            <a:r>
+              <a:rPr lang="en-IE" dirty="0"/>
+              <a:t>Links</a:t>
+            </a:r>
+            <a:endParaRPr lang="en-US" dirty="0"/>
+          </a:p>
+        </p:txBody>
+      </p:sp>
+      <p:sp>
+        <p:nvSpPr>
+          <p:cNvPr id="3" name="Text Placeholder 2"/>
+          <p:cNvSpPr>
+            <a:spLocks noGrp="1"/>
+          </p:cNvSpPr>
+          <p:nvPr>
+            <p:ph type="body" idx="1"/>
+          </p:nvPr>
+        </p:nvSpPr>
+        <p:spPr/>
+        <p:txBody>
+          <a:bodyPr/>
+          <a:lstStyle/>
+          <a:p>
+            <a:endParaRPr lang="en-US"/>
+          </a:p>
+        </p:txBody>
+      </p:sp>
+    </p:spTree>
+    <p:extLst>
+      <p:ext uri="{BB962C8B-B14F-4D97-AF65-F5344CB8AC3E}">
+        <p14:creationId xmlns:p14="http://schemas.microsoft.com/office/powerpoint/2010/main" val="1732913965"/>
+      </p:ext>
+    </p:extLst>
+  </p:cSld>
+  <p:clrMapOvr>
+    <a:masterClrMapping/>
+  </p:clrMapOvr>
+</p:sld>
+</file>
+
+<file path=ppt/slides/slide18.xml><?xml version="1.0" encoding="utf-8"?>
+<p:sld xmlns:a="http://schemas.openxmlformats.org/drawingml/2006/main" xmlns:r="http://schemas.openxmlformats.org/officeDocument/2006/relationships" xmlns:p="http://schemas.openxmlformats.org/presentationml/2006/main">
+  <p:cSld>
+    <p:spTree>
+      <p:nvGrpSpPr>
+        <p:cNvPr id="1" name=""/>
+        <p:cNvGrpSpPr/>
+        <p:nvPr/>
+      </p:nvGrpSpPr>
+      <p:grpSpPr>
+        <a:xfrm>
+          <a:off x="0" y="0"/>
+          <a:ext cx="0" cy="0"/>
+          <a:chOff x="0" y="0"/>
+          <a:chExt cx="0" cy="0"/>
+        </a:xfrm>
+      </p:grpSpPr>
+      <p:sp>
+        <p:nvSpPr>
+          <p:cNvPr id="2" name="Title 1"/>
+          <p:cNvSpPr>
+            <a:spLocks noGrp="1"/>
+          </p:cNvSpPr>
+          <p:nvPr>
+            <p:ph type="title"/>
+          </p:nvPr>
+        </p:nvSpPr>
+        <p:spPr/>
+        <p:txBody>
+          <a:bodyPr/>
+          <a:lstStyle/>
+          <a:p>
+            <a:r>
+              <a:rPr lang="en-IE" dirty="0"/>
+              <a:t>HTML Fundamentals: Links</a:t>
+            </a:r>
+            <a:endParaRPr lang="en-US" dirty="0"/>
+          </a:p>
+        </p:txBody>
+      </p:sp>
+      <p:pic>
+        <p:nvPicPr>
+          <p:cNvPr id="16386" name="Picture 2"/>
+          <p:cNvPicPr>
+            <a:picLocks noGrp="1" noChangeAspect="1" noChangeArrowheads="1"/>
+          </p:cNvPicPr>
+          <p:nvPr>
+            <p:ph idx="1"/>
+          </p:nvPr>
+        </p:nvPicPr>
+        <p:blipFill>
+          <a:blip r:embed="rId2">
+            <a:extLst>
+              <a:ext uri="{28A0092B-C50C-407E-A947-70E740481C1C}">
+                <a14:useLocalDpi xmlns:a14="http://schemas.microsoft.com/office/drawing/2010/main" val="0"/>
+              </a:ext>
+            </a:extLst>
+          </a:blip>
+          <a:srcRect/>
+          <a:stretch>
+            <a:fillRect/>
+          </a:stretch>
+        </p:blipFill>
+        <p:spPr bwMode="auto">
+          <a:xfrm>
+            <a:off x="533400" y="1524000"/>
+            <a:ext cx="7549234" cy="4525963"/>
+          </a:xfrm>
+          <a:prstGeom prst="rect">
+            <a:avLst/>
+          </a:prstGeom>
+          <a:noFill/>
+          <a:ln>
+            <a:noFill/>
+          </a:ln>
+          <a:extLst>
+            <a:ext uri="{909E8E84-426E-40DD-AFC4-6F175D3DCCD1}">
+              <a14:hiddenFill xmlns:a14="http://schemas.microsoft.com/office/drawing/2010/main">
+                <a:solidFill>
+                  <a:schemeClr val="accent1"/>
+                </a:solidFill>
+              </a14:hiddenFill>
+            </a:ext>
+            <a:ext uri="{91240B29-F687-4F45-9708-019B960494DF}">
+              <a14:hiddenLine xmlns:a14="http://schemas.microsoft.com/office/drawing/2010/main" w="9525">
+                <a:solidFill>
+                  <a:schemeClr val="tx1"/>
+                </a:solidFill>
+                <a:miter lim="800000"/>
+                <a:headEnd/>
+                <a:tailEnd/>
+              </a14:hiddenLine>
+            </a:ext>
+          </a:extLst>
+        </p:spPr>
+      </p:pic>
+    </p:spTree>
+    <p:extLst>
+      <p:ext uri="{BB962C8B-B14F-4D97-AF65-F5344CB8AC3E}">
+        <p14:creationId xmlns:p14="http://schemas.microsoft.com/office/powerpoint/2010/main" val="150194505"/>
+      </p:ext>
+    </p:extLst>
+  </p:cSld>
+  <p:clrMapOvr>
+    <a:masterClrMapping/>
+  </p:clrMapOvr>
+</p:sld>
+</file>
+
+<file path=ppt/slides/slide19.xml><?xml version="1.0" encoding="utf-8"?>
+<p:sld xmlns:a="http://schemas.openxmlformats.org/drawingml/2006/main" xmlns:r="http://schemas.openxmlformats.org/officeDocument/2006/relationships" xmlns:p="http://schemas.openxmlformats.org/presentationml/2006/main">
+  <p:cSld>
+    <p:spTree>
+      <p:nvGrpSpPr>
+        <p:cNvPr id="1" name=""/>
+        <p:cNvGrpSpPr/>
+        <p:nvPr/>
+      </p:nvGrpSpPr>
+      <p:grpSpPr>
+        <a:xfrm>
+          <a:off x="0" y="0"/>
+          <a:ext cx="0" cy="0"/>
+          <a:chOff x="0" y="0"/>
+          <a:chExt cx="0" cy="0"/>
+        </a:xfrm>
+      </p:grpSpPr>
+      <p:sp>
+        <p:nvSpPr>
+          <p:cNvPr id="2" name="Title 1"/>
+          <p:cNvSpPr>
+            <a:spLocks noGrp="1"/>
+          </p:cNvSpPr>
+          <p:nvPr>
+            <p:ph type="title"/>
+          </p:nvPr>
+        </p:nvSpPr>
+        <p:spPr/>
+        <p:txBody>
+          <a:bodyPr>
+            <a:normAutofit fontScale="90000"/>
+          </a:bodyPr>
+          <a:lstStyle/>
+          <a:p>
+            <a:r>
+              <a:rPr lang="en-IE" dirty="0"/>
+              <a:t>HTML Fundamentals: Link Referencing</a:t>
+            </a:r>
+            <a:endParaRPr lang="en-US" dirty="0"/>
+          </a:p>
+        </p:txBody>
+      </p:sp>
+      <p:sp>
+        <p:nvSpPr>
+          <p:cNvPr id="3" name="Content Placeholder 2"/>
+          <p:cNvSpPr>
+            <a:spLocks noGrp="1"/>
+          </p:cNvSpPr>
+          <p:nvPr>
+            <p:ph idx="1"/>
+          </p:nvPr>
+        </p:nvSpPr>
+        <p:spPr/>
+        <p:txBody>
+          <a:bodyPr/>
+          <a:lstStyle/>
+          <a:p>
+            <a:r>
+              <a:rPr lang="en-IE" dirty="0"/>
+              <a:t>Two ways:</a:t>
+            </a:r>
+          </a:p>
+          <a:p>
+            <a:r>
+              <a:rPr lang="en-IE" dirty="0"/>
+              <a:t>Absolute</a:t>
+            </a:r>
+          </a:p>
+          <a:p>
+            <a:pPr lvl="1"/>
+            <a:r>
+              <a:rPr lang="en-IE" dirty="0"/>
+              <a:t>Complete path to file</a:t>
+            </a:r>
+          </a:p>
+          <a:p>
+            <a:pPr lvl="2"/>
+            <a:r>
+              <a:rPr lang="en-IE" dirty="0"/>
+              <a:t>C:\labs\lab02\tatoo.jpg</a:t>
+            </a:r>
+            <a:endParaRPr lang="en-US" dirty="0"/>
+          </a:p>
+          <a:p>
+            <a:r>
+              <a:rPr lang="en-IE" dirty="0"/>
+              <a:t>Relative</a:t>
+            </a:r>
+          </a:p>
+          <a:p>
+            <a:pPr lvl="1"/>
+            <a:r>
+              <a:rPr lang="en-IE" dirty="0"/>
+              <a:t>Trace route from current position to destination</a:t>
+            </a:r>
+          </a:p>
+          <a:p>
+            <a:pPr lvl="1"/>
+            <a:r>
+              <a:rPr lang="en-IE" dirty="0"/>
+              <a:t>“..” means go up a level</a:t>
+            </a:r>
+          </a:p>
+        </p:txBody>
+      </p:sp>
+    </p:spTree>
+    <p:extLst>
+      <p:ext uri="{BB962C8B-B14F-4D97-AF65-F5344CB8AC3E}">
+        <p14:creationId xmlns:p14="http://schemas.microsoft.com/office/powerpoint/2010/main" val="4016808715"/>
+      </p:ext>
+    </p:extLst>
+  </p:cSld>
+  <p:clrMapOvr>
+    <a:masterClrMapping/>
+  </p:clrMapOvr>
+</p:sld>
+</file>
+
 <file path=ppt/slides/slide2.xml><?xml version="1.0" encoding="utf-8"?>
 <p:sld xmlns:a="http://schemas.openxmlformats.org/drawingml/2006/main" xmlns:r="http://schemas.openxmlformats.org/officeDocument/2006/relationships" xmlns:p="http://schemas.openxmlformats.org/presentationml/2006/main">
   <p:cSld>
@@ -5332,305 +5235,6 @@
 </file>
 
 <file path=ppt/slides/slide20.xml><?xml version="1.0" encoding="utf-8"?>
-<p:sld xmlns:a="http://schemas.openxmlformats.org/drawingml/2006/main" xmlns:r="http://schemas.openxmlformats.org/officeDocument/2006/relationships" xmlns:p="http://schemas.openxmlformats.org/presentationml/2006/main">
-  <p:cSld>
-    <p:spTree>
-      <p:nvGrpSpPr>
-        <p:cNvPr id="1" name=""/>
-        <p:cNvGrpSpPr/>
-        <p:nvPr/>
-      </p:nvGrpSpPr>
-      <p:grpSpPr>
-        <a:xfrm>
-          <a:off x="0" y="0"/>
-          <a:ext cx="0" cy="0"/>
-          <a:chOff x="0" y="0"/>
-          <a:chExt cx="0" cy="0"/>
-        </a:xfrm>
-      </p:grpSpPr>
-      <p:sp>
-        <p:nvSpPr>
-          <p:cNvPr id="2" name="Title 1"/>
-          <p:cNvSpPr>
-            <a:spLocks noGrp="1"/>
-          </p:cNvSpPr>
-          <p:nvPr>
-            <p:ph type="title"/>
-          </p:nvPr>
-        </p:nvSpPr>
-        <p:spPr/>
-        <p:txBody>
-          <a:bodyPr/>
-          <a:lstStyle/>
-          <a:p>
-            <a:r>
-              <a:rPr lang="en-IE" dirty="0"/>
-              <a:t>Links</a:t>
-            </a:r>
-            <a:endParaRPr lang="en-US" dirty="0"/>
-          </a:p>
-        </p:txBody>
-      </p:sp>
-      <p:sp>
-        <p:nvSpPr>
-          <p:cNvPr id="3" name="Text Placeholder 2"/>
-          <p:cNvSpPr>
-            <a:spLocks noGrp="1"/>
-          </p:cNvSpPr>
-          <p:nvPr>
-            <p:ph type="body" idx="1"/>
-          </p:nvPr>
-        </p:nvSpPr>
-        <p:spPr/>
-        <p:txBody>
-          <a:bodyPr/>
-          <a:lstStyle/>
-          <a:p>
-            <a:endParaRPr lang="en-US"/>
-          </a:p>
-        </p:txBody>
-      </p:sp>
-    </p:spTree>
-    <p:extLst>
-      <p:ext uri="{BB962C8B-B14F-4D97-AF65-F5344CB8AC3E}">
-        <p14:creationId xmlns:p14="http://schemas.microsoft.com/office/powerpoint/2010/main" val="1732913965"/>
-      </p:ext>
-    </p:extLst>
-  </p:cSld>
-  <p:clrMapOvr>
-    <a:masterClrMapping/>
-  </p:clrMapOvr>
-</p:sld>
-</file>
-
-<file path=ppt/slides/slide21.xml><?xml version="1.0" encoding="utf-8"?>
-<p:sld xmlns:a="http://schemas.openxmlformats.org/drawingml/2006/main" xmlns:r="http://schemas.openxmlformats.org/officeDocument/2006/relationships" xmlns:p="http://schemas.openxmlformats.org/presentationml/2006/main">
-  <p:cSld>
-    <p:spTree>
-      <p:nvGrpSpPr>
-        <p:cNvPr id="1" name=""/>
-        <p:cNvGrpSpPr/>
-        <p:nvPr/>
-      </p:nvGrpSpPr>
-      <p:grpSpPr>
-        <a:xfrm>
-          <a:off x="0" y="0"/>
-          <a:ext cx="0" cy="0"/>
-          <a:chOff x="0" y="0"/>
-          <a:chExt cx="0" cy="0"/>
-        </a:xfrm>
-      </p:grpSpPr>
-      <p:sp>
-        <p:nvSpPr>
-          <p:cNvPr id="2" name="Title 1"/>
-          <p:cNvSpPr>
-            <a:spLocks noGrp="1"/>
-          </p:cNvSpPr>
-          <p:nvPr>
-            <p:ph type="title"/>
-          </p:nvPr>
-        </p:nvSpPr>
-        <p:spPr/>
-        <p:txBody>
-          <a:bodyPr/>
-          <a:lstStyle/>
-          <a:p>
-            <a:r>
-              <a:rPr lang="en-IE" dirty="0"/>
-              <a:t>HTML Fundamentals: Links</a:t>
-            </a:r>
-            <a:endParaRPr lang="en-US" dirty="0"/>
-          </a:p>
-        </p:txBody>
-      </p:sp>
-      <p:pic>
-        <p:nvPicPr>
-          <p:cNvPr id="16386" name="Picture 2"/>
-          <p:cNvPicPr>
-            <a:picLocks noGrp="1" noChangeAspect="1" noChangeArrowheads="1"/>
-          </p:cNvPicPr>
-          <p:nvPr>
-            <p:ph idx="1"/>
-          </p:nvPr>
-        </p:nvPicPr>
-        <p:blipFill>
-          <a:blip r:embed="rId2">
-            <a:extLst>
-              <a:ext uri="{28A0092B-C50C-407E-A947-70E740481C1C}">
-                <a14:useLocalDpi xmlns:a14="http://schemas.microsoft.com/office/drawing/2010/main" val="0"/>
-              </a:ext>
-            </a:extLst>
-          </a:blip>
-          <a:srcRect/>
-          <a:stretch>
-            <a:fillRect/>
-          </a:stretch>
-        </p:blipFill>
-        <p:spPr bwMode="auto">
-          <a:xfrm>
-            <a:off x="533400" y="1524000"/>
-            <a:ext cx="7549234" cy="4525963"/>
-          </a:xfrm>
-          <a:prstGeom prst="rect">
-            <a:avLst/>
-          </a:prstGeom>
-          <a:noFill/>
-          <a:ln>
-            <a:noFill/>
-          </a:ln>
-          <a:extLst>
-            <a:ext uri="{909E8E84-426E-40DD-AFC4-6F175D3DCCD1}">
-              <a14:hiddenFill xmlns:a14="http://schemas.microsoft.com/office/drawing/2010/main">
-                <a:solidFill>
-                  <a:schemeClr val="accent1"/>
-                </a:solidFill>
-              </a14:hiddenFill>
-            </a:ext>
-            <a:ext uri="{91240B29-F687-4F45-9708-019B960494DF}">
-              <a14:hiddenLine xmlns:a14="http://schemas.microsoft.com/office/drawing/2010/main" w="9525">
-                <a:solidFill>
-                  <a:schemeClr val="tx1"/>
-                </a:solidFill>
-                <a:miter lim="800000"/>
-                <a:headEnd/>
-                <a:tailEnd/>
-              </a14:hiddenLine>
-            </a:ext>
-          </a:extLst>
-        </p:spPr>
-      </p:pic>
-    </p:spTree>
-    <p:extLst>
-      <p:ext uri="{BB962C8B-B14F-4D97-AF65-F5344CB8AC3E}">
-        <p14:creationId xmlns:p14="http://schemas.microsoft.com/office/powerpoint/2010/main" val="150194505"/>
-      </p:ext>
-    </p:extLst>
-  </p:cSld>
-  <p:clrMapOvr>
-    <a:masterClrMapping/>
-  </p:clrMapOvr>
-</p:sld>
-</file>
-
-<file path=ppt/slides/slide22.xml><?xml version="1.0" encoding="utf-8"?>
-<p:sld xmlns:a="http://schemas.openxmlformats.org/drawingml/2006/main" xmlns:r="http://schemas.openxmlformats.org/officeDocument/2006/relationships" xmlns:p="http://schemas.openxmlformats.org/presentationml/2006/main">
-  <p:cSld>
-    <p:spTree>
-      <p:nvGrpSpPr>
-        <p:cNvPr id="1" name=""/>
-        <p:cNvGrpSpPr/>
-        <p:nvPr/>
-      </p:nvGrpSpPr>
-      <p:grpSpPr>
-        <a:xfrm>
-          <a:off x="0" y="0"/>
-          <a:ext cx="0" cy="0"/>
-          <a:chOff x="0" y="0"/>
-          <a:chExt cx="0" cy="0"/>
-        </a:xfrm>
-      </p:grpSpPr>
-      <p:sp>
-        <p:nvSpPr>
-          <p:cNvPr id="2" name="Title 1"/>
-          <p:cNvSpPr>
-            <a:spLocks noGrp="1"/>
-          </p:cNvSpPr>
-          <p:nvPr>
-            <p:ph type="title"/>
-          </p:nvPr>
-        </p:nvSpPr>
-        <p:spPr/>
-        <p:txBody>
-          <a:bodyPr>
-            <a:normAutofit fontScale="90000"/>
-          </a:bodyPr>
-          <a:lstStyle/>
-          <a:p>
-            <a:r>
-              <a:rPr lang="en-IE" dirty="0"/>
-              <a:t>HTML Fundamentals: Link Referencing</a:t>
-            </a:r>
-            <a:endParaRPr lang="en-US" dirty="0"/>
-          </a:p>
-        </p:txBody>
-      </p:sp>
-      <p:sp>
-        <p:nvSpPr>
-          <p:cNvPr id="3" name="Content Placeholder 2"/>
-          <p:cNvSpPr>
-            <a:spLocks noGrp="1"/>
-          </p:cNvSpPr>
-          <p:nvPr>
-            <p:ph idx="1"/>
-          </p:nvPr>
-        </p:nvSpPr>
-        <p:spPr/>
-        <p:txBody>
-          <a:bodyPr/>
-          <a:lstStyle/>
-          <a:p>
-            <a:r>
-              <a:rPr lang="en-IE" dirty="0"/>
-              <a:t>Two ways:</a:t>
-            </a:r>
-          </a:p>
-          <a:p>
-            <a:r>
-              <a:rPr lang="en-IE" dirty="0"/>
-              <a:t>Absolute</a:t>
-            </a:r>
-          </a:p>
-          <a:p>
-            <a:pPr lvl="1"/>
-            <a:r>
-              <a:rPr lang="en-IE" dirty="0"/>
-              <a:t>Complete path to file</a:t>
-            </a:r>
-          </a:p>
-          <a:p>
-            <a:pPr lvl="2"/>
-            <a:r>
-              <a:rPr lang="en-IE" dirty="0"/>
-              <a:t>C:\labs\lab02\tatoo.jpg</a:t>
-            </a:r>
-            <a:endParaRPr lang="en-US" dirty="0"/>
-          </a:p>
-          <a:p>
-            <a:r>
-              <a:rPr lang="en-IE" dirty="0"/>
-              <a:t>Relative</a:t>
-            </a:r>
-          </a:p>
-          <a:p>
-            <a:pPr lvl="1"/>
-            <a:r>
-              <a:rPr lang="en-IE" dirty="0"/>
-              <a:t>Trace route from current position to destination</a:t>
-            </a:r>
-          </a:p>
-          <a:p>
-            <a:pPr lvl="1"/>
-            <a:r>
-              <a:rPr lang="en-IE" dirty="0"/>
-              <a:t>“..” means go up a level</a:t>
-            </a:r>
-          </a:p>
-        </p:txBody>
-      </p:sp>
-    </p:spTree>
-    <p:extLst>
-      <p:ext uri="{BB962C8B-B14F-4D97-AF65-F5344CB8AC3E}">
-        <p14:creationId xmlns:p14="http://schemas.microsoft.com/office/powerpoint/2010/main" val="4016808715"/>
-      </p:ext>
-    </p:extLst>
-  </p:cSld>
-  <p:clrMapOvr>
-    <a:masterClrMapping/>
-  </p:clrMapOvr>
-</p:sld>
-</file>
-
-<file path=ppt/slides/slide23.xml><?xml version="1.0" encoding="utf-8"?>
 <p:sld xmlns:a="http://schemas.openxmlformats.org/drawingml/2006/main" xmlns:r="http://schemas.openxmlformats.org/officeDocument/2006/relationships" xmlns:p="http://schemas.openxmlformats.org/presentationml/2006/main">
   <p:cSld>
     <p:spTree>
@@ -5858,7 +5462,7 @@
 </p:sld>
 </file>
 
-<file path=ppt/slides/slide24.xml><?xml version="1.0" encoding="utf-8"?>
+<file path=ppt/slides/slide21.xml><?xml version="1.0" encoding="utf-8"?>
 <p:sld xmlns:a="http://schemas.openxmlformats.org/drawingml/2006/main" xmlns:r="http://schemas.openxmlformats.org/officeDocument/2006/relationships" xmlns:p="http://schemas.openxmlformats.org/presentationml/2006/main">
   <p:cSld>
     <p:spTree>
@@ -6026,7 +5630,7 @@
 </p:sld>
 </file>
 
-<file path=ppt/slides/slide25.xml><?xml version="1.0" encoding="utf-8"?>
+<file path=ppt/slides/slide22.xml><?xml version="1.0" encoding="utf-8"?>
 <p:sld xmlns:a="http://schemas.openxmlformats.org/drawingml/2006/main" xmlns:r="http://schemas.openxmlformats.org/officeDocument/2006/relationships" xmlns:p="http://schemas.openxmlformats.org/presentationml/2006/main">
   <p:cSld>
     <p:spTree>
@@ -6196,7 +5800,7 @@
 </p:sld>
 </file>
 
-<file path=ppt/slides/slide26.xml><?xml version="1.0" encoding="utf-8"?>
+<file path=ppt/slides/slide23.xml><?xml version="1.0" encoding="utf-8"?>
 <p:sld xmlns:a="http://schemas.openxmlformats.org/drawingml/2006/main" xmlns:r="http://schemas.openxmlformats.org/officeDocument/2006/relationships" xmlns:p="http://schemas.openxmlformats.org/presentationml/2006/main">
   <p:cSld>
     <p:spTree>
@@ -6305,7 +5909,7 @@
 </p:sld>
 </file>
 
-<file path=ppt/slides/slide27.xml><?xml version="1.0" encoding="utf-8"?>
+<file path=ppt/slides/slide24.xml><?xml version="1.0" encoding="utf-8"?>
 <p:sld xmlns:a="http://schemas.openxmlformats.org/drawingml/2006/main" xmlns:r="http://schemas.openxmlformats.org/officeDocument/2006/relationships" xmlns:p="http://schemas.openxmlformats.org/presentationml/2006/main">
   <p:cSld>
     <p:spTree>
@@ -6456,7 +6060,7 @@
 </p:sld>
 </file>
 
-<file path=ppt/slides/slide28.xml><?xml version="1.0" encoding="utf-8"?>
+<file path=ppt/slides/slide25.xml><?xml version="1.0" encoding="utf-8"?>
 <p:sld xmlns:a="http://schemas.openxmlformats.org/drawingml/2006/main" xmlns:r="http://schemas.openxmlformats.org/officeDocument/2006/relationships" xmlns:p="http://schemas.openxmlformats.org/presentationml/2006/main">
   <p:cSld>
     <p:spTree>
@@ -6549,7 +6153,7 @@
 </p:sld>
 </file>
 
-<file path=ppt/slides/slide29.xml><?xml version="1.0" encoding="utf-8"?>
+<file path=ppt/slides/slide26.xml><?xml version="1.0" encoding="utf-8"?>
 <p:sld xmlns:a="http://schemas.openxmlformats.org/drawingml/2006/main" xmlns:r="http://schemas.openxmlformats.org/officeDocument/2006/relationships" xmlns:p="http://schemas.openxmlformats.org/presentationml/2006/main">
   <p:cSld>
     <p:spTree>
@@ -6651,6 +6255,381 @@
     <p:extLst>
       <p:ext uri="{BB962C8B-B14F-4D97-AF65-F5344CB8AC3E}">
         <p14:creationId xmlns:p14="http://schemas.microsoft.com/office/powerpoint/2010/main" val="62777542"/>
+      </p:ext>
+    </p:extLst>
+  </p:cSld>
+  <p:clrMapOvr>
+    <a:masterClrMapping/>
+  </p:clrMapOvr>
+</p:sld>
+</file>
+
+<file path=ppt/slides/slide27.xml><?xml version="1.0" encoding="utf-8"?>
+<p:sld xmlns:a="http://schemas.openxmlformats.org/drawingml/2006/main" xmlns:r="http://schemas.openxmlformats.org/officeDocument/2006/relationships" xmlns:p="http://schemas.openxmlformats.org/presentationml/2006/main">
+  <p:cSld>
+    <p:spTree>
+      <p:nvGrpSpPr>
+        <p:cNvPr id="1" name=""/>
+        <p:cNvGrpSpPr/>
+        <p:nvPr/>
+      </p:nvGrpSpPr>
+      <p:grpSpPr>
+        <a:xfrm>
+          <a:off x="0" y="0"/>
+          <a:ext cx="0" cy="0"/>
+          <a:chOff x="0" y="0"/>
+          <a:chExt cx="0" cy="0"/>
+        </a:xfrm>
+      </p:grpSpPr>
+      <p:sp>
+        <p:nvSpPr>
+          <p:cNvPr id="2" name="Title 1"/>
+          <p:cNvSpPr>
+            <a:spLocks noGrp="1"/>
+          </p:cNvSpPr>
+          <p:nvPr>
+            <p:ph type="title"/>
+          </p:nvPr>
+        </p:nvSpPr>
+        <p:spPr/>
+        <p:txBody>
+          <a:bodyPr/>
+          <a:lstStyle/>
+          <a:p>
+            <a:r>
+              <a:rPr lang="en-IE" dirty="0"/>
+              <a:t>HTML Elements</a:t>
+            </a:r>
+            <a:endParaRPr lang="en-US" dirty="0"/>
+          </a:p>
+        </p:txBody>
+      </p:sp>
+      <p:sp>
+        <p:nvSpPr>
+          <p:cNvPr id="3" name="Text Placeholder 2"/>
+          <p:cNvSpPr>
+            <a:spLocks noGrp="1"/>
+          </p:cNvSpPr>
+          <p:nvPr>
+            <p:ph type="body" idx="1"/>
+          </p:nvPr>
+        </p:nvSpPr>
+        <p:spPr/>
+        <p:txBody>
+          <a:bodyPr/>
+          <a:lstStyle/>
+          <a:p>
+            <a:endParaRPr lang="en-US"/>
+          </a:p>
+        </p:txBody>
+      </p:sp>
+    </p:spTree>
+    <p:extLst>
+      <p:ext uri="{BB962C8B-B14F-4D97-AF65-F5344CB8AC3E}">
+        <p14:creationId xmlns:p14="http://schemas.microsoft.com/office/powerpoint/2010/main" val="1375194197"/>
+      </p:ext>
+    </p:extLst>
+  </p:cSld>
+  <p:clrMapOvr>
+    <a:masterClrMapping/>
+  </p:clrMapOvr>
+</p:sld>
+</file>
+
+<file path=ppt/slides/slide28.xml><?xml version="1.0" encoding="utf-8"?>
+<p:sld xmlns:a="http://schemas.openxmlformats.org/drawingml/2006/main" xmlns:r="http://schemas.openxmlformats.org/officeDocument/2006/relationships" xmlns:p="http://schemas.openxmlformats.org/presentationml/2006/main">
+  <p:cSld>
+    <p:spTree>
+      <p:nvGrpSpPr>
+        <p:cNvPr id="1" name=""/>
+        <p:cNvGrpSpPr/>
+        <p:nvPr/>
+      </p:nvGrpSpPr>
+      <p:grpSpPr>
+        <a:xfrm>
+          <a:off x="0" y="0"/>
+          <a:ext cx="0" cy="0"/>
+          <a:chOff x="0" y="0"/>
+          <a:chExt cx="0" cy="0"/>
+        </a:xfrm>
+      </p:grpSpPr>
+      <p:sp>
+        <p:nvSpPr>
+          <p:cNvPr id="2" name="Title 1"/>
+          <p:cNvSpPr>
+            <a:spLocks noGrp="1"/>
+          </p:cNvSpPr>
+          <p:nvPr>
+            <p:ph type="title"/>
+          </p:nvPr>
+        </p:nvSpPr>
+        <p:spPr/>
+        <p:txBody>
+          <a:bodyPr/>
+          <a:lstStyle/>
+          <a:p>
+            <a:r>
+              <a:rPr lang="en-IE" dirty="0"/>
+              <a:t>HTML Elements: Categories</a:t>
+            </a:r>
+            <a:endParaRPr lang="en-US" dirty="0"/>
+          </a:p>
+        </p:txBody>
+      </p:sp>
+      <p:sp>
+        <p:nvSpPr>
+          <p:cNvPr id="3" name="Content Placeholder 2"/>
+          <p:cNvSpPr>
+            <a:spLocks noGrp="1"/>
+          </p:cNvSpPr>
+          <p:nvPr>
+            <p:ph idx="1"/>
+          </p:nvPr>
+        </p:nvSpPr>
+        <p:spPr/>
+        <p:txBody>
+          <a:bodyPr>
+            <a:normAutofit fontScale="85000" lnSpcReduction="20000"/>
+          </a:bodyPr>
+          <a:lstStyle/>
+          <a:p>
+            <a:r>
+              <a:rPr lang="en-US" dirty="0"/>
+              <a:t>Structural Elements</a:t>
+            </a:r>
+          </a:p>
+          <a:p>
+            <a:r>
+              <a:rPr lang="en-US" dirty="0"/>
+              <a:t>Head Elements</a:t>
+            </a:r>
+          </a:p>
+          <a:p>
+            <a:r>
+              <a:rPr lang="en-US" dirty="0"/>
+              <a:t>Text Formatting Elements</a:t>
+            </a:r>
+          </a:p>
+          <a:p>
+            <a:r>
+              <a:rPr lang="en-US" dirty="0"/>
+              <a:t>List Elements</a:t>
+            </a:r>
+          </a:p>
+          <a:p>
+            <a:r>
+              <a:rPr lang="en-US" dirty="0"/>
+              <a:t>Image and Media Elements</a:t>
+            </a:r>
+          </a:p>
+          <a:p>
+            <a:r>
+              <a:rPr lang="en-US" dirty="0"/>
+              <a:t>Table Elements</a:t>
+            </a:r>
+          </a:p>
+          <a:p>
+            <a:r>
+              <a:rPr lang="en-US" dirty="0"/>
+              <a:t>Form Elements</a:t>
+            </a:r>
+          </a:p>
+          <a:p>
+            <a:r>
+              <a:rPr lang="en-US" dirty="0"/>
+              <a:t>Frame and Window Elements</a:t>
+            </a:r>
+          </a:p>
+          <a:p>
+            <a:r>
+              <a:rPr lang="en-US" dirty="0"/>
+              <a:t>Deprecated Elements</a:t>
+            </a:r>
+          </a:p>
+          <a:p>
+            <a:r>
+              <a:rPr lang="en-US" dirty="0"/>
+              <a:t>Proprietary &amp; Nonstandard Elements</a:t>
+            </a:r>
+          </a:p>
+        </p:txBody>
+      </p:sp>
+    </p:spTree>
+    <p:extLst>
+      <p:ext uri="{BB962C8B-B14F-4D97-AF65-F5344CB8AC3E}">
+        <p14:creationId xmlns:p14="http://schemas.microsoft.com/office/powerpoint/2010/main" val="2167534893"/>
+      </p:ext>
+    </p:extLst>
+  </p:cSld>
+  <p:clrMapOvr>
+    <a:masterClrMapping/>
+  </p:clrMapOvr>
+</p:sld>
+</file>
+
+<file path=ppt/slides/slide29.xml><?xml version="1.0" encoding="utf-8"?>
+<p:sld xmlns:a="http://schemas.openxmlformats.org/drawingml/2006/main" xmlns:r="http://schemas.openxmlformats.org/officeDocument/2006/relationships" xmlns:p="http://schemas.openxmlformats.org/presentationml/2006/main">
+  <p:cSld>
+    <p:spTree>
+      <p:nvGrpSpPr>
+        <p:cNvPr id="1" name=""/>
+        <p:cNvGrpSpPr/>
+        <p:nvPr/>
+      </p:nvGrpSpPr>
+      <p:grpSpPr>
+        <a:xfrm>
+          <a:off x="0" y="0"/>
+          <a:ext cx="0" cy="0"/>
+          <a:chOff x="0" y="0"/>
+          <a:chExt cx="0" cy="0"/>
+        </a:xfrm>
+      </p:grpSpPr>
+      <p:sp>
+        <p:nvSpPr>
+          <p:cNvPr id="2" name="Title 1"/>
+          <p:cNvSpPr>
+            <a:spLocks noGrp="1"/>
+          </p:cNvSpPr>
+          <p:nvPr>
+            <p:ph type="title"/>
+          </p:nvPr>
+        </p:nvSpPr>
+        <p:spPr/>
+        <p:txBody>
+          <a:bodyPr/>
+          <a:lstStyle/>
+          <a:p>
+            <a:r>
+              <a:rPr lang="en-IE" dirty="0"/>
+              <a:t>HTML Elements: Structural</a:t>
+            </a:r>
+            <a:endParaRPr lang="en-US" dirty="0"/>
+          </a:p>
+        </p:txBody>
+      </p:sp>
+      <p:sp>
+        <p:nvSpPr>
+          <p:cNvPr id="3" name="Content Placeholder 2"/>
+          <p:cNvSpPr>
+            <a:spLocks noGrp="1"/>
+          </p:cNvSpPr>
+          <p:nvPr>
+            <p:ph idx="1"/>
+          </p:nvPr>
+        </p:nvSpPr>
+        <p:spPr/>
+        <p:txBody>
+          <a:bodyPr>
+            <a:normAutofit fontScale="62500" lnSpcReduction="20000"/>
+          </a:bodyPr>
+          <a:lstStyle/>
+          <a:p>
+            <a:r>
+              <a:rPr lang="en-IE" sz="5100" b="1" dirty="0"/>
+              <a:t>&lt;html&gt;</a:t>
+            </a:r>
+          </a:p>
+          <a:p>
+            <a:pPr lvl="1"/>
+            <a:r>
+              <a:rPr lang="en-US" dirty="0"/>
+              <a:t>The html element is the outer container for everything that appears in an HTML document.</a:t>
+            </a:r>
+          </a:p>
+          <a:p>
+            <a:pPr lvl="1"/>
+            <a:r>
+              <a:rPr lang="en-US" dirty="0"/>
+              <a:t>It can only contain two elements as direct descendants, the head element and body or element.</a:t>
+            </a:r>
+          </a:p>
+          <a:p>
+            <a:pPr marL="457200" lvl="1" indent="0">
+              <a:buNone/>
+            </a:pPr>
+            <a:endParaRPr lang="en-US" dirty="0"/>
+          </a:p>
+          <a:p>
+            <a:pPr marL="457200" lvl="1" indent="0">
+              <a:buNone/>
+            </a:pPr>
+            <a:br>
+              <a:rPr lang="en-US" dirty="0"/>
+            </a:br>
+            <a:r>
+              <a:rPr lang="en-US" dirty="0"/>
+              <a:t>&lt;html&gt;</a:t>
+            </a:r>
+          </a:p>
+          <a:p>
+            <a:pPr marL="457200" lvl="1" indent="0">
+              <a:buNone/>
+            </a:pPr>
+            <a:r>
+              <a:rPr lang="en-US" dirty="0"/>
+              <a:t>	&lt;head&gt;</a:t>
+            </a:r>
+          </a:p>
+          <a:p>
+            <a:pPr marL="457200" lvl="1" indent="0">
+              <a:buNone/>
+            </a:pPr>
+            <a:r>
+              <a:rPr lang="en-US" dirty="0"/>
+              <a:t>		&lt;title&gt;Page title goes here&lt;/title&gt;</a:t>
+            </a:r>
+          </a:p>
+          <a:p>
+            <a:pPr marL="457200" lvl="1" indent="0">
+              <a:buNone/>
+            </a:pPr>
+            <a:r>
+              <a:rPr lang="en-US" dirty="0"/>
+              <a:t>	&lt;/head&gt;</a:t>
+            </a:r>
+          </a:p>
+          <a:p>
+            <a:pPr marL="457200" lvl="1" indent="0">
+              <a:buNone/>
+            </a:pPr>
+            <a:r>
+              <a:rPr lang="en-US" dirty="0"/>
+              <a:t>	&lt;body&gt;</a:t>
+            </a:r>
+          </a:p>
+          <a:p>
+            <a:pPr marL="457200" lvl="1" indent="0">
+              <a:buNone/>
+            </a:pPr>
+            <a:r>
+              <a:rPr lang="en-US" dirty="0"/>
+              <a:t>		&lt;!-- content goes here --&gt;</a:t>
+            </a:r>
+          </a:p>
+          <a:p>
+            <a:pPr marL="457200" lvl="1" indent="0">
+              <a:buNone/>
+            </a:pPr>
+            <a:r>
+              <a:rPr lang="en-US" dirty="0"/>
+              <a:t>	&lt;/body&gt;</a:t>
+            </a:r>
+          </a:p>
+          <a:p>
+            <a:pPr marL="457200" lvl="1" indent="0">
+              <a:buNone/>
+            </a:pPr>
+            <a:r>
+              <a:rPr lang="en-US" dirty="0"/>
+              <a:t>&lt;/html&gt;</a:t>
+            </a:r>
+          </a:p>
+        </p:txBody>
+      </p:sp>
+    </p:spTree>
+    <p:extLst>
+      <p:ext uri="{BB962C8B-B14F-4D97-AF65-F5344CB8AC3E}">
+        <p14:creationId xmlns:p14="http://schemas.microsoft.com/office/powerpoint/2010/main" val="1938030651"/>
       </p:ext>
     </p:extLst>
   </p:cSld>
@@ -6889,7 +6868,7 @@
           <a:p>
             <a:r>
               <a:rPr lang="en-IE" dirty="0"/>
-              <a:t>HTML Elements</a:t>
+              <a:t>HTML Elements: Structural</a:t>
             </a:r>
             <a:endParaRPr lang="en-US" dirty="0"/>
           </a:p>
@@ -6897,27 +6876,67 @@
       </p:sp>
       <p:sp>
         <p:nvSpPr>
-          <p:cNvPr id="3" name="Text Placeholder 2"/>
-          <p:cNvSpPr>
-            <a:spLocks noGrp="1"/>
-          </p:cNvSpPr>
-          <p:nvPr>
-            <p:ph type="body" idx="1"/>
+          <p:cNvPr id="3" name="Content Placeholder 2"/>
+          <p:cNvSpPr>
+            <a:spLocks noGrp="1"/>
+          </p:cNvSpPr>
+          <p:nvPr>
+            <p:ph idx="1"/>
           </p:nvPr>
         </p:nvSpPr>
         <p:spPr/>
         <p:txBody>
-          <a:bodyPr/>
-          <a:lstStyle/>
-          <a:p>
-            <a:endParaRPr lang="en-US"/>
+          <a:bodyPr>
+            <a:normAutofit/>
+          </a:bodyPr>
+          <a:lstStyle/>
+          <a:p>
+            <a:r>
+              <a:rPr lang="en-IE" sz="4400" b="1" dirty="0"/>
+              <a:t>&lt;head&gt;</a:t>
+            </a:r>
+          </a:p>
+          <a:p>
+            <a:pPr lvl="1"/>
+            <a:r>
+              <a:rPr lang="en-US" dirty="0"/>
+              <a:t>The head element is the wrapper for all the head elements that:</a:t>
+            </a:r>
+          </a:p>
+          <a:p>
+            <a:pPr lvl="2"/>
+            <a:r>
+              <a:rPr lang="en-US" dirty="0"/>
+              <a:t>instruct the browser where to find style sheets,</a:t>
+            </a:r>
+          </a:p>
+          <a:p>
+            <a:pPr lvl="2"/>
+            <a:r>
+              <a:rPr lang="en-US" dirty="0"/>
+              <a:t>define relationships that the document has to others in the web site;</a:t>
+            </a:r>
+          </a:p>
+          <a:p>
+            <a:pPr lvl="2"/>
+            <a:r>
+              <a:rPr lang="en-US" dirty="0"/>
+              <a:t>provide essential meta information;</a:t>
+            </a:r>
+          </a:p>
+          <a:p>
+            <a:pPr lvl="2"/>
+            <a:r>
+              <a:rPr lang="en-US" dirty="0"/>
+              <a:t>point to or include scripts that the document will need to apply later on.</a:t>
+            </a:r>
           </a:p>
         </p:txBody>
       </p:sp>
     </p:spTree>
     <p:extLst>
       <p:ext uri="{BB962C8B-B14F-4D97-AF65-F5344CB8AC3E}">
-        <p14:creationId xmlns:p14="http://schemas.microsoft.com/office/powerpoint/2010/main" val="1375194197"/>
+        <p14:creationId xmlns:p14="http://schemas.microsoft.com/office/powerpoint/2010/main" val="2450894430"/>
       </p:ext>
     </p:extLst>
   </p:cSld>
@@ -6961,7 +6980,7 @@
           <a:p>
             <a:r>
               <a:rPr lang="en-IE" dirty="0"/>
-              <a:t>HTML Elements: Categories</a:t>
+              <a:t>HTML Elements: Structural</a:t>
             </a:r>
             <a:endParaRPr lang="en-US" dirty="0"/>
           </a:p>
@@ -6979,68 +6998,41 @@
         </p:nvSpPr>
         <p:spPr/>
         <p:txBody>
-          <a:bodyPr>
-            <a:normAutofit fontScale="85000" lnSpcReduction="20000"/>
-          </a:bodyPr>
-          <a:lstStyle/>
-          <a:p>
+          <a:bodyPr/>
+          <a:lstStyle/>
+          <a:p>
+            <a:r>
+              <a:rPr lang="en-IE" sz="4400" b="1" dirty="0"/>
+              <a:t>&lt;body&gt;</a:t>
+            </a:r>
+          </a:p>
+          <a:p>
+            <a:pPr lvl="1"/>
             <a:r>
               <a:rPr lang="en-US" dirty="0"/>
-              <a:t>Structural Elements</a:t>
-            </a:r>
-          </a:p>
-          <a:p>
+              <a:t>The body element wraps around all of the content that will be displayed on screen.</a:t>
+            </a:r>
+          </a:p>
+          <a:p>
+            <a:pPr lvl="1"/>
             <a:r>
               <a:rPr lang="en-US" dirty="0"/>
-              <a:t>Head Elements</a:t>
-            </a:r>
-          </a:p>
-          <a:p>
+              <a:t>You should not place character data (text) or inline elements such as </a:t>
+            </a:r>
+            <a:r>
+              <a:rPr lang="en-US" dirty="0" err="1"/>
+              <a:t>em</a:t>
+            </a:r>
             <a:r>
               <a:rPr lang="en-US" dirty="0"/>
-              <a:t>Text Formatting Elements</a:t>
-            </a:r>
-          </a:p>
-          <a:p>
+              <a:t>, directly into the body.</a:t>
+            </a:r>
+          </a:p>
+          <a:p>
+            <a:pPr lvl="1"/>
             <a:r>
               <a:rPr lang="en-US" dirty="0"/>
-              <a:t>List Elements</a:t>
-            </a:r>
-          </a:p>
-          <a:p>
-            <a:r>
-              <a:rPr lang="en-US" dirty="0"/>
-              <a:t>Image and Media Elements</a:t>
-            </a:r>
-          </a:p>
-          <a:p>
-            <a:r>
-              <a:rPr lang="en-US" dirty="0"/>
-              <a:t>Table Elements</a:t>
-            </a:r>
-          </a:p>
-          <a:p>
-            <a:r>
-              <a:rPr lang="en-US" dirty="0"/>
-              <a:t>Form Elements</a:t>
-            </a:r>
-          </a:p>
-          <a:p>
-            <a:r>
-              <a:rPr lang="en-US" dirty="0"/>
-              <a:t>Frame and Window Elements</a:t>
-            </a:r>
-          </a:p>
-          <a:p>
-            <a:r>
-              <a:rPr lang="en-US" dirty="0"/>
-              <a:t>Deprecated Elements</a:t>
-            </a:r>
-          </a:p>
-          <a:p>
-            <a:r>
-              <a:rPr lang="en-US" dirty="0"/>
-              <a:t>Proprietary &amp; Nonstandard Elements</a:t>
+              <a:t>Instead, these should be contained inside block-level elements such as &lt;p&gt; elements</a:t>
             </a:r>
           </a:p>
         </p:txBody>
@@ -7048,7 +7040,7 @@
     </p:spTree>
     <p:extLst>
       <p:ext uri="{BB962C8B-B14F-4D97-AF65-F5344CB8AC3E}">
-        <p14:creationId xmlns:p14="http://schemas.microsoft.com/office/powerpoint/2010/main" val="2167534893"/>
+        <p14:creationId xmlns:p14="http://schemas.microsoft.com/office/powerpoint/2010/main" val="944399729"/>
       </p:ext>
     </p:extLst>
   </p:cSld>
@@ -7108,111 +7100,146 @@
             <p:ph idx="1"/>
           </p:nvPr>
         </p:nvSpPr>
-        <p:spPr/>
+        <p:spPr>
+          <a:xfrm>
+            <a:off x="0" y="1524000"/>
+            <a:ext cx="4876800" cy="5334000"/>
+          </a:xfrm>
+        </p:spPr>
         <p:txBody>
           <a:bodyPr>
-            <a:normAutofit fontScale="62500" lnSpcReduction="20000"/>
+            <a:normAutofit fontScale="77500" lnSpcReduction="20000"/>
           </a:bodyPr>
           <a:lstStyle/>
           <a:p>
             <a:r>
-              <a:rPr lang="en-IE" sz="5100" b="1" dirty="0"/>
-              <a:t>&lt;html&gt;</a:t>
+              <a:rPr lang="en-US" sz="4600" b="1" dirty="0"/>
+              <a:t>&lt;h1-h6&gt;</a:t>
             </a:r>
           </a:p>
           <a:p>
             <a:pPr lvl="1"/>
             <a:r>
               <a:rPr lang="en-US" dirty="0"/>
-              <a:t>The html element is the outer container for everything that appears in an HTML document.</a:t>
+              <a:t>The h1 element is used to indicate the most important (or highest-level) heading on the page.</a:t>
             </a:r>
           </a:p>
           <a:p>
             <a:pPr lvl="1"/>
             <a:r>
               <a:rPr lang="en-US" dirty="0"/>
-              <a:t>It can only contain two elements as direct descendants, the head element and body or element.</a:t>
-            </a:r>
-          </a:p>
-          <a:p>
-            <a:pPr marL="457200" lvl="1" indent="0">
-              <a:buNone/>
-            </a:pPr>
-            <a:endParaRPr lang="en-US" dirty="0"/>
-          </a:p>
-          <a:p>
-            <a:pPr marL="457200" lvl="1" indent="0">
-              <a:buNone/>
-            </a:pPr>
-            <a:br>
+              <a:t>There are six heading levels to—h1 to h6—to add structure to the web page.</a:t>
+            </a:r>
+          </a:p>
+          <a:p>
+            <a:pPr lvl="1"/>
+            <a:r>
               <a:rPr lang="en-US" dirty="0"/>
-            </a:br>
+              <a:t>A document’s first heading should be an h1, followed by one or more h2 headings; each of these h2 headings can then have a further series of h3 headings below them, and so on</a:t>
+            </a:r>
+          </a:p>
+          <a:p>
+            <a:pPr lvl="1"/>
             <a:r>
               <a:rPr lang="en-US" dirty="0"/>
-              <a:t>&lt;html&gt;</a:t>
-            </a:r>
-          </a:p>
-          <a:p>
-            <a:pPr marL="457200" lvl="1" indent="0">
-              <a:buNone/>
-            </a:pPr>
+              <a:t>May contain any text content, but it can’t include any block-level elements: only inline elements can be included</a:t>
+            </a:r>
+          </a:p>
+        </p:txBody>
+      </p:sp>
+      <p:sp>
+        <p:nvSpPr>
+          <p:cNvPr id="4" name="Rectangle 3"/>
+          <p:cNvSpPr/>
+          <p:nvPr/>
+        </p:nvSpPr>
+        <p:spPr>
+          <a:xfrm>
+            <a:off x="4953000" y="1995055"/>
+            <a:ext cx="4191000" cy="2862322"/>
+          </a:xfrm>
+          <a:prstGeom prst="rect">
+            <a:avLst/>
+          </a:prstGeom>
+          <a:ln>
+            <a:solidFill>
+              <a:schemeClr val="tx1"/>
+            </a:solidFill>
+          </a:ln>
+        </p:spPr>
+        <p:txBody>
+          <a:bodyPr wrap="square">
+            <a:spAutoFit/>
+          </a:bodyPr>
+          <a:lstStyle/>
+          <a:p>
             <a:r>
               <a:rPr lang="en-US" dirty="0"/>
-              <a:t>	&lt;head&gt;</a:t>
-            </a:r>
-          </a:p>
-          <a:p>
-            <a:pPr marL="457200" lvl="1" indent="0">
-              <a:buNone/>
-            </a:pPr>
+              <a:t>&lt;h1&gt;News and Views&lt;/h1&gt;</a:t>
+            </a:r>
+          </a:p>
+          <a:p>
             <a:r>
               <a:rPr lang="en-US" dirty="0"/>
-              <a:t>		&lt;title&gt;Page title goes here&lt;/title&gt;</a:t>
-            </a:r>
-          </a:p>
-          <a:p>
-            <a:pPr marL="457200" lvl="1" indent="0">
-              <a:buNone/>
-            </a:pPr>
+              <a:t>&lt;p&gt;</a:t>
+            </a:r>
+          </a:p>
+          <a:p>
             <a:r>
               <a:rPr lang="en-US" dirty="0"/>
-              <a:t>	&lt;/head&gt;</a:t>
-            </a:r>
-          </a:p>
-          <a:p>
-            <a:pPr marL="457200" lvl="1" indent="0">
-              <a:buNone/>
-            </a:pPr>
+              <a:t>Bits of news, words of advice</a:t>
+            </a:r>
+          </a:p>
+          <a:p>
             <a:r>
               <a:rPr lang="en-US" dirty="0"/>
-              <a:t>	&lt;body&gt;</a:t>
-            </a:r>
-          </a:p>
-          <a:p>
-            <a:pPr marL="457200" lvl="1" indent="0">
-              <a:buNone/>
-            </a:pPr>
+              <a:t>&lt;/p&gt;</a:t>
+            </a:r>
+          </a:p>
+          <a:p>
             <a:r>
               <a:rPr lang="en-US" dirty="0"/>
-              <a:t>		&lt;!-- content goes here --&gt;</a:t>
-            </a:r>
-          </a:p>
-          <a:p>
-            <a:pPr marL="457200" lvl="1" indent="0">
-              <a:buNone/>
-            </a:pPr>
+              <a:t>!</a:t>
+            </a:r>
+          </a:p>
+          <a:p>
             <a:r>
               <a:rPr lang="en-US" dirty="0"/>
-              <a:t>	&lt;/body&gt;</a:t>
-            </a:r>
-          </a:p>
-          <a:p>
-            <a:pPr marL="457200" lvl="1" indent="0">
-              <a:buNone/>
-            </a:pPr>
+              <a:t>&lt;h2&gt;September 3, 2010&lt;/h2&gt;</a:t>
+            </a:r>
+          </a:p>
+          <a:p>
             <a:r>
               <a:rPr lang="en-US" dirty="0"/>
-              <a:t>&lt;/html&gt;</a:t>
+              <a:t>&lt;p&gt;</a:t>
+            </a:r>
+          </a:p>
+          <a:p>
+            <a:r>
+              <a:rPr lang="en-US" dirty="0"/>
+              <a:t>    &lt;</a:t>
+            </a:r>
+            <a:r>
+              <a:rPr lang="en-US" dirty="0" err="1"/>
+              <a:t>img</a:t>
+            </a:r>
+            <a:r>
+              <a:rPr lang="en-US" dirty="0"/>
+              <a:t> </a:t>
+            </a:r>
+            <a:r>
+              <a:rPr lang="en-US" dirty="0" err="1"/>
+              <a:t>src</a:t>
+            </a:r>
+            <a:r>
+              <a:rPr lang="en-US" dirty="0"/>
+              <a:t>="images/robinhood.jpg" 	alt="Robin Hood"&gt;</a:t>
+            </a:r>
+          </a:p>
+          <a:p>
+            <a:r>
+              <a:rPr lang="en-US" dirty="0"/>
+              <a:t>&lt;/p&gt;</a:t>
             </a:r>
           </a:p>
         </p:txBody>
@@ -7220,7 +7247,7 @@
     </p:spTree>
     <p:extLst>
       <p:ext uri="{BB962C8B-B14F-4D97-AF65-F5344CB8AC3E}">
-        <p14:creationId xmlns:p14="http://schemas.microsoft.com/office/powerpoint/2010/main" val="1938030651"/>
+        <p14:creationId xmlns:p14="http://schemas.microsoft.com/office/powerpoint/2010/main" val="1723027310"/>
       </p:ext>
     </p:extLst>
   </p:cSld>
@@ -7264,7 +7291,7 @@
           <a:p>
             <a:r>
               <a:rPr lang="en-IE" dirty="0"/>
-              <a:t>HTML Elements: Structural</a:t>
+              <a:t>HTML Elements: Head</a:t>
             </a:r>
             <a:endParaRPr lang="en-US" dirty="0"/>
           </a:p>
@@ -7280,51 +7307,43 @@
             <p:ph idx="1"/>
           </p:nvPr>
         </p:nvSpPr>
-        <p:spPr/>
+        <p:spPr>
+          <a:xfrm>
+            <a:off x="457200" y="1600201"/>
+            <a:ext cx="8229600" cy="2590799"/>
+          </a:xfrm>
+        </p:spPr>
         <p:txBody>
           <a:bodyPr>
-            <a:normAutofit/>
+            <a:normAutofit fontScale="77500" lnSpcReduction="20000"/>
           </a:bodyPr>
           <a:lstStyle/>
           <a:p>
             <a:r>
-              <a:rPr lang="en-IE" sz="4400" b="1" dirty="0"/>
-              <a:t>&lt;head&gt;</a:t>
-            </a:r>
+              <a:rPr lang="en-IE" sz="4100" b="1" dirty="0"/>
+              <a:t>&lt;title&gt;</a:t>
+            </a:r>
+            <a:endParaRPr lang="en-US" sz="4100" b="1" dirty="0"/>
           </a:p>
           <a:p>
             <a:pPr lvl="1"/>
             <a:r>
               <a:rPr lang="en-US" dirty="0"/>
-              <a:t>The head element is the wrapper for all the head elements that:</a:t>
-            </a:r>
-          </a:p>
-          <a:p>
-            <a:pPr lvl="2"/>
+              <a:t>Displaying a title in the browser toolbar or in the task bar (on Windows).</a:t>
+            </a:r>
+          </a:p>
+          <a:p>
+            <a:pPr lvl="1"/>
             <a:r>
               <a:rPr lang="en-US" dirty="0"/>
-              <a:t>instruct the browser where to find style sheets,</a:t>
-            </a:r>
-          </a:p>
-          <a:p>
-            <a:pPr lvl="2"/>
+              <a:t>Providing for the document a name that’s used by the browser when you add the  page as a favorite or bookmark.</a:t>
+            </a:r>
+          </a:p>
+          <a:p>
+            <a:pPr lvl="1"/>
             <a:r>
               <a:rPr lang="en-US" dirty="0"/>
-              <a:t>define relationships that the document has to others in the web site;</a:t>
-            </a:r>
-          </a:p>
-          <a:p>
-            <a:pPr lvl="2"/>
-            <a:r>
-              <a:rPr lang="en-US" dirty="0"/>
-              <a:t>provide essential meta information;</a:t>
-            </a:r>
-          </a:p>
-          <a:p>
-            <a:pPr lvl="2"/>
-            <a:r>
-              <a:rPr lang="en-US" dirty="0"/>
-              <a:t>point to or include scripts that the document will need to apply later on.</a:t>
+              <a:t>Displaying a title of the page when it appears in search engine results.</a:t>
             </a:r>
           </a:p>
         </p:txBody>
@@ -7332,7 +7351,7 @@
     </p:spTree>
     <p:extLst>
       <p:ext uri="{BB962C8B-B14F-4D97-AF65-F5344CB8AC3E}">
-        <p14:creationId xmlns:p14="http://schemas.microsoft.com/office/powerpoint/2010/main" val="2450894430"/>
+        <p14:creationId xmlns:p14="http://schemas.microsoft.com/office/powerpoint/2010/main" val="1837438469"/>
       </p:ext>
     </p:extLst>
   </p:cSld>
@@ -7376,7 +7395,7 @@
           <a:p>
             <a:r>
               <a:rPr lang="en-IE" dirty="0"/>
-              <a:t>HTML Elements: Structural</a:t>
+              <a:t>HTML Elements: Head</a:t>
             </a:r>
             <a:endParaRPr lang="en-US" dirty="0"/>
           </a:p>
@@ -7392,43 +7411,257 @@
             <p:ph idx="1"/>
           </p:nvPr>
         </p:nvSpPr>
-        <p:spPr/>
-        <p:txBody>
-          <a:bodyPr/>
-          <a:lstStyle/>
-          <a:p>
-            <a:r>
-              <a:rPr lang="en-IE" sz="4400" b="1" dirty="0"/>
-              <a:t>&lt;body&gt;</a:t>
-            </a:r>
+        <p:spPr>
+          <a:xfrm>
+            <a:off x="457200" y="1600201"/>
+            <a:ext cx="8229600" cy="2590799"/>
+          </a:xfrm>
+        </p:spPr>
+        <p:txBody>
+          <a:bodyPr>
+            <a:normAutofit fontScale="70000" lnSpcReduction="20000"/>
+          </a:bodyPr>
+          <a:lstStyle/>
+          <a:p>
+            <a:r>
+              <a:rPr lang="en-IE" sz="4100" b="1" dirty="0"/>
+              <a:t>&lt;meta&gt;</a:t>
+            </a:r>
+            <a:endParaRPr lang="en-US" sz="4100" b="1" dirty="0"/>
           </a:p>
           <a:p>
             <a:pPr lvl="1"/>
             <a:r>
               <a:rPr lang="en-US" dirty="0"/>
-              <a:t>The body element wraps around all of the content that will be displayed on screen.</a:t>
+              <a:t>The &lt;meta&gt; element is used to specify page description, keywords, author, and other metadata.</a:t>
             </a:r>
           </a:p>
           <a:p>
             <a:pPr lvl="1"/>
             <a:r>
               <a:rPr lang="en-US" dirty="0"/>
-              <a:t>You should not place character data (text) or inline elements such as </a:t>
-            </a:r>
-            <a:r>
-              <a:rPr lang="en-US" dirty="0" err="1"/>
-              <a:t>em</a:t>
-            </a:r>
+              <a:t>Providing for the document a name that’s used by the browser when you add the  page as a favorite or bookmark.</a:t>
+            </a:r>
+          </a:p>
+          <a:p>
+            <a:pPr lvl="1"/>
             <a:r>
               <a:rPr lang="en-US" dirty="0"/>
-              <a:t>, directly into the body.</a:t>
+              <a:t>Displaying a title of the page when it appears in search engine results.</a:t>
             </a:r>
           </a:p>
           <a:p>
             <a:pPr lvl="1"/>
             <a:r>
-              <a:rPr lang="en-US" dirty="0"/>
-              <a:t>Instead, these should be contained inside block-level elements such as &lt;p&gt; elements</a:t>
+              <a:rPr lang="en-IE" dirty="0"/>
+              <a:t>See this in Bootstrap section.</a:t>
+            </a:r>
+          </a:p>
+          <a:p>
+            <a:pPr lvl="1"/>
+            <a:r>
+              <a:rPr lang="en-IE" dirty="0"/>
+              <a:t>Examples:</a:t>
+            </a:r>
+            <a:endParaRPr lang="en-US" dirty="0"/>
+          </a:p>
+        </p:txBody>
+      </p:sp>
+      <p:sp>
+        <p:nvSpPr>
+          <p:cNvPr id="5" name="Rectangle 4"/>
+          <p:cNvSpPr/>
+          <p:nvPr/>
+        </p:nvSpPr>
+        <p:spPr>
+          <a:xfrm>
+            <a:off x="630382" y="4433455"/>
+            <a:ext cx="8416086" cy="369332"/>
+          </a:xfrm>
+          <a:prstGeom prst="rect">
+            <a:avLst/>
+          </a:prstGeom>
+        </p:spPr>
+        <p:txBody>
+          <a:bodyPr wrap="none">
+            <a:spAutoFit/>
+          </a:bodyPr>
+          <a:lstStyle/>
+          <a:p>
+            <a:r>
+              <a:rPr lang="en-US" b="0" i="0" dirty="0">
+                <a:solidFill>
+                  <a:srgbClr val="0000FF"/>
+                </a:solidFill>
+                <a:effectLst/>
+                <a:latin typeface="Consolas"/>
+              </a:rPr>
+              <a:t>&lt;</a:t>
+            </a:r>
+            <a:r>
+              <a:rPr lang="en-US" b="0" i="0" dirty="0">
+                <a:solidFill>
+                  <a:srgbClr val="A52A2A"/>
+                </a:solidFill>
+                <a:effectLst/>
+                <a:latin typeface="Consolas"/>
+              </a:rPr>
+              <a:t>meta</a:t>
+            </a:r>
+            <a:r>
+              <a:rPr lang="en-US" b="0" i="0" dirty="0">
+                <a:solidFill>
+                  <a:srgbClr val="000000"/>
+                </a:solidFill>
+                <a:effectLst/>
+                <a:latin typeface="Consolas"/>
+              </a:rPr>
+              <a:t> </a:t>
+            </a:r>
+            <a:r>
+              <a:rPr lang="en-US" b="0" i="0" dirty="0">
+                <a:solidFill>
+                  <a:srgbClr val="DC143C"/>
+                </a:solidFill>
+                <a:effectLst/>
+                <a:latin typeface="Consolas"/>
+              </a:rPr>
+              <a:t>charset=</a:t>
+            </a:r>
+            <a:r>
+              <a:rPr lang="en-US" b="0" i="0" dirty="0">
+                <a:solidFill>
+                  <a:srgbClr val="0000CD"/>
+                </a:solidFill>
+                <a:effectLst/>
+                <a:latin typeface="Consolas"/>
+              </a:rPr>
+              <a:t>"UTF-8"</a:t>
+            </a:r>
+            <a:r>
+              <a:rPr lang="en-US" b="0" i="0" dirty="0">
+                <a:solidFill>
+                  <a:srgbClr val="0000FF"/>
+                </a:solidFill>
+                <a:effectLst/>
+                <a:latin typeface="Consolas"/>
+              </a:rPr>
+              <a:t>&gt;   &lt;!--specifies character set for page --&gt;</a:t>
+            </a:r>
+            <a:endParaRPr lang="en-US" dirty="0"/>
+          </a:p>
+        </p:txBody>
+      </p:sp>
+      <p:sp>
+        <p:nvSpPr>
+          <p:cNvPr id="7" name="Rectangle 6"/>
+          <p:cNvSpPr/>
+          <p:nvPr/>
+        </p:nvSpPr>
+        <p:spPr>
+          <a:xfrm>
+            <a:off x="609600" y="4953000"/>
+            <a:ext cx="8153400" cy="646331"/>
+          </a:xfrm>
+          <a:prstGeom prst="rect">
+            <a:avLst/>
+          </a:prstGeom>
+        </p:spPr>
+        <p:txBody>
+          <a:bodyPr wrap="square">
+            <a:spAutoFit/>
+          </a:bodyPr>
+          <a:lstStyle/>
+          <a:p>
+            <a:r>
+              <a:rPr lang="en-US" b="0" i="0" dirty="0">
+                <a:solidFill>
+                  <a:srgbClr val="0000FF"/>
+                </a:solidFill>
+                <a:effectLst/>
+                <a:latin typeface="Consolas"/>
+              </a:rPr>
+              <a:t>&lt;</a:t>
+            </a:r>
+            <a:r>
+              <a:rPr lang="en-US" b="0" i="0" dirty="0">
+                <a:solidFill>
+                  <a:srgbClr val="A52A2A"/>
+                </a:solidFill>
+                <a:effectLst/>
+                <a:latin typeface="Consolas"/>
+              </a:rPr>
+              <a:t>meta</a:t>
+            </a:r>
+            <a:r>
+              <a:rPr lang="en-US" b="0" i="0" dirty="0">
+                <a:solidFill>
+                  <a:srgbClr val="000000"/>
+                </a:solidFill>
+                <a:effectLst/>
+                <a:latin typeface="Consolas"/>
+              </a:rPr>
+              <a:t> </a:t>
+            </a:r>
+            <a:r>
+              <a:rPr lang="en-US" b="0" i="0" dirty="0">
+                <a:solidFill>
+                  <a:srgbClr val="DC143C"/>
+                </a:solidFill>
+                <a:effectLst/>
+                <a:latin typeface="Consolas"/>
+              </a:rPr>
+              <a:t>name=</a:t>
+            </a:r>
+            <a:r>
+              <a:rPr lang="en-US" b="0" i="0" dirty="0">
+                <a:solidFill>
+                  <a:srgbClr val="0000CD"/>
+                </a:solidFill>
+                <a:effectLst/>
+                <a:latin typeface="Consolas"/>
+              </a:rPr>
+              <a:t>"description"</a:t>
+            </a:r>
+            <a:r>
+              <a:rPr lang="en-US" b="0" i="0" dirty="0">
+                <a:solidFill>
+                  <a:srgbClr val="000000"/>
+                </a:solidFill>
+                <a:effectLst/>
+                <a:latin typeface="Consolas"/>
+              </a:rPr>
+              <a:t> </a:t>
+            </a:r>
+            <a:r>
+              <a:rPr lang="en-US" b="0" i="0" dirty="0">
+                <a:solidFill>
+                  <a:srgbClr val="DC143C"/>
+                </a:solidFill>
+                <a:effectLst/>
+                <a:latin typeface="Consolas"/>
+              </a:rPr>
+              <a:t>content=</a:t>
+            </a:r>
+            <a:r>
+              <a:rPr lang="en-US" b="0" i="0" dirty="0">
+                <a:solidFill>
+                  <a:srgbClr val="0000CD"/>
+                </a:solidFill>
+                <a:effectLst/>
+                <a:latin typeface="Consolas"/>
+              </a:rPr>
+              <a:t>"Free Web tutorials on HTML and CSS"</a:t>
+            </a:r>
+            <a:r>
+              <a:rPr lang="en-US" b="0" i="0" dirty="0">
+                <a:solidFill>
+                  <a:srgbClr val="0000FF"/>
+                </a:solidFill>
+                <a:effectLst/>
+                <a:latin typeface="Consolas"/>
+              </a:rPr>
+              <a:t>&gt;</a:t>
             </a:r>
           </a:p>
         </p:txBody>
@@ -7436,7 +7669,7 @@
     </p:spTree>
     <p:extLst>
       <p:ext uri="{BB962C8B-B14F-4D97-AF65-F5344CB8AC3E}">
-        <p14:creationId xmlns:p14="http://schemas.microsoft.com/office/powerpoint/2010/main" val="944399729"/>
+        <p14:creationId xmlns:p14="http://schemas.microsoft.com/office/powerpoint/2010/main" val="4005280228"/>
       </p:ext>
     </p:extLst>
   </p:cSld>
@@ -7479,10 +7712,9 @@
           <a:lstStyle/>
           <a:p>
             <a:r>
-              <a:rPr lang="en-IE" dirty="0"/>
-              <a:t>HTML Elements: Structural</a:t>
-            </a:r>
-            <a:endParaRPr lang="en-US" dirty="0"/>
+              <a:rPr lang="en-US" dirty="0"/>
+              <a:t>HTML Elements: Text Formatting</a:t>
+            </a:r>
           </a:p>
         </p:txBody>
       </p:sp>
@@ -7496,50 +7728,78 @@
             <p:ph idx="1"/>
           </p:nvPr>
         </p:nvSpPr>
-        <p:spPr>
-          <a:xfrm>
-            <a:off x="0" y="1524000"/>
-            <a:ext cx="4876800" cy="5334000"/>
-          </a:xfrm>
-        </p:spPr>
+        <p:spPr/>
         <p:txBody>
           <a:bodyPr>
-            <a:normAutofit fontScale="77500" lnSpcReduction="20000"/>
+            <a:normAutofit fontScale="92500" lnSpcReduction="10000"/>
           </a:bodyPr>
           <a:lstStyle/>
           <a:p>
             <a:r>
-              <a:rPr lang="en-US" sz="4600" b="1" dirty="0"/>
-              <a:t>&lt;h1-h6&gt;</a:t>
+              <a:rPr lang="en-IE" sz="4300" b="1" dirty="0"/>
+              <a:t>&lt;a&gt;</a:t>
             </a:r>
           </a:p>
           <a:p>
             <a:pPr lvl="1"/>
             <a:r>
               <a:rPr lang="en-US" dirty="0"/>
-              <a:t>The h1 element is used to indicate the most important (or highest-level) heading on the page.</a:t>
+              <a:t>Usually referred to as a link or hyperlink</a:t>
             </a:r>
           </a:p>
           <a:p>
             <a:pPr lvl="1"/>
             <a:r>
               <a:rPr lang="en-US" dirty="0"/>
-              <a:t>There are six heading levels to—h1 to h6—to add structure to the web page.</a:t>
+              <a:t>Has a 7 possible attributes in total, of which we have seen just one: </a:t>
+            </a:r>
+            <a:r>
+              <a:rPr lang="en-US" dirty="0" err="1"/>
+              <a:t>href</a:t>
+            </a:r>
+            <a:r>
+              <a:rPr lang="en-US" dirty="0"/>
+              <a:t>,</a:t>
             </a:r>
           </a:p>
           <a:p>
             <a:pPr lvl="1"/>
             <a:r>
               <a:rPr lang="en-US" dirty="0"/>
-              <a:t>A document’s first heading should be an h1, followed by one or more h2 headings; each of these h2 headings can then have a further series of h3 headings below them, and so on</a:t>
-            </a:r>
-          </a:p>
-          <a:p>
-            <a:pPr lvl="1"/>
+              <a:t>which defines the document to which the link leads. This may be</a:t>
+            </a:r>
+          </a:p>
+          <a:p>
+            <a:pPr lvl="2"/>
             <a:r>
               <a:rPr lang="en-US" dirty="0"/>
-              <a:t>May contain any text content, but it can’t include any block-level elements: only inline elements can be included</a:t>
-            </a:r>
+              <a:t>a web page in the same directory,</a:t>
+            </a:r>
+          </a:p>
+          <a:p>
+            <a:pPr lvl="2"/>
+            <a:r>
+              <a:rPr lang="en-US" dirty="0"/>
+              <a:t>a page somewhere else on the same server,</a:t>
+            </a:r>
+          </a:p>
+          <a:p>
+            <a:pPr lvl="2"/>
+            <a:r>
+              <a:rPr lang="en-US" dirty="0"/>
+              <a:t>a location within the current page,</a:t>
+            </a:r>
+          </a:p>
+          <a:p>
+            <a:pPr lvl="2"/>
+            <a:r>
+              <a:rPr lang="en-US" dirty="0"/>
+              <a:t>a web page—or any another kind of document—stored on another server</a:t>
+            </a:r>
+          </a:p>
+          <a:p>
+            <a:pPr lvl="2"/>
+            <a:endParaRPr lang="en-IE" dirty="0"/>
           </a:p>
         </p:txBody>
       </p:sp>
@@ -7551,8 +7811,8 @@
         </p:nvSpPr>
         <p:spPr>
           <a:xfrm>
-            <a:off x="4953000" y="1995055"/>
-            <a:ext cx="4191000" cy="2862322"/>
+            <a:off x="1787236" y="6252773"/>
+            <a:ext cx="4572000" cy="369332"/>
           </a:xfrm>
           <a:prstGeom prst="rect">
             <a:avLst/>
@@ -7564,78 +7824,22 @@
           </a:ln>
         </p:spPr>
         <p:txBody>
-          <a:bodyPr wrap="square">
+          <a:bodyPr>
             <a:spAutoFit/>
           </a:bodyPr>
           <a:lstStyle/>
           <a:p>
             <a:r>
               <a:rPr lang="en-US" dirty="0"/>
-              <a:t>&lt;h1&gt;News and Views&lt;/h1&gt;</a:t>
-            </a:r>
-          </a:p>
-          <a:p>
+              <a:t>&lt;a </a:t>
+            </a:r>
+            <a:r>
+              <a:rPr lang="en-US" dirty="0" err="1"/>
+              <a:t>href</a:t>
+            </a:r>
             <a:r>
               <a:rPr lang="en-US" dirty="0"/>
-              <a:t>&lt;p&gt;</a:t>
-            </a:r>
-          </a:p>
-          <a:p>
-            <a:r>
-              <a:rPr lang="en-US" dirty="0"/>
-              <a:t>Bits of news, words of advice</a:t>
-            </a:r>
-          </a:p>
-          <a:p>
-            <a:r>
-              <a:rPr lang="en-US" dirty="0"/>
-              <a:t>&lt;/p&gt;</a:t>
-            </a:r>
-          </a:p>
-          <a:p>
-            <a:r>
-              <a:rPr lang="en-US" dirty="0"/>
-              <a:t>!</a:t>
-            </a:r>
-          </a:p>
-          <a:p>
-            <a:r>
-              <a:rPr lang="en-US" dirty="0"/>
-              <a:t>&lt;h2&gt;September 3, 2010&lt;/h2&gt;</a:t>
-            </a:r>
-          </a:p>
-          <a:p>
-            <a:r>
-              <a:rPr lang="en-US" dirty="0"/>
-              <a:t>&lt;p&gt;</a:t>
-            </a:r>
-          </a:p>
-          <a:p>
-            <a:r>
-              <a:rPr lang="en-US" dirty="0"/>
-              <a:t>    &lt;</a:t>
-            </a:r>
-            <a:r>
-              <a:rPr lang="en-US" dirty="0" err="1"/>
-              <a:t>img</a:t>
-            </a:r>
-            <a:r>
-              <a:rPr lang="en-US" dirty="0"/>
-              <a:t> </a:t>
-            </a:r>
-            <a:r>
-              <a:rPr lang="en-US" dirty="0" err="1"/>
-              <a:t>src</a:t>
-            </a:r>
-            <a:r>
-              <a:rPr lang="en-US" dirty="0"/>
-              <a:t>="images/robinhood.jpg" 	alt="Robin Hood"&gt;</a:t>
-            </a:r>
-          </a:p>
-          <a:p>
-            <a:r>
-              <a:rPr lang="en-US" dirty="0"/>
-              <a:t>&lt;/p&gt;</a:t>
+              <a:t>=“stock/cars.html"&gt;new cars&lt;/a&gt;</a:t>
             </a:r>
           </a:p>
         </p:txBody>
@@ -7643,7 +7847,7 @@
     </p:spTree>
     <p:extLst>
       <p:ext uri="{BB962C8B-B14F-4D97-AF65-F5344CB8AC3E}">
-        <p14:creationId xmlns:p14="http://schemas.microsoft.com/office/powerpoint/2010/main" val="1723027310"/>
+        <p14:creationId xmlns:p14="http://schemas.microsoft.com/office/powerpoint/2010/main" val="1919656822"/>
       </p:ext>
     </p:extLst>
   </p:cSld>
@@ -7686,10 +7890,9 @@
           <a:lstStyle/>
           <a:p>
             <a:r>
-              <a:rPr lang="en-IE" dirty="0"/>
-              <a:t>HTML Elements: Head</a:t>
-            </a:r>
-            <a:endParaRPr lang="en-US" dirty="0"/>
+              <a:rPr lang="en-US" dirty="0"/>
+              <a:t>HTML Elements: List</a:t>
+            </a:r>
           </a:p>
         </p:txBody>
       </p:sp>
@@ -7705,49 +7908,415 @@
         </p:nvSpPr>
         <p:spPr>
           <a:xfrm>
-            <a:off x="457200" y="1600201"/>
-            <a:ext cx="8229600" cy="2590799"/>
+            <a:off x="457200" y="1600200"/>
+            <a:ext cx="3810000" cy="4525963"/>
           </a:xfrm>
         </p:spPr>
         <p:txBody>
           <a:bodyPr>
-            <a:normAutofit fontScale="77500" lnSpcReduction="20000"/>
+            <a:normAutofit fontScale="92500" lnSpcReduction="20000"/>
           </a:bodyPr>
           <a:lstStyle/>
           <a:p>
             <a:r>
-              <a:rPr lang="en-IE" sz="4100" b="1" dirty="0"/>
-              <a:t>&lt;title&gt;</a:t>
-            </a:r>
-            <a:endParaRPr lang="en-US" sz="4100" b="1" dirty="0"/>
+              <a:rPr lang="en-IE" sz="3600" b="1" dirty="0"/>
+              <a:t>&lt;</a:t>
+            </a:r>
+            <a:r>
+              <a:rPr lang="en-IE" sz="3600" b="1" dirty="0" err="1"/>
+              <a:t>ul</a:t>
+            </a:r>
+            <a:r>
+              <a:rPr lang="en-IE" sz="3600" b="1" dirty="0"/>
+              <a:t>&gt;</a:t>
+            </a:r>
           </a:p>
           <a:p>
             <a:pPr lvl="1"/>
             <a:r>
               <a:rPr lang="en-US" dirty="0"/>
-              <a:t>Displaying a title in the browser toolbar or in the task bar (on Windows).</a:t>
+              <a:t>Used to group a collection of items together in a list, but in a way that doesn’t suggest an order of precedence or importance.</a:t>
+            </a:r>
+            <a:endParaRPr lang="en-IE" dirty="0"/>
+          </a:p>
+          <a:p>
+            <a:r>
+              <a:rPr lang="en-IE" b="1" dirty="0"/>
+              <a:t>&lt;</a:t>
+            </a:r>
+            <a:r>
+              <a:rPr lang="en-IE" b="1" dirty="0" err="1"/>
+              <a:t>ol</a:t>
+            </a:r>
+            <a:r>
+              <a:rPr lang="en-IE" b="1" dirty="0"/>
+              <a:t>&gt;</a:t>
             </a:r>
           </a:p>
           <a:p>
             <a:pPr lvl="1"/>
             <a:r>
-              <a:rPr lang="en-US" dirty="0"/>
-              <a:t>Providing for the document a name that’s used by the browser when you add the  page as a favorite or bookmark.</a:t>
-            </a:r>
-          </a:p>
-          <a:p>
-            <a:pPr lvl="1"/>
-            <a:r>
-              <a:rPr lang="en-US" dirty="0"/>
-              <a:t>Displaying a title of the page when it appears in search engine results.</a:t>
-            </a:r>
+              <a:rPr lang="en-IE" dirty="0"/>
+              <a:t>Same as &lt;</a:t>
+            </a:r>
+            <a:r>
+              <a:rPr lang="en-IE" dirty="0" err="1"/>
+              <a:t>ul</a:t>
+            </a:r>
+            <a:r>
+              <a:rPr lang="en-IE" dirty="0"/>
+              <a:t>&gt; except bullets replaced by numbers</a:t>
+            </a:r>
+            <a:endParaRPr lang="en-US" dirty="0"/>
+          </a:p>
+        </p:txBody>
+      </p:sp>
+      <p:sp>
+        <p:nvSpPr>
+          <p:cNvPr id="4" name="Rectangle 3"/>
+          <p:cNvSpPr/>
+          <p:nvPr/>
+        </p:nvSpPr>
+        <p:spPr>
+          <a:xfrm>
+            <a:off x="4495800" y="1524000"/>
+            <a:ext cx="4191000" cy="1477328"/>
+          </a:xfrm>
+          <a:prstGeom prst="rect">
+            <a:avLst/>
+          </a:prstGeom>
+          <a:ln>
+            <a:solidFill>
+              <a:schemeClr val="tx1"/>
+            </a:solidFill>
+          </a:ln>
+        </p:spPr>
+        <p:txBody>
+          <a:bodyPr wrap="square">
+            <a:spAutoFit/>
+          </a:bodyPr>
+          <a:lstStyle/>
+          <a:p>
+            <a:r>
+              <a:rPr lang="en-US" b="1" dirty="0"/>
+              <a:t>&lt;</a:t>
+            </a:r>
+            <a:r>
+              <a:rPr lang="en-US" b="1" dirty="0" err="1"/>
+              <a:t>ul</a:t>
+            </a:r>
+            <a:r>
+              <a:rPr lang="en-US" b="1" dirty="0"/>
+              <a:t>&gt;</a:t>
+            </a:r>
+          </a:p>
+          <a:p>
+            <a:r>
+              <a:rPr lang="en-US" b="1" dirty="0"/>
+              <a:t>	&lt;li&gt;Air Con&lt;/li&gt;</a:t>
+            </a:r>
+          </a:p>
+          <a:p>
+            <a:r>
+              <a:rPr lang="en-US" b="1" dirty="0"/>
+              <a:t>	&lt;li&gt;Traction Control&lt;/li&gt;</a:t>
+            </a:r>
+          </a:p>
+          <a:p>
+            <a:r>
+              <a:rPr lang="en-US" b="1" dirty="0"/>
+              <a:t>	&lt;li&gt;ABS&lt;/li&gt;</a:t>
+            </a:r>
+          </a:p>
+          <a:p>
+            <a:r>
+              <a:rPr lang="en-US" b="1" dirty="0"/>
+              <a:t>&lt;/</a:t>
+            </a:r>
+            <a:r>
+              <a:rPr lang="en-US" b="1" dirty="0" err="1"/>
+              <a:t>ul</a:t>
+            </a:r>
+            <a:r>
+              <a:rPr lang="en-US" b="1" dirty="0"/>
+              <a:t>&gt;</a:t>
+            </a:r>
+          </a:p>
+        </p:txBody>
+      </p:sp>
+      <p:sp>
+        <p:nvSpPr>
+          <p:cNvPr id="5" name="Rectangle 4"/>
+          <p:cNvSpPr/>
+          <p:nvPr/>
+        </p:nvSpPr>
+        <p:spPr>
+          <a:xfrm>
+            <a:off x="4488873" y="3124200"/>
+            <a:ext cx="4191000" cy="1477328"/>
+          </a:xfrm>
+          <a:prstGeom prst="rect">
+            <a:avLst/>
+          </a:prstGeom>
+          <a:ln>
+            <a:solidFill>
+              <a:schemeClr val="tx1"/>
+            </a:solidFill>
+          </a:ln>
+        </p:spPr>
+        <p:txBody>
+          <a:bodyPr wrap="square">
+            <a:spAutoFit/>
+          </a:bodyPr>
+          <a:lstStyle/>
+          <a:p>
+            <a:r>
+              <a:rPr lang="en-US" b="1" dirty="0"/>
+              <a:t>&lt;</a:t>
+            </a:r>
+            <a:r>
+              <a:rPr lang="en-US" b="1" dirty="0" err="1"/>
+              <a:t>ol</a:t>
+            </a:r>
+            <a:r>
+              <a:rPr lang="en-US" b="1" dirty="0"/>
+              <a:t>&gt;</a:t>
+            </a:r>
+          </a:p>
+          <a:p>
+            <a:r>
+              <a:rPr lang="en-US" b="1" dirty="0"/>
+              <a:t>	&lt;li&gt;Air Con&lt;/li&gt;</a:t>
+            </a:r>
+          </a:p>
+          <a:p>
+            <a:r>
+              <a:rPr lang="en-US" b="1" dirty="0"/>
+              <a:t>	&lt;li&gt;Traction Control&lt;/li&gt;</a:t>
+            </a:r>
+          </a:p>
+          <a:p>
+            <a:r>
+              <a:rPr lang="en-US" b="1" dirty="0"/>
+              <a:t>	&lt;li&gt;ABS&lt;/li&gt;</a:t>
+            </a:r>
+          </a:p>
+          <a:p>
+            <a:r>
+              <a:rPr lang="en-US" b="1" dirty="0"/>
+              <a:t>&lt;/</a:t>
+            </a:r>
+            <a:r>
+              <a:rPr lang="en-US" b="1" dirty="0" err="1"/>
+              <a:t>ol</a:t>
+            </a:r>
+            <a:r>
+              <a:rPr lang="en-US" b="1" dirty="0"/>
+              <a:t>&gt;</a:t>
+            </a:r>
+          </a:p>
+        </p:txBody>
+      </p:sp>
+      <p:sp>
+        <p:nvSpPr>
+          <p:cNvPr id="6" name="Rectangle 5"/>
+          <p:cNvSpPr/>
+          <p:nvPr/>
+        </p:nvSpPr>
+        <p:spPr>
+          <a:xfrm>
+            <a:off x="4114800" y="5105400"/>
+            <a:ext cx="2095500" cy="923330"/>
+          </a:xfrm>
+          <a:prstGeom prst="rect">
+            <a:avLst/>
+          </a:prstGeom>
+          <a:ln>
+            <a:solidFill>
+              <a:schemeClr val="tx1"/>
+            </a:solidFill>
+          </a:ln>
+        </p:spPr>
+        <p:txBody>
+          <a:bodyPr wrap="square">
+            <a:spAutoFit/>
+          </a:bodyPr>
+          <a:lstStyle/>
+          <a:p>
+            <a:pPr marL="285750" indent="-285750">
+              <a:buFont typeface="Arial" panose="020B0604020202020204" pitchFamily="34" charset="0"/>
+              <a:buChar char="•"/>
+            </a:pPr>
+            <a:r>
+              <a:rPr lang="en-IE" b="1" dirty="0"/>
+              <a:t>Air Con</a:t>
+            </a:r>
+          </a:p>
+          <a:p>
+            <a:pPr marL="285750" indent="-285750">
+              <a:buFont typeface="Arial" panose="020B0604020202020204" pitchFamily="34" charset="0"/>
+              <a:buChar char="•"/>
+            </a:pPr>
+            <a:r>
+              <a:rPr lang="en-IE" b="1" dirty="0"/>
+              <a:t>Traction Control</a:t>
+            </a:r>
+          </a:p>
+          <a:p>
+            <a:pPr marL="285750" indent="-285750">
+              <a:buFont typeface="Arial" panose="020B0604020202020204" pitchFamily="34" charset="0"/>
+              <a:buChar char="•"/>
+            </a:pPr>
+            <a:r>
+              <a:rPr lang="en-IE" b="1" dirty="0"/>
+              <a:t>ABS</a:t>
+            </a:r>
+            <a:endParaRPr lang="en-US" b="1" dirty="0"/>
+          </a:p>
+        </p:txBody>
+      </p:sp>
+      <p:sp>
+        <p:nvSpPr>
+          <p:cNvPr id="7" name="Rectangle 6"/>
+          <p:cNvSpPr/>
+          <p:nvPr/>
+        </p:nvSpPr>
+        <p:spPr>
+          <a:xfrm>
+            <a:off x="6577446" y="5105400"/>
+            <a:ext cx="2095500" cy="923330"/>
+          </a:xfrm>
+          <a:prstGeom prst="rect">
+            <a:avLst/>
+          </a:prstGeom>
+          <a:ln>
+            <a:solidFill>
+              <a:schemeClr val="tx1"/>
+            </a:solidFill>
+          </a:ln>
+        </p:spPr>
+        <p:txBody>
+          <a:bodyPr wrap="square">
+            <a:spAutoFit/>
+          </a:bodyPr>
+          <a:lstStyle/>
+          <a:p>
+            <a:pPr marL="342900" indent="-342900">
+              <a:buFont typeface="+mj-lt"/>
+              <a:buAutoNum type="arabicPeriod"/>
+            </a:pPr>
+            <a:r>
+              <a:rPr lang="en-IE" b="1" dirty="0"/>
+              <a:t>Air Con</a:t>
+            </a:r>
+          </a:p>
+          <a:p>
+            <a:pPr marL="342900" indent="-342900">
+              <a:buFont typeface="+mj-lt"/>
+              <a:buAutoNum type="arabicPeriod"/>
+            </a:pPr>
+            <a:r>
+              <a:rPr lang="en-IE" b="1" dirty="0"/>
+              <a:t>Traction Control</a:t>
+            </a:r>
+          </a:p>
+          <a:p>
+            <a:pPr marL="342900" indent="-342900">
+              <a:buFont typeface="+mj-lt"/>
+              <a:buAutoNum type="arabicPeriod"/>
+            </a:pPr>
+            <a:r>
+              <a:rPr lang="en-IE" b="1" dirty="0"/>
+              <a:t>ABS</a:t>
+            </a:r>
+            <a:endParaRPr lang="en-US" b="1" dirty="0"/>
+          </a:p>
+        </p:txBody>
+      </p:sp>
+      <p:sp>
+        <p:nvSpPr>
+          <p:cNvPr id="8" name="Down Arrow 7"/>
+          <p:cNvSpPr/>
+          <p:nvPr/>
+        </p:nvSpPr>
+        <p:spPr>
+          <a:xfrm>
+            <a:off x="5162550" y="2362200"/>
+            <a:ext cx="323850" cy="2743200"/>
+          </a:xfrm>
+          <a:prstGeom prst="downArrow">
+            <a:avLst/>
+          </a:prstGeom>
+        </p:spPr>
+        <p:style>
+          <a:lnRef idx="2">
+            <a:schemeClr val="accent1">
+              <a:shade val="50000"/>
+            </a:schemeClr>
+          </a:lnRef>
+          <a:fillRef idx="1">
+            <a:schemeClr val="accent1"/>
+          </a:fillRef>
+          <a:effectRef idx="0">
+            <a:schemeClr val="accent1"/>
+          </a:effectRef>
+          <a:fontRef idx="minor">
+            <a:schemeClr val="lt1"/>
+          </a:fontRef>
+        </p:style>
+        <p:txBody>
+          <a:bodyPr rtlCol="0" anchor="ctr"/>
+          <a:lstStyle/>
+          <a:p>
+            <a:pPr algn="ctr"/>
+            <a:endParaRPr lang="en-US"/>
+          </a:p>
+        </p:txBody>
+      </p:sp>
+      <p:sp>
+        <p:nvSpPr>
+          <p:cNvPr id="9" name="Down Arrow 8"/>
+          <p:cNvSpPr/>
+          <p:nvPr/>
+        </p:nvSpPr>
+        <p:spPr>
+          <a:xfrm>
+            <a:off x="7463271" y="4062845"/>
+            <a:ext cx="323850" cy="1042555"/>
+          </a:xfrm>
+          <a:prstGeom prst="downArrow">
+            <a:avLst/>
+          </a:prstGeom>
+        </p:spPr>
+        <p:style>
+          <a:lnRef idx="2">
+            <a:schemeClr val="accent1">
+              <a:shade val="50000"/>
+            </a:schemeClr>
+          </a:lnRef>
+          <a:fillRef idx="1">
+            <a:schemeClr val="accent1"/>
+          </a:fillRef>
+          <a:effectRef idx="0">
+            <a:schemeClr val="accent1"/>
+          </a:effectRef>
+          <a:fontRef idx="minor">
+            <a:schemeClr val="lt1"/>
+          </a:fontRef>
+        </p:style>
+        <p:txBody>
+          <a:bodyPr rtlCol="0" anchor="ctr"/>
+          <a:lstStyle/>
+          <a:p>
+            <a:pPr algn="ctr"/>
+            <a:endParaRPr lang="en-US"/>
           </a:p>
         </p:txBody>
       </p:sp>
     </p:spTree>
     <p:extLst>
       <p:ext uri="{BB962C8B-B14F-4D97-AF65-F5344CB8AC3E}">
-        <p14:creationId xmlns:p14="http://schemas.microsoft.com/office/powerpoint/2010/main" val="1837438469"/>
+        <p14:creationId xmlns:p14="http://schemas.microsoft.com/office/powerpoint/2010/main" val="2445934189"/>
       </p:ext>
     </p:extLst>
   </p:cSld>
@@ -7791,9 +8360,8 @@
           <a:p>
             <a:r>
               <a:rPr lang="en-IE" dirty="0"/>
-              <a:t>HTML Elements: Head</a:t>
-            </a:r>
-            <a:endParaRPr lang="en-US" dirty="0"/>
+              <a:t>HTML Elements: div</a:t>
+            </a:r>
           </a:p>
         </p:txBody>
       </p:sp>
@@ -7809,255 +8377,178 @@
         </p:nvSpPr>
         <p:spPr>
           <a:xfrm>
-            <a:off x="457200" y="1600201"/>
-            <a:ext cx="8229600" cy="2590799"/>
+            <a:off x="933157" y="1143000"/>
+            <a:ext cx="7772400" cy="4525963"/>
           </a:xfrm>
         </p:spPr>
         <p:txBody>
           <a:bodyPr>
-            <a:normAutofit fontScale="70000" lnSpcReduction="20000"/>
+            <a:normAutofit/>
           </a:bodyPr>
           <a:lstStyle/>
           <a:p>
             <a:r>
-              <a:rPr lang="en-IE" sz="4100" b="1" dirty="0"/>
-              <a:t>&lt;meta&gt;</a:t>
-            </a:r>
-            <a:endParaRPr lang="en-US" sz="4100" b="1" dirty="0"/>
+              <a:rPr lang="en-IE" b="1" dirty="0"/>
+              <a:t>&lt;div&gt; </a:t>
+            </a:r>
+            <a:r>
+              <a:rPr lang="en-IE" dirty="0"/>
+              <a:t>Tag</a:t>
+            </a:r>
           </a:p>
           <a:p>
             <a:pPr lvl="1"/>
             <a:r>
-              <a:rPr lang="en-US" dirty="0"/>
-              <a:t>The &lt;meta&gt; element is used to specify page description, keywords, author, and other metadata.</a:t>
+              <a:rPr lang="en-IE" dirty="0"/>
+              <a:t>defines a division or a section in an HTML document</a:t>
             </a:r>
           </a:p>
           <a:p>
             <a:pPr lvl="1"/>
             <a:r>
-              <a:rPr lang="en-US" dirty="0"/>
-              <a:t>Providing for the document a name that’s used by the browser when you add the  page as a favorite or bookmark.</a:t>
+              <a:rPr lang="en-IE" dirty="0"/>
+              <a:t>often used to group block-elements to format them with CSS</a:t>
             </a:r>
           </a:p>
           <a:p>
             <a:pPr lvl="1"/>
             <a:r>
-              <a:rPr lang="en-US" dirty="0"/>
-              <a:t>Displaying a title of the page when it appears in search engine results.</a:t>
-            </a:r>
-          </a:p>
-          <a:p>
-            <a:pPr lvl="1"/>
-            <a:r>
-              <a:rPr lang="en-IE" dirty="0"/>
-              <a:t>See this in Bootstrap section.</a:t>
-            </a:r>
-          </a:p>
-          <a:p>
-            <a:pPr lvl="1"/>
-            <a:r>
-              <a:rPr lang="en-IE" dirty="0"/>
-              <a:t>Examples:</a:t>
-            </a:r>
-            <a:endParaRPr lang="en-US" dirty="0"/>
-          </a:p>
-        </p:txBody>
-      </p:sp>
-      <p:sp>
-        <p:nvSpPr>
-          <p:cNvPr id="5" name="Rectangle 4"/>
-          <p:cNvSpPr/>
+              <a:rPr lang="en-IE" dirty="0"/>
+              <a:t>Used extensively in front-end </a:t>
+            </a:r>
+            <a:r>
+              <a:rPr lang="en-IE" dirty="0" err="1"/>
+              <a:t>Javascript</a:t>
+            </a:r>
+            <a:r>
+              <a:rPr lang="en-IE" dirty="0"/>
+              <a:t> and CSS frameworks (e.g. React and Bootstrap)</a:t>
+            </a:r>
+          </a:p>
+        </p:txBody>
+      </p:sp>
+      <p:sp>
+        <p:nvSpPr>
+          <p:cNvPr id="4" name="TextBox 3"/>
+          <p:cNvSpPr txBox="1"/>
           <p:nvPr/>
         </p:nvSpPr>
         <p:spPr>
           <a:xfrm>
-            <a:off x="630382" y="4433455"/>
-            <a:ext cx="8416086" cy="369332"/>
+            <a:off x="484162" y="4572000"/>
+            <a:ext cx="8355037" cy="2031325"/>
           </a:xfrm>
           <a:prstGeom prst="rect">
             <a:avLst/>
           </a:prstGeom>
+          <a:noFill/>
+          <a:ln>
+            <a:solidFill>
+              <a:schemeClr val="accent1"/>
+            </a:solidFill>
+          </a:ln>
         </p:spPr>
         <p:txBody>
-          <a:bodyPr wrap="none">
+          <a:bodyPr wrap="square" rtlCol="0">
             <a:spAutoFit/>
           </a:bodyPr>
           <a:lstStyle/>
           <a:p>
             <a:r>
-              <a:rPr lang="en-US" b="0" i="0" dirty="0">
-                <a:solidFill>
-                  <a:srgbClr val="0000FF"/>
-                </a:solidFill>
-                <a:effectLst/>
-                <a:latin typeface="Consolas"/>
-              </a:rPr>
-              <a:t>&lt;</a:t>
-            </a:r>
-            <a:r>
-              <a:rPr lang="en-US" b="0" i="0" dirty="0">
-                <a:solidFill>
-                  <a:srgbClr val="A52A2A"/>
-                </a:solidFill>
-                <a:effectLst/>
-                <a:latin typeface="Consolas"/>
-              </a:rPr>
-              <a:t>meta</a:t>
-            </a:r>
-            <a:r>
-              <a:rPr lang="en-US" b="0" i="0" dirty="0">
-                <a:solidFill>
-                  <a:srgbClr val="000000"/>
-                </a:solidFill>
-                <a:effectLst/>
-                <a:latin typeface="Consolas"/>
-              </a:rPr>
-              <a:t> </a:t>
-            </a:r>
-            <a:r>
-              <a:rPr lang="en-US" b="0" i="0" dirty="0">
-                <a:solidFill>
-                  <a:srgbClr val="DC143C"/>
-                </a:solidFill>
-                <a:effectLst/>
-                <a:latin typeface="Consolas"/>
-              </a:rPr>
-              <a:t>charset=</a:t>
-            </a:r>
-            <a:r>
-              <a:rPr lang="en-US" b="0" i="0" dirty="0">
-                <a:solidFill>
-                  <a:srgbClr val="0000CD"/>
-                </a:solidFill>
-                <a:effectLst/>
-                <a:latin typeface="Consolas"/>
-              </a:rPr>
-              <a:t>"UTF-8"</a:t>
-            </a:r>
-            <a:r>
-              <a:rPr lang="en-US" b="0" i="0" dirty="0">
-                <a:solidFill>
-                  <a:srgbClr val="0000FF"/>
-                </a:solidFill>
-                <a:effectLst/>
-                <a:latin typeface="Consolas"/>
-              </a:rPr>
-              <a:t>&gt;   &lt;!--specifies character set for page --&gt;</a:t>
-            </a:r>
-            <a:endParaRPr lang="en-US" dirty="0"/>
-          </a:p>
-        </p:txBody>
-      </p:sp>
-      <p:sp>
-        <p:nvSpPr>
-          <p:cNvPr id="7" name="Rectangle 6"/>
-          <p:cNvSpPr/>
-          <p:nvPr/>
-        </p:nvSpPr>
-        <p:spPr>
-          <a:xfrm>
-            <a:off x="609600" y="4953000"/>
-            <a:ext cx="8153400" cy="646331"/>
-          </a:xfrm>
-          <a:prstGeom prst="rect">
-            <a:avLst/>
-          </a:prstGeom>
-        </p:spPr>
-        <p:txBody>
-          <a:bodyPr wrap="square">
-            <a:spAutoFit/>
-          </a:bodyPr>
-          <a:lstStyle/>
-          <a:p>
-            <a:r>
-              <a:rPr lang="en-US" b="0" i="0" dirty="0">
-                <a:solidFill>
-                  <a:srgbClr val="0000FF"/>
-                </a:solidFill>
-                <a:effectLst/>
-                <a:latin typeface="Consolas"/>
-              </a:rPr>
-              <a:t>&lt;</a:t>
-            </a:r>
-            <a:r>
-              <a:rPr lang="en-US" b="0" i="0" dirty="0">
-                <a:solidFill>
-                  <a:srgbClr val="A52A2A"/>
-                </a:solidFill>
-                <a:effectLst/>
-                <a:latin typeface="Consolas"/>
-              </a:rPr>
-              <a:t>meta</a:t>
-            </a:r>
-            <a:r>
-              <a:rPr lang="en-US" b="0" i="0" dirty="0">
-                <a:solidFill>
-                  <a:srgbClr val="000000"/>
-                </a:solidFill>
-                <a:effectLst/>
-                <a:latin typeface="Consolas"/>
-              </a:rPr>
-              <a:t> </a:t>
-            </a:r>
-            <a:r>
-              <a:rPr lang="en-US" b="0" i="0" dirty="0">
-                <a:solidFill>
-                  <a:srgbClr val="DC143C"/>
-                </a:solidFill>
-                <a:effectLst/>
-                <a:latin typeface="Consolas"/>
-              </a:rPr>
-              <a:t>name=</a:t>
-            </a:r>
-            <a:r>
-              <a:rPr lang="en-US" b="0" i="0" dirty="0">
-                <a:solidFill>
-                  <a:srgbClr val="0000CD"/>
-                </a:solidFill>
-                <a:effectLst/>
-                <a:latin typeface="Consolas"/>
-              </a:rPr>
-              <a:t>"description"</a:t>
-            </a:r>
-            <a:r>
-              <a:rPr lang="en-US" b="0" i="0" dirty="0">
-                <a:solidFill>
-                  <a:srgbClr val="000000"/>
-                </a:solidFill>
-                <a:effectLst/>
-                <a:latin typeface="Consolas"/>
-              </a:rPr>
-              <a:t> </a:t>
-            </a:r>
-            <a:r>
-              <a:rPr lang="en-US" b="0" i="0" dirty="0">
-                <a:solidFill>
-                  <a:srgbClr val="DC143C"/>
-                </a:solidFill>
-                <a:effectLst/>
-                <a:latin typeface="Consolas"/>
-              </a:rPr>
-              <a:t>content=</a:t>
-            </a:r>
-            <a:r>
-              <a:rPr lang="en-US" b="0" i="0" dirty="0">
-                <a:solidFill>
-                  <a:srgbClr val="0000CD"/>
-                </a:solidFill>
-                <a:effectLst/>
-                <a:latin typeface="Consolas"/>
-              </a:rPr>
-              <a:t>"Free Web tutorials on HTML and CSS"</a:t>
-            </a:r>
-            <a:r>
-              <a:rPr lang="en-US" b="0" i="0" dirty="0">
-                <a:solidFill>
-                  <a:srgbClr val="0000FF"/>
-                </a:solidFill>
-                <a:effectLst/>
-                <a:latin typeface="Consolas"/>
-              </a:rPr>
-              <a:t>&gt;</a:t>
+              <a:rPr lang="en-IE" b="1" dirty="0"/>
+              <a:t>&lt;div id="navbar" class="collapse navbar-collapse"&gt;          </a:t>
+            </a:r>
+          </a:p>
+          <a:p>
+            <a:r>
+              <a:rPr lang="en-IE" dirty="0"/>
+              <a:t>	&lt;</a:t>
+            </a:r>
+            <a:r>
+              <a:rPr lang="en-IE" dirty="0" err="1"/>
+              <a:t>ul</a:t>
+            </a:r>
+            <a:r>
+              <a:rPr lang="en-IE" dirty="0"/>
+              <a:t> class="</a:t>
+            </a:r>
+            <a:r>
+              <a:rPr lang="en-IE" dirty="0" err="1"/>
+              <a:t>nav</a:t>
+            </a:r>
+            <a:r>
+              <a:rPr lang="en-IE" dirty="0"/>
+              <a:t> navbar-</a:t>
+            </a:r>
+            <a:r>
+              <a:rPr lang="en-IE" dirty="0" err="1"/>
+              <a:t>nav</a:t>
+            </a:r>
+            <a:r>
+              <a:rPr lang="en-IE" dirty="0"/>
+              <a:t>"&gt;           </a:t>
+            </a:r>
+          </a:p>
+          <a:p>
+            <a:r>
+              <a:rPr lang="en-IE" dirty="0"/>
+              <a:t> 		&lt;li class="active"&gt;&lt;a </a:t>
+            </a:r>
+            <a:r>
+              <a:rPr lang="en-IE" dirty="0" err="1"/>
+              <a:t>href</a:t>
+            </a:r>
+            <a:r>
+              <a:rPr lang="en-IE" dirty="0"/>
+              <a:t>="#"&gt;Home&lt;/a&gt;&lt;/li&gt;           </a:t>
+            </a:r>
+          </a:p>
+          <a:p>
+            <a:r>
+              <a:rPr lang="en-IE" dirty="0"/>
+              <a:t> 		&lt;li&gt;&lt;a </a:t>
+            </a:r>
+            <a:r>
+              <a:rPr lang="en-IE" dirty="0" err="1"/>
+              <a:t>href</a:t>
+            </a:r>
+            <a:r>
+              <a:rPr lang="en-IE" dirty="0"/>
+              <a:t>="#about"&gt;About&lt;/a&gt;&lt;/li&gt;            </a:t>
+            </a:r>
+          </a:p>
+          <a:p>
+            <a:r>
+              <a:rPr lang="en-IE" dirty="0"/>
+              <a:t>		&lt;li&gt;&lt;a </a:t>
+            </a:r>
+            <a:r>
+              <a:rPr lang="en-IE" dirty="0" err="1"/>
+              <a:t>href</a:t>
+            </a:r>
+            <a:r>
+              <a:rPr lang="en-IE" dirty="0"/>
+              <a:t>="#contact"&gt;Contact&lt;/a&gt;&lt;/li&gt;          </a:t>
+            </a:r>
+          </a:p>
+          <a:p>
+            <a:r>
+              <a:rPr lang="en-IE" dirty="0"/>
+              <a:t>	&lt;/</a:t>
+            </a:r>
+            <a:r>
+              <a:rPr lang="en-IE" dirty="0" err="1"/>
+              <a:t>ul</a:t>
+            </a:r>
+            <a:r>
+              <a:rPr lang="en-IE" dirty="0"/>
+              <a:t>&gt;        </a:t>
+            </a:r>
+          </a:p>
+          <a:p>
+            <a:r>
+              <a:rPr lang="en-IE" b="1" dirty="0"/>
+              <a:t>&lt;/div&gt;</a:t>
             </a:r>
           </a:p>
         </p:txBody>
@@ -8065,7 +8556,7 @@
     </p:spTree>
     <p:extLst>
       <p:ext uri="{BB962C8B-B14F-4D97-AF65-F5344CB8AC3E}">
-        <p14:creationId xmlns:p14="http://schemas.microsoft.com/office/powerpoint/2010/main" val="4005280228"/>
+        <p14:creationId xmlns:p14="http://schemas.microsoft.com/office/powerpoint/2010/main" val="1104083677"/>
       </p:ext>
     </p:extLst>
   </p:cSld>
@@ -8108,8 +8599,8 @@
           <a:lstStyle/>
           <a:p>
             <a:r>
-              <a:rPr lang="en-US" dirty="0"/>
-              <a:t>HTML Elements: Text Formatting</a:t>
+              <a:rPr lang="en-IE" dirty="0"/>
+              <a:t>HTML Elements: script</a:t>
             </a:r>
           </a:p>
         </p:txBody>
@@ -8123,119 +8614,176 @@
           <p:nvPr>
             <p:ph idx="1"/>
           </p:nvPr>
-        </p:nvSpPr>
-        <p:spPr/>
-        <p:txBody>
-          <a:bodyPr>
-            <a:normAutofit fontScale="92500" lnSpcReduction="10000"/>
-          </a:bodyPr>
-          <a:lstStyle/>
-          <a:p>
-            <a:r>
-              <a:rPr lang="en-IE" sz="4300" b="1" dirty="0"/>
-              <a:t>&lt;a&gt;</a:t>
-            </a:r>
-          </a:p>
-          <a:p>
-            <a:pPr lvl="1"/>
-            <a:r>
-              <a:rPr lang="en-US" dirty="0"/>
-              <a:t>Usually referred to as a link or hyperlink</a:t>
-            </a:r>
-          </a:p>
-          <a:p>
-            <a:pPr lvl="1"/>
-            <a:r>
-              <a:rPr lang="en-US" dirty="0"/>
-              <a:t>Has a 7 possible attributes in total, of which we have seen just one: </a:t>
-            </a:r>
-            <a:r>
-              <a:rPr lang="en-US" dirty="0" err="1"/>
-              <a:t>href</a:t>
-            </a:r>
-            <a:r>
-              <a:rPr lang="en-US" dirty="0"/>
-              <a:t>,</a:t>
-            </a:r>
-          </a:p>
-          <a:p>
-            <a:pPr lvl="1"/>
-            <a:r>
-              <a:rPr lang="en-US" dirty="0"/>
-              <a:t>which defines the document to which the link leads. This may be</a:t>
-            </a:r>
-          </a:p>
-          <a:p>
-            <a:pPr lvl="2"/>
-            <a:r>
-              <a:rPr lang="en-US" dirty="0"/>
-              <a:t>a web page in the same directory,</a:t>
-            </a:r>
-          </a:p>
-          <a:p>
-            <a:pPr lvl="2"/>
-            <a:r>
-              <a:rPr lang="en-US" dirty="0"/>
-              <a:t>a page somewhere else on the same server,</a:t>
-            </a:r>
-          </a:p>
-          <a:p>
-            <a:pPr lvl="2"/>
-            <a:r>
-              <a:rPr lang="en-US" dirty="0"/>
-              <a:t>a location within the current page,</a:t>
-            </a:r>
-          </a:p>
-          <a:p>
-            <a:pPr lvl="2"/>
-            <a:r>
-              <a:rPr lang="en-US" dirty="0"/>
-              <a:t>a web page—or any another kind of document—stored on another server</a:t>
-            </a:r>
-          </a:p>
-          <a:p>
-            <a:pPr lvl="2"/>
-            <a:endParaRPr lang="en-IE" dirty="0"/>
-          </a:p>
-        </p:txBody>
-      </p:sp>
-      <p:sp>
-        <p:nvSpPr>
-          <p:cNvPr id="4" name="Rectangle 3"/>
-          <p:cNvSpPr/>
-          <p:nvPr/>
         </p:nvSpPr>
         <p:spPr>
           <a:xfrm>
-            <a:off x="1787236" y="6252773"/>
-            <a:ext cx="4572000" cy="369332"/>
+            <a:off x="342900" y="1380124"/>
+            <a:ext cx="8458200" cy="2133600"/>
+          </a:xfrm>
+        </p:spPr>
+        <p:txBody>
+          <a:bodyPr>
+            <a:normAutofit fontScale="77500" lnSpcReduction="20000"/>
+          </a:bodyPr>
+          <a:lstStyle/>
+          <a:p>
+            <a:r>
+              <a:rPr lang="en-IE" dirty="0"/>
+              <a:t>&lt;script&gt; tag:</a:t>
+            </a:r>
+          </a:p>
+          <a:p>
+            <a:pPr lvl="1"/>
+            <a:r>
+              <a:rPr lang="en-IE" dirty="0"/>
+              <a:t>used to define a client-side script (JavaScript)</a:t>
+            </a:r>
+          </a:p>
+          <a:p>
+            <a:pPr lvl="1"/>
+            <a:r>
+              <a:rPr lang="en-IE" dirty="0"/>
+              <a:t>either contains scripting statements, or it points to an external script file through the </a:t>
+            </a:r>
+            <a:r>
+              <a:rPr lang="en-IE" dirty="0" err="1"/>
+              <a:t>src</a:t>
+            </a:r>
+            <a:r>
+              <a:rPr lang="en-IE" dirty="0"/>
+              <a:t> attribute.</a:t>
+            </a:r>
+          </a:p>
+          <a:p>
+            <a:r>
+              <a:rPr lang="en-IE" dirty="0"/>
+              <a:t>Use the script tag to pull in client side </a:t>
+            </a:r>
+            <a:r>
+              <a:rPr lang="en-IE" dirty="0" err="1"/>
+              <a:t>js</a:t>
+            </a:r>
+            <a:r>
+              <a:rPr lang="en-IE" dirty="0"/>
+              <a:t> frameworks</a:t>
+            </a:r>
+          </a:p>
+          <a:p>
+            <a:pPr lvl="1"/>
+            <a:r>
+              <a:rPr lang="en-IE" dirty="0" err="1"/>
+              <a:t>Jquery</a:t>
+            </a:r>
+            <a:r>
+              <a:rPr lang="en-IE" dirty="0"/>
+              <a:t>, React…</a:t>
+            </a:r>
+          </a:p>
+          <a:p>
+            <a:pPr lvl="1"/>
+            <a:endParaRPr lang="en-IE" dirty="0"/>
+          </a:p>
+          <a:p>
+            <a:pPr lvl="1"/>
+            <a:endParaRPr lang="en-IE" dirty="0"/>
+          </a:p>
+        </p:txBody>
+      </p:sp>
+      <p:sp>
+        <p:nvSpPr>
+          <p:cNvPr id="4" name="TextBox 3"/>
+          <p:cNvSpPr txBox="1"/>
+          <p:nvPr/>
+        </p:nvSpPr>
+        <p:spPr>
+          <a:xfrm>
+            <a:off x="474785" y="3441680"/>
+            <a:ext cx="6916615" cy="2862322"/>
           </a:xfrm>
           <a:prstGeom prst="rect">
             <a:avLst/>
           </a:prstGeom>
-          <a:ln>
-            <a:solidFill>
-              <a:schemeClr val="tx1"/>
-            </a:solidFill>
-          </a:ln>
+          <a:noFill/>
         </p:spPr>
         <p:txBody>
-          <a:bodyPr>
+          <a:bodyPr wrap="square" rtlCol="0">
             <a:spAutoFit/>
           </a:bodyPr>
           <a:lstStyle/>
           <a:p>
             <a:r>
-              <a:rPr lang="en-US" dirty="0"/>
-              <a:t>&lt;a </a:t>
-            </a:r>
-            <a:r>
-              <a:rPr lang="en-US" dirty="0" err="1"/>
-              <a:t>href</a:t>
-            </a:r>
-            <a:r>
-              <a:rPr lang="en-US" dirty="0"/>
-              <a:t>=“stock/cars.html"&gt;new cars&lt;/a&gt;</a:t>
+              <a:rPr lang="en-IE" dirty="0"/>
+              <a:t>&lt;!DOCTYPE html&gt;  </a:t>
+            </a:r>
+          </a:p>
+          <a:p>
+            <a:r>
+              <a:rPr lang="en-IE" dirty="0"/>
+              <a:t>&lt;html&gt;  </a:t>
+            </a:r>
+          </a:p>
+          <a:p>
+            <a:r>
+              <a:rPr lang="en-IE" dirty="0"/>
+              <a:t>&lt;body&gt;  </a:t>
+            </a:r>
+          </a:p>
+          <a:p>
+            <a:r>
+              <a:rPr lang="en-IE" dirty="0"/>
+              <a:t>     &lt;p id="demo"&gt;&lt;/p&gt;  </a:t>
+            </a:r>
+          </a:p>
+          <a:p>
+            <a:r>
+              <a:rPr lang="en-IE" dirty="0"/>
+              <a:t>&lt;script&gt;  </a:t>
+            </a:r>
+          </a:p>
+          <a:p>
+            <a:r>
+              <a:rPr lang="en-IE" dirty="0"/>
+              <a:t>   </a:t>
+            </a:r>
+            <a:r>
+              <a:rPr lang="en-IE" dirty="0" err="1"/>
+              <a:t>document.getElementById</a:t>
+            </a:r>
+            <a:r>
+              <a:rPr lang="en-IE" dirty="0"/>
+              <a:t>("demo").</a:t>
+            </a:r>
+            <a:r>
+              <a:rPr lang="en-IE" dirty="0" err="1"/>
+              <a:t>innerHTML</a:t>
+            </a:r>
+            <a:r>
+              <a:rPr lang="en-IE" dirty="0"/>
+              <a:t> = "Hello JavaScript!";  </a:t>
+            </a:r>
+          </a:p>
+          <a:p>
+            <a:r>
+              <a:rPr lang="en-IE" dirty="0"/>
+              <a:t>&lt;/script&gt; </a:t>
+            </a:r>
+          </a:p>
+          <a:p>
+            <a:r>
+              <a:rPr lang="en-IE" dirty="0"/>
+              <a:t>    </a:t>
+            </a:r>
+          </a:p>
+          <a:p>
+            <a:r>
+              <a:rPr lang="en-IE" dirty="0"/>
+              <a:t>&lt;/body&gt;  </a:t>
+            </a:r>
+          </a:p>
+          <a:p>
+            <a:r>
+              <a:rPr lang="en-IE" dirty="0"/>
+              <a:t>&lt;/html&gt;  </a:t>
             </a:r>
           </a:p>
         </p:txBody>
@@ -8243,7 +8791,7 @@
     </p:spTree>
     <p:extLst>
       <p:ext uri="{BB962C8B-B14F-4D97-AF65-F5344CB8AC3E}">
-        <p14:creationId xmlns:p14="http://schemas.microsoft.com/office/powerpoint/2010/main" val="1919656822"/>
+        <p14:creationId xmlns:p14="http://schemas.microsoft.com/office/powerpoint/2010/main" val="731880338"/>
       </p:ext>
     </p:extLst>
   </p:cSld>
@@ -8286,433 +8834,77 @@
           <a:lstStyle/>
           <a:p>
             <a:r>
-              <a:rPr lang="en-US" dirty="0"/>
-              <a:t>HTML Elements: List</a:t>
-            </a:r>
-          </a:p>
-        </p:txBody>
-      </p:sp>
-      <p:sp>
-        <p:nvSpPr>
-          <p:cNvPr id="3" name="Content Placeholder 2"/>
-          <p:cNvSpPr>
-            <a:spLocks noGrp="1"/>
-          </p:cNvSpPr>
-          <p:nvPr>
-            <p:ph idx="1"/>
-          </p:nvPr>
-        </p:nvSpPr>
-        <p:spPr>
+              <a:rPr lang="en-IE" dirty="0"/>
+              <a:t>CSS</a:t>
+            </a:r>
+            <a:endParaRPr lang="en-US" dirty="0"/>
+          </a:p>
+        </p:txBody>
+      </p:sp>
+      <p:sp>
+        <p:nvSpPr>
+          <p:cNvPr id="3" name="Text Placeholder 2"/>
+          <p:cNvSpPr>
+            <a:spLocks noGrp="1"/>
+          </p:cNvSpPr>
+          <p:nvPr>
+            <p:ph type="body" idx="1"/>
+          </p:nvPr>
+        </p:nvSpPr>
+        <p:spPr/>
+        <p:txBody>
+          <a:bodyPr/>
+          <a:lstStyle/>
+          <a:p>
+            <a:endParaRPr lang="en-US"/>
+          </a:p>
+        </p:txBody>
+      </p:sp>
+      <p:pic>
+        <p:nvPicPr>
+          <p:cNvPr id="4" name="Picture 10" descr="http://lagos.gdg.ng/events/mg1/img/css3.jpg"/>
+          <p:cNvPicPr>
+            <a:picLocks noChangeAspect="1" noChangeArrowheads="1"/>
+          </p:cNvPicPr>
+          <p:nvPr/>
+        </p:nvPicPr>
+        <p:blipFill>
+          <a:blip r:embed="rId2">
+            <a:extLst>
+              <a:ext uri="{28A0092B-C50C-407E-A947-70E740481C1C}">
+                <a14:useLocalDpi xmlns:a14="http://schemas.microsoft.com/office/drawing/2010/main" val="0"/>
+              </a:ext>
+            </a:extLst>
+          </a:blip>
+          <a:srcRect/>
+          <a:stretch>
+            <a:fillRect/>
+          </a:stretch>
+        </p:blipFill>
+        <p:spPr bwMode="auto">
           <a:xfrm>
-            <a:off x="457200" y="1600200"/>
-            <a:ext cx="3810000" cy="4525963"/>
-          </a:xfrm>
-        </p:spPr>
-        <p:txBody>
-          <a:bodyPr>
-            <a:normAutofit fontScale="92500" lnSpcReduction="20000"/>
-          </a:bodyPr>
-          <a:lstStyle/>
-          <a:p>
-            <a:r>
-              <a:rPr lang="en-IE" sz="3600" b="1" dirty="0"/>
-              <a:t>&lt;</a:t>
-            </a:r>
-            <a:r>
-              <a:rPr lang="en-IE" sz="3600" b="1" dirty="0" err="1"/>
-              <a:t>ul</a:t>
-            </a:r>
-            <a:r>
-              <a:rPr lang="en-IE" sz="3600" b="1" dirty="0"/>
-              <a:t>&gt;</a:t>
-            </a:r>
-          </a:p>
-          <a:p>
-            <a:pPr lvl="1"/>
-            <a:r>
-              <a:rPr lang="en-US" dirty="0"/>
-              <a:t>Used to group a collection of items together in a list, but in a way that doesn’t suggest an order of precedence or importance.</a:t>
-            </a:r>
-            <a:endParaRPr lang="en-IE" dirty="0"/>
-          </a:p>
-          <a:p>
-            <a:r>
-              <a:rPr lang="en-IE" b="1" dirty="0"/>
-              <a:t>&lt;</a:t>
-            </a:r>
-            <a:r>
-              <a:rPr lang="en-IE" b="1" dirty="0" err="1"/>
-              <a:t>ol</a:t>
-            </a:r>
-            <a:r>
-              <a:rPr lang="en-IE" b="1" dirty="0"/>
-              <a:t>&gt;</a:t>
-            </a:r>
-          </a:p>
-          <a:p>
-            <a:pPr lvl="1"/>
-            <a:r>
-              <a:rPr lang="en-IE" dirty="0"/>
-              <a:t>Same as &lt;</a:t>
-            </a:r>
-            <a:r>
-              <a:rPr lang="en-IE" dirty="0" err="1"/>
-              <a:t>ul</a:t>
-            </a:r>
-            <a:r>
-              <a:rPr lang="en-IE" dirty="0"/>
-              <a:t>&gt; except bullets replaced by numbers</a:t>
-            </a:r>
-            <a:endParaRPr lang="en-US" dirty="0"/>
-          </a:p>
-        </p:txBody>
-      </p:sp>
-      <p:sp>
-        <p:nvSpPr>
-          <p:cNvPr id="4" name="Rectangle 3"/>
-          <p:cNvSpPr/>
-          <p:nvPr/>
-        </p:nvSpPr>
-        <p:spPr>
-          <a:xfrm>
-            <a:off x="4495800" y="1524000"/>
-            <a:ext cx="4191000" cy="1477328"/>
+            <a:off x="3657600" y="2971800"/>
+            <a:ext cx="1468582" cy="1311234"/>
           </a:xfrm>
           <a:prstGeom prst="rect">
             <a:avLst/>
           </a:prstGeom>
-          <a:ln>
-            <a:solidFill>
-              <a:schemeClr val="tx1"/>
-            </a:solidFill>
-          </a:ln>
+          <a:noFill/>
+          <a:extLst>
+            <a:ext uri="{909E8E84-426E-40DD-AFC4-6F175D3DCCD1}">
+              <a14:hiddenFill xmlns:a14="http://schemas.microsoft.com/office/drawing/2010/main">
+                <a:solidFill>
+                  <a:srgbClr val="FFFFFF"/>
+                </a:solidFill>
+              </a14:hiddenFill>
+            </a:ext>
+          </a:extLst>
         </p:spPr>
-        <p:txBody>
-          <a:bodyPr wrap="square">
-            <a:spAutoFit/>
-          </a:bodyPr>
-          <a:lstStyle/>
-          <a:p>
-            <a:r>
-              <a:rPr lang="en-US" b="1" dirty="0"/>
-              <a:t>&lt;</a:t>
-            </a:r>
-            <a:r>
-              <a:rPr lang="en-US" b="1" dirty="0" err="1"/>
-              <a:t>ul</a:t>
-            </a:r>
-            <a:r>
-              <a:rPr lang="en-US" b="1" dirty="0"/>
-              <a:t>&gt;</a:t>
-            </a:r>
-          </a:p>
-          <a:p>
-            <a:r>
-              <a:rPr lang="en-US" b="1" dirty="0"/>
-              <a:t>	&lt;li&gt;Air Con&lt;/li&gt;</a:t>
-            </a:r>
-          </a:p>
-          <a:p>
-            <a:r>
-              <a:rPr lang="en-US" b="1" dirty="0"/>
-              <a:t>	&lt;li&gt;Traction Control&lt;/li&gt;</a:t>
-            </a:r>
-          </a:p>
-          <a:p>
-            <a:r>
-              <a:rPr lang="en-US" b="1" dirty="0"/>
-              <a:t>	&lt;li&gt;ABS&lt;/li&gt;</a:t>
-            </a:r>
-          </a:p>
-          <a:p>
-            <a:r>
-              <a:rPr lang="en-US" b="1" dirty="0"/>
-              <a:t>&lt;/</a:t>
-            </a:r>
-            <a:r>
-              <a:rPr lang="en-US" b="1" dirty="0" err="1"/>
-              <a:t>ul</a:t>
-            </a:r>
-            <a:r>
-              <a:rPr lang="en-US" b="1" dirty="0"/>
-              <a:t>&gt;</a:t>
-            </a:r>
-          </a:p>
-        </p:txBody>
-      </p:sp>
-      <p:sp>
-        <p:nvSpPr>
-          <p:cNvPr id="5" name="Rectangle 4"/>
-          <p:cNvSpPr/>
-          <p:nvPr/>
-        </p:nvSpPr>
-        <p:spPr>
-          <a:xfrm>
-            <a:off x="4488873" y="3124200"/>
-            <a:ext cx="4191000" cy="1477328"/>
-          </a:xfrm>
-          <a:prstGeom prst="rect">
-            <a:avLst/>
-          </a:prstGeom>
-          <a:ln>
-            <a:solidFill>
-              <a:schemeClr val="tx1"/>
-            </a:solidFill>
-          </a:ln>
-        </p:spPr>
-        <p:txBody>
-          <a:bodyPr wrap="square">
-            <a:spAutoFit/>
-          </a:bodyPr>
-          <a:lstStyle/>
-          <a:p>
-            <a:r>
-              <a:rPr lang="en-US" b="1" dirty="0"/>
-              <a:t>&lt;</a:t>
-            </a:r>
-            <a:r>
-              <a:rPr lang="en-US" b="1" dirty="0" err="1"/>
-              <a:t>ol</a:t>
-            </a:r>
-            <a:r>
-              <a:rPr lang="en-US" b="1" dirty="0"/>
-              <a:t>&gt;</a:t>
-            </a:r>
-          </a:p>
-          <a:p>
-            <a:r>
-              <a:rPr lang="en-US" b="1" dirty="0"/>
-              <a:t>	&lt;li&gt;Air Con&lt;/li&gt;</a:t>
-            </a:r>
-          </a:p>
-          <a:p>
-            <a:r>
-              <a:rPr lang="en-US" b="1" dirty="0"/>
-              <a:t>	&lt;li&gt;Traction Control&lt;/li&gt;</a:t>
-            </a:r>
-          </a:p>
-          <a:p>
-            <a:r>
-              <a:rPr lang="en-US" b="1" dirty="0"/>
-              <a:t>	&lt;li&gt;ABS&lt;/li&gt;</a:t>
-            </a:r>
-          </a:p>
-          <a:p>
-            <a:r>
-              <a:rPr lang="en-US" b="1" dirty="0"/>
-              <a:t>&lt;/</a:t>
-            </a:r>
-            <a:r>
-              <a:rPr lang="en-US" b="1" dirty="0" err="1"/>
-              <a:t>ol</a:t>
-            </a:r>
-            <a:r>
-              <a:rPr lang="en-US" b="1" dirty="0"/>
-              <a:t>&gt;</a:t>
-            </a:r>
-          </a:p>
-        </p:txBody>
-      </p:sp>
-      <p:sp>
-        <p:nvSpPr>
-          <p:cNvPr id="6" name="Rectangle 5"/>
-          <p:cNvSpPr/>
-          <p:nvPr/>
-        </p:nvSpPr>
-        <p:spPr>
-          <a:xfrm>
-            <a:off x="4114800" y="5105400"/>
-            <a:ext cx="2095500" cy="923330"/>
-          </a:xfrm>
-          <a:prstGeom prst="rect">
-            <a:avLst/>
-          </a:prstGeom>
-          <a:ln>
-            <a:solidFill>
-              <a:schemeClr val="tx1"/>
-            </a:solidFill>
-          </a:ln>
-        </p:spPr>
-        <p:txBody>
-          <a:bodyPr wrap="square">
-            <a:spAutoFit/>
-          </a:bodyPr>
-          <a:lstStyle/>
-          <a:p>
-            <a:pPr marL="285750" indent="-285750">
-              <a:buFont typeface="Arial" panose="020B0604020202020204" pitchFamily="34" charset="0"/>
-              <a:buChar char="•"/>
-            </a:pPr>
-            <a:r>
-              <a:rPr lang="en-IE" b="1" dirty="0"/>
-              <a:t>Air Con</a:t>
-            </a:r>
-          </a:p>
-          <a:p>
-            <a:pPr marL="285750" indent="-285750">
-              <a:buFont typeface="Arial" panose="020B0604020202020204" pitchFamily="34" charset="0"/>
-              <a:buChar char="•"/>
-            </a:pPr>
-            <a:r>
-              <a:rPr lang="en-IE" b="1" dirty="0"/>
-              <a:t>Traction Control</a:t>
-            </a:r>
-          </a:p>
-          <a:p>
-            <a:pPr marL="285750" indent="-285750">
-              <a:buFont typeface="Arial" panose="020B0604020202020204" pitchFamily="34" charset="0"/>
-              <a:buChar char="•"/>
-            </a:pPr>
-            <a:r>
-              <a:rPr lang="en-IE" b="1" dirty="0"/>
-              <a:t>ABS</a:t>
-            </a:r>
-            <a:endParaRPr lang="en-US" b="1" dirty="0"/>
-          </a:p>
-        </p:txBody>
-      </p:sp>
-      <p:sp>
-        <p:nvSpPr>
-          <p:cNvPr id="7" name="Rectangle 6"/>
-          <p:cNvSpPr/>
-          <p:nvPr/>
-        </p:nvSpPr>
-        <p:spPr>
-          <a:xfrm>
-            <a:off x="6577446" y="5105400"/>
-            <a:ext cx="2095500" cy="923330"/>
-          </a:xfrm>
-          <a:prstGeom prst="rect">
-            <a:avLst/>
-          </a:prstGeom>
-          <a:ln>
-            <a:solidFill>
-              <a:schemeClr val="tx1"/>
-            </a:solidFill>
-          </a:ln>
-        </p:spPr>
-        <p:txBody>
-          <a:bodyPr wrap="square">
-            <a:spAutoFit/>
-          </a:bodyPr>
-          <a:lstStyle/>
-          <a:p>
-            <a:pPr marL="342900" indent="-342900">
-              <a:buFont typeface="+mj-lt"/>
-              <a:buAutoNum type="arabicPeriod"/>
-            </a:pPr>
-            <a:r>
-              <a:rPr lang="en-IE" b="1" dirty="0"/>
-              <a:t>Air Con</a:t>
-            </a:r>
-          </a:p>
-          <a:p>
-            <a:pPr marL="342900" indent="-342900">
-              <a:buFont typeface="+mj-lt"/>
-              <a:buAutoNum type="arabicPeriod"/>
-            </a:pPr>
-            <a:r>
-              <a:rPr lang="en-IE" b="1" dirty="0"/>
-              <a:t>Traction Control</a:t>
-            </a:r>
-          </a:p>
-          <a:p>
-            <a:pPr marL="342900" indent="-342900">
-              <a:buFont typeface="+mj-lt"/>
-              <a:buAutoNum type="arabicPeriod"/>
-            </a:pPr>
-            <a:r>
-              <a:rPr lang="en-IE" b="1" dirty="0"/>
-              <a:t>ABS</a:t>
-            </a:r>
-            <a:endParaRPr lang="en-US" b="1" dirty="0"/>
-          </a:p>
-        </p:txBody>
-      </p:sp>
-      <p:sp>
-        <p:nvSpPr>
-          <p:cNvPr id="8" name="Down Arrow 7"/>
-          <p:cNvSpPr/>
-          <p:nvPr/>
-        </p:nvSpPr>
-        <p:spPr>
-          <a:xfrm>
-            <a:off x="5162550" y="2362200"/>
-            <a:ext cx="323850" cy="2743200"/>
-          </a:xfrm>
-          <a:prstGeom prst="downArrow">
-            <a:avLst/>
-          </a:prstGeom>
-        </p:spPr>
-        <p:style>
-          <a:lnRef idx="2">
-            <a:schemeClr val="accent1">
-              <a:shade val="50000"/>
-            </a:schemeClr>
-          </a:lnRef>
-          <a:fillRef idx="1">
-            <a:schemeClr val="accent1"/>
-          </a:fillRef>
-          <a:effectRef idx="0">
-            <a:schemeClr val="accent1"/>
-          </a:effectRef>
-          <a:fontRef idx="minor">
-            <a:schemeClr val="lt1"/>
-          </a:fontRef>
-        </p:style>
-        <p:txBody>
-          <a:bodyPr rtlCol="0" anchor="ctr"/>
-          <a:lstStyle/>
-          <a:p>
-            <a:pPr algn="ctr"/>
-            <a:endParaRPr lang="en-US"/>
-          </a:p>
-        </p:txBody>
-      </p:sp>
-      <p:sp>
-        <p:nvSpPr>
-          <p:cNvPr id="9" name="Down Arrow 8"/>
-          <p:cNvSpPr/>
-          <p:nvPr/>
-        </p:nvSpPr>
-        <p:spPr>
-          <a:xfrm>
-            <a:off x="7463271" y="4062845"/>
-            <a:ext cx="323850" cy="1042555"/>
-          </a:xfrm>
-          <a:prstGeom prst="downArrow">
-            <a:avLst/>
-          </a:prstGeom>
-        </p:spPr>
-        <p:style>
-          <a:lnRef idx="2">
-            <a:schemeClr val="accent1">
-              <a:shade val="50000"/>
-            </a:schemeClr>
-          </a:lnRef>
-          <a:fillRef idx="1">
-            <a:schemeClr val="accent1"/>
-          </a:fillRef>
-          <a:effectRef idx="0">
-            <a:schemeClr val="accent1"/>
-          </a:effectRef>
-          <a:fontRef idx="minor">
-            <a:schemeClr val="lt1"/>
-          </a:fontRef>
-        </p:style>
-        <p:txBody>
-          <a:bodyPr rtlCol="0" anchor="ctr"/>
-          <a:lstStyle/>
-          <a:p>
-            <a:pPr algn="ctr"/>
-            <a:endParaRPr lang="en-US"/>
-          </a:p>
-        </p:txBody>
-      </p:sp>
+      </p:pic>
     </p:spTree>
     <p:extLst>
       <p:ext uri="{BB962C8B-B14F-4D97-AF65-F5344CB8AC3E}">
-        <p14:creationId xmlns:p14="http://schemas.microsoft.com/office/powerpoint/2010/main" val="2445934189"/>
+        <p14:creationId xmlns:p14="http://schemas.microsoft.com/office/powerpoint/2010/main" val="3514915763"/>
       </p:ext>
     </p:extLst>
   </p:cSld>
@@ -8894,594 +9086,6 @@
 </file>
 
 <file path=ppt/slides/slide40.xml><?xml version="1.0" encoding="utf-8"?>
-<p:sld xmlns:a="http://schemas.openxmlformats.org/drawingml/2006/main" xmlns:r="http://schemas.openxmlformats.org/officeDocument/2006/relationships" xmlns:p="http://schemas.openxmlformats.org/presentationml/2006/main">
-  <p:cSld>
-    <p:spTree>
-      <p:nvGrpSpPr>
-        <p:cNvPr id="1" name=""/>
-        <p:cNvGrpSpPr/>
-        <p:nvPr/>
-      </p:nvGrpSpPr>
-      <p:grpSpPr>
-        <a:xfrm>
-          <a:off x="0" y="0"/>
-          <a:ext cx="0" cy="0"/>
-          <a:chOff x="0" y="0"/>
-          <a:chExt cx="0" cy="0"/>
-        </a:xfrm>
-      </p:grpSpPr>
-      <p:sp>
-        <p:nvSpPr>
-          <p:cNvPr id="2" name="Title 1"/>
-          <p:cNvSpPr>
-            <a:spLocks noGrp="1"/>
-          </p:cNvSpPr>
-          <p:nvPr>
-            <p:ph type="title"/>
-          </p:nvPr>
-        </p:nvSpPr>
-        <p:spPr/>
-        <p:txBody>
-          <a:bodyPr/>
-          <a:lstStyle/>
-          <a:p>
-            <a:r>
-              <a:rPr lang="en-IE" dirty="0"/>
-              <a:t>HTML Elements: div</a:t>
-            </a:r>
-          </a:p>
-        </p:txBody>
-      </p:sp>
-      <p:sp>
-        <p:nvSpPr>
-          <p:cNvPr id="3" name="Content Placeholder 2"/>
-          <p:cNvSpPr>
-            <a:spLocks noGrp="1"/>
-          </p:cNvSpPr>
-          <p:nvPr>
-            <p:ph idx="1"/>
-          </p:nvPr>
-        </p:nvSpPr>
-        <p:spPr>
-          <a:xfrm>
-            <a:off x="933157" y="1143000"/>
-            <a:ext cx="7772400" cy="4525963"/>
-          </a:xfrm>
-        </p:spPr>
-        <p:txBody>
-          <a:bodyPr>
-            <a:normAutofit/>
-          </a:bodyPr>
-          <a:lstStyle/>
-          <a:p>
-            <a:r>
-              <a:rPr lang="en-IE" b="1" dirty="0"/>
-              <a:t>&lt;div&gt; </a:t>
-            </a:r>
-            <a:r>
-              <a:rPr lang="en-IE" dirty="0"/>
-              <a:t>Tag</a:t>
-            </a:r>
-          </a:p>
-          <a:p>
-            <a:pPr lvl="1"/>
-            <a:r>
-              <a:rPr lang="en-IE" dirty="0"/>
-              <a:t>defines a division or a section in an HTML document</a:t>
-            </a:r>
-          </a:p>
-          <a:p>
-            <a:pPr lvl="1"/>
-            <a:r>
-              <a:rPr lang="en-IE" dirty="0"/>
-              <a:t>often used to group block-elements to format them with CSS</a:t>
-            </a:r>
-          </a:p>
-          <a:p>
-            <a:pPr lvl="1"/>
-            <a:r>
-              <a:rPr lang="en-IE" dirty="0"/>
-              <a:t>Used extensively in front-end </a:t>
-            </a:r>
-            <a:r>
-              <a:rPr lang="en-IE" dirty="0" err="1"/>
-              <a:t>Javascript</a:t>
-            </a:r>
-            <a:r>
-              <a:rPr lang="en-IE" dirty="0"/>
-              <a:t> and CSS frameworks (e.g. React and Bootstrap)</a:t>
-            </a:r>
-          </a:p>
-        </p:txBody>
-      </p:sp>
-      <p:sp>
-        <p:nvSpPr>
-          <p:cNvPr id="4" name="TextBox 3"/>
-          <p:cNvSpPr txBox="1"/>
-          <p:nvPr/>
-        </p:nvSpPr>
-        <p:spPr>
-          <a:xfrm>
-            <a:off x="484162" y="4572000"/>
-            <a:ext cx="8355037" cy="2031325"/>
-          </a:xfrm>
-          <a:prstGeom prst="rect">
-            <a:avLst/>
-          </a:prstGeom>
-          <a:noFill/>
-          <a:ln>
-            <a:solidFill>
-              <a:schemeClr val="accent1"/>
-            </a:solidFill>
-          </a:ln>
-        </p:spPr>
-        <p:txBody>
-          <a:bodyPr wrap="square" rtlCol="0">
-            <a:spAutoFit/>
-          </a:bodyPr>
-          <a:lstStyle/>
-          <a:p>
-            <a:r>
-              <a:rPr lang="en-IE" b="1" dirty="0"/>
-              <a:t>&lt;div id="navbar" class="collapse navbar-collapse"&gt;          </a:t>
-            </a:r>
-          </a:p>
-          <a:p>
-            <a:r>
-              <a:rPr lang="en-IE" dirty="0"/>
-              <a:t>	&lt;</a:t>
-            </a:r>
-            <a:r>
-              <a:rPr lang="en-IE" dirty="0" err="1"/>
-              <a:t>ul</a:t>
-            </a:r>
-            <a:r>
-              <a:rPr lang="en-IE" dirty="0"/>
-              <a:t> class="</a:t>
-            </a:r>
-            <a:r>
-              <a:rPr lang="en-IE" dirty="0" err="1"/>
-              <a:t>nav</a:t>
-            </a:r>
-            <a:r>
-              <a:rPr lang="en-IE" dirty="0"/>
-              <a:t> navbar-</a:t>
-            </a:r>
-            <a:r>
-              <a:rPr lang="en-IE" dirty="0" err="1"/>
-              <a:t>nav</a:t>
-            </a:r>
-            <a:r>
-              <a:rPr lang="en-IE" dirty="0"/>
-              <a:t>"&gt;           </a:t>
-            </a:r>
-          </a:p>
-          <a:p>
-            <a:r>
-              <a:rPr lang="en-IE" dirty="0"/>
-              <a:t> 		&lt;li class="active"&gt;&lt;a </a:t>
-            </a:r>
-            <a:r>
-              <a:rPr lang="en-IE" dirty="0" err="1"/>
-              <a:t>href</a:t>
-            </a:r>
-            <a:r>
-              <a:rPr lang="en-IE" dirty="0"/>
-              <a:t>="#"&gt;Home&lt;/a&gt;&lt;/li&gt;           </a:t>
-            </a:r>
-          </a:p>
-          <a:p>
-            <a:r>
-              <a:rPr lang="en-IE" dirty="0"/>
-              <a:t> 		&lt;li&gt;&lt;a </a:t>
-            </a:r>
-            <a:r>
-              <a:rPr lang="en-IE" dirty="0" err="1"/>
-              <a:t>href</a:t>
-            </a:r>
-            <a:r>
-              <a:rPr lang="en-IE" dirty="0"/>
-              <a:t>="#about"&gt;About&lt;/a&gt;&lt;/li&gt;            </a:t>
-            </a:r>
-          </a:p>
-          <a:p>
-            <a:r>
-              <a:rPr lang="en-IE" dirty="0"/>
-              <a:t>		&lt;li&gt;&lt;a </a:t>
-            </a:r>
-            <a:r>
-              <a:rPr lang="en-IE" dirty="0" err="1"/>
-              <a:t>href</a:t>
-            </a:r>
-            <a:r>
-              <a:rPr lang="en-IE" dirty="0"/>
-              <a:t>="#contact"&gt;Contact&lt;/a&gt;&lt;/li&gt;          </a:t>
-            </a:r>
-          </a:p>
-          <a:p>
-            <a:r>
-              <a:rPr lang="en-IE" dirty="0"/>
-              <a:t>	&lt;/</a:t>
-            </a:r>
-            <a:r>
-              <a:rPr lang="en-IE" dirty="0" err="1"/>
-              <a:t>ul</a:t>
-            </a:r>
-            <a:r>
-              <a:rPr lang="en-IE" dirty="0"/>
-              <a:t>&gt;        </a:t>
-            </a:r>
-          </a:p>
-          <a:p>
-            <a:r>
-              <a:rPr lang="en-IE" b="1" dirty="0"/>
-              <a:t>&lt;/div&gt;</a:t>
-            </a:r>
-          </a:p>
-        </p:txBody>
-      </p:sp>
-    </p:spTree>
-    <p:extLst>
-      <p:ext uri="{BB962C8B-B14F-4D97-AF65-F5344CB8AC3E}">
-        <p14:creationId xmlns:p14="http://schemas.microsoft.com/office/powerpoint/2010/main" val="1104083677"/>
-      </p:ext>
-    </p:extLst>
-  </p:cSld>
-  <p:clrMapOvr>
-    <a:masterClrMapping/>
-  </p:clrMapOvr>
-</p:sld>
-</file>
-
-<file path=ppt/slides/slide41.xml><?xml version="1.0" encoding="utf-8"?>
-<p:sld xmlns:a="http://schemas.openxmlformats.org/drawingml/2006/main" xmlns:r="http://schemas.openxmlformats.org/officeDocument/2006/relationships" xmlns:p="http://schemas.openxmlformats.org/presentationml/2006/main">
-  <p:cSld>
-    <p:spTree>
-      <p:nvGrpSpPr>
-        <p:cNvPr id="1" name=""/>
-        <p:cNvGrpSpPr/>
-        <p:nvPr/>
-      </p:nvGrpSpPr>
-      <p:grpSpPr>
-        <a:xfrm>
-          <a:off x="0" y="0"/>
-          <a:ext cx="0" cy="0"/>
-          <a:chOff x="0" y="0"/>
-          <a:chExt cx="0" cy="0"/>
-        </a:xfrm>
-      </p:grpSpPr>
-      <p:sp>
-        <p:nvSpPr>
-          <p:cNvPr id="2" name="Title 1"/>
-          <p:cNvSpPr>
-            <a:spLocks noGrp="1"/>
-          </p:cNvSpPr>
-          <p:nvPr>
-            <p:ph type="title"/>
-          </p:nvPr>
-        </p:nvSpPr>
-        <p:spPr/>
-        <p:txBody>
-          <a:bodyPr/>
-          <a:lstStyle/>
-          <a:p>
-            <a:r>
-              <a:rPr lang="en-IE" dirty="0"/>
-              <a:t>HTML Elements: script</a:t>
-            </a:r>
-          </a:p>
-        </p:txBody>
-      </p:sp>
-      <p:sp>
-        <p:nvSpPr>
-          <p:cNvPr id="3" name="Content Placeholder 2"/>
-          <p:cNvSpPr>
-            <a:spLocks noGrp="1"/>
-          </p:cNvSpPr>
-          <p:nvPr>
-            <p:ph idx="1"/>
-          </p:nvPr>
-        </p:nvSpPr>
-        <p:spPr>
-          <a:xfrm>
-            <a:off x="342900" y="1380124"/>
-            <a:ext cx="8458200" cy="2133600"/>
-          </a:xfrm>
-        </p:spPr>
-        <p:txBody>
-          <a:bodyPr>
-            <a:normAutofit fontScale="77500" lnSpcReduction="20000"/>
-          </a:bodyPr>
-          <a:lstStyle/>
-          <a:p>
-            <a:r>
-              <a:rPr lang="en-IE" dirty="0"/>
-              <a:t>&lt;script&gt; tag:</a:t>
-            </a:r>
-          </a:p>
-          <a:p>
-            <a:pPr lvl="1"/>
-            <a:r>
-              <a:rPr lang="en-IE" dirty="0"/>
-              <a:t>used to define a client-side script (JavaScript)</a:t>
-            </a:r>
-          </a:p>
-          <a:p>
-            <a:pPr lvl="1"/>
-            <a:r>
-              <a:rPr lang="en-IE" dirty="0"/>
-              <a:t>either contains scripting statements, or it points to an external script file through the </a:t>
-            </a:r>
-            <a:r>
-              <a:rPr lang="en-IE" dirty="0" err="1"/>
-              <a:t>src</a:t>
-            </a:r>
-            <a:r>
-              <a:rPr lang="en-IE" dirty="0"/>
-              <a:t> attribute.</a:t>
-            </a:r>
-          </a:p>
-          <a:p>
-            <a:r>
-              <a:rPr lang="en-IE" dirty="0"/>
-              <a:t>Use the script tag to pull in client side </a:t>
-            </a:r>
-            <a:r>
-              <a:rPr lang="en-IE" dirty="0" err="1"/>
-              <a:t>js</a:t>
-            </a:r>
-            <a:r>
-              <a:rPr lang="en-IE" dirty="0"/>
-              <a:t> frameworks</a:t>
-            </a:r>
-          </a:p>
-          <a:p>
-            <a:pPr lvl="1"/>
-            <a:r>
-              <a:rPr lang="en-IE" dirty="0" err="1"/>
-              <a:t>Jquery</a:t>
-            </a:r>
-            <a:r>
-              <a:rPr lang="en-IE" dirty="0"/>
-              <a:t>, React…</a:t>
-            </a:r>
-          </a:p>
-          <a:p>
-            <a:pPr lvl="1"/>
-            <a:endParaRPr lang="en-IE" dirty="0"/>
-          </a:p>
-          <a:p>
-            <a:pPr lvl="1"/>
-            <a:endParaRPr lang="en-IE" dirty="0"/>
-          </a:p>
-        </p:txBody>
-      </p:sp>
-      <p:sp>
-        <p:nvSpPr>
-          <p:cNvPr id="4" name="TextBox 3"/>
-          <p:cNvSpPr txBox="1"/>
-          <p:nvPr/>
-        </p:nvSpPr>
-        <p:spPr>
-          <a:xfrm>
-            <a:off x="474785" y="3441680"/>
-            <a:ext cx="6916615" cy="2862322"/>
-          </a:xfrm>
-          <a:prstGeom prst="rect">
-            <a:avLst/>
-          </a:prstGeom>
-          <a:noFill/>
-        </p:spPr>
-        <p:txBody>
-          <a:bodyPr wrap="square" rtlCol="0">
-            <a:spAutoFit/>
-          </a:bodyPr>
-          <a:lstStyle/>
-          <a:p>
-            <a:r>
-              <a:rPr lang="en-IE" dirty="0"/>
-              <a:t>&lt;!DOCTYPE html&gt;  </a:t>
-            </a:r>
-          </a:p>
-          <a:p>
-            <a:r>
-              <a:rPr lang="en-IE" dirty="0"/>
-              <a:t>&lt;html&gt;  </a:t>
-            </a:r>
-          </a:p>
-          <a:p>
-            <a:r>
-              <a:rPr lang="en-IE" dirty="0"/>
-              <a:t>&lt;body&gt;  </a:t>
-            </a:r>
-          </a:p>
-          <a:p>
-            <a:r>
-              <a:rPr lang="en-IE" dirty="0"/>
-              <a:t>     &lt;p id="demo"&gt;&lt;/p&gt;  </a:t>
-            </a:r>
-          </a:p>
-          <a:p>
-            <a:r>
-              <a:rPr lang="en-IE" dirty="0"/>
-              <a:t>&lt;script&gt;  </a:t>
-            </a:r>
-          </a:p>
-          <a:p>
-            <a:r>
-              <a:rPr lang="en-IE" dirty="0"/>
-              <a:t>   </a:t>
-            </a:r>
-            <a:r>
-              <a:rPr lang="en-IE" dirty="0" err="1"/>
-              <a:t>document.getElementById</a:t>
-            </a:r>
-            <a:r>
-              <a:rPr lang="en-IE" dirty="0"/>
-              <a:t>("demo").</a:t>
-            </a:r>
-            <a:r>
-              <a:rPr lang="en-IE" dirty="0" err="1"/>
-              <a:t>innerHTML</a:t>
-            </a:r>
-            <a:r>
-              <a:rPr lang="en-IE" dirty="0"/>
-              <a:t> = "Hello JavaScript!";  </a:t>
-            </a:r>
-          </a:p>
-          <a:p>
-            <a:r>
-              <a:rPr lang="en-IE" dirty="0"/>
-              <a:t>&lt;/script&gt; </a:t>
-            </a:r>
-          </a:p>
-          <a:p>
-            <a:r>
-              <a:rPr lang="en-IE" dirty="0"/>
-              <a:t>    </a:t>
-            </a:r>
-          </a:p>
-          <a:p>
-            <a:r>
-              <a:rPr lang="en-IE" dirty="0"/>
-              <a:t>&lt;/body&gt;  </a:t>
-            </a:r>
-          </a:p>
-          <a:p>
-            <a:r>
-              <a:rPr lang="en-IE" dirty="0"/>
-              <a:t>&lt;/html&gt;  </a:t>
-            </a:r>
-          </a:p>
-        </p:txBody>
-      </p:sp>
-    </p:spTree>
-    <p:extLst>
-      <p:ext uri="{BB962C8B-B14F-4D97-AF65-F5344CB8AC3E}">
-        <p14:creationId xmlns:p14="http://schemas.microsoft.com/office/powerpoint/2010/main" val="731880338"/>
-      </p:ext>
-    </p:extLst>
-  </p:cSld>
-  <p:clrMapOvr>
-    <a:masterClrMapping/>
-  </p:clrMapOvr>
-</p:sld>
-</file>
-
-<file path=ppt/slides/slide42.xml><?xml version="1.0" encoding="utf-8"?>
-<p:sld xmlns:a="http://schemas.openxmlformats.org/drawingml/2006/main" xmlns:r="http://schemas.openxmlformats.org/officeDocument/2006/relationships" xmlns:p="http://schemas.openxmlformats.org/presentationml/2006/main">
-  <p:cSld>
-    <p:spTree>
-      <p:nvGrpSpPr>
-        <p:cNvPr id="1" name=""/>
-        <p:cNvGrpSpPr/>
-        <p:nvPr/>
-      </p:nvGrpSpPr>
-      <p:grpSpPr>
-        <a:xfrm>
-          <a:off x="0" y="0"/>
-          <a:ext cx="0" cy="0"/>
-          <a:chOff x="0" y="0"/>
-          <a:chExt cx="0" cy="0"/>
-        </a:xfrm>
-      </p:grpSpPr>
-      <p:sp>
-        <p:nvSpPr>
-          <p:cNvPr id="2" name="Title 1"/>
-          <p:cNvSpPr>
-            <a:spLocks noGrp="1"/>
-          </p:cNvSpPr>
-          <p:nvPr>
-            <p:ph type="title"/>
-          </p:nvPr>
-        </p:nvSpPr>
-        <p:spPr/>
-        <p:txBody>
-          <a:bodyPr/>
-          <a:lstStyle/>
-          <a:p>
-            <a:r>
-              <a:rPr lang="en-IE" dirty="0"/>
-              <a:t>CSS</a:t>
-            </a:r>
-            <a:endParaRPr lang="en-US" dirty="0"/>
-          </a:p>
-        </p:txBody>
-      </p:sp>
-      <p:sp>
-        <p:nvSpPr>
-          <p:cNvPr id="3" name="Text Placeholder 2"/>
-          <p:cNvSpPr>
-            <a:spLocks noGrp="1"/>
-          </p:cNvSpPr>
-          <p:nvPr>
-            <p:ph type="body" idx="1"/>
-          </p:nvPr>
-        </p:nvSpPr>
-        <p:spPr/>
-        <p:txBody>
-          <a:bodyPr/>
-          <a:lstStyle/>
-          <a:p>
-            <a:endParaRPr lang="en-US"/>
-          </a:p>
-        </p:txBody>
-      </p:sp>
-      <p:pic>
-        <p:nvPicPr>
-          <p:cNvPr id="4" name="Picture 10" descr="http://lagos.gdg.ng/events/mg1/img/css3.jpg"/>
-          <p:cNvPicPr>
-            <a:picLocks noChangeAspect="1" noChangeArrowheads="1"/>
-          </p:cNvPicPr>
-          <p:nvPr/>
-        </p:nvPicPr>
-        <p:blipFill>
-          <a:blip r:embed="rId2">
-            <a:extLst>
-              <a:ext uri="{28A0092B-C50C-407E-A947-70E740481C1C}">
-                <a14:useLocalDpi xmlns:a14="http://schemas.microsoft.com/office/drawing/2010/main" val="0"/>
-              </a:ext>
-            </a:extLst>
-          </a:blip>
-          <a:srcRect/>
-          <a:stretch>
-            <a:fillRect/>
-          </a:stretch>
-        </p:blipFill>
-        <p:spPr bwMode="auto">
-          <a:xfrm>
-            <a:off x="3657600" y="2971800"/>
-            <a:ext cx="1468582" cy="1311234"/>
-          </a:xfrm>
-          <a:prstGeom prst="rect">
-            <a:avLst/>
-          </a:prstGeom>
-          <a:noFill/>
-          <a:extLst>
-            <a:ext uri="{909E8E84-426E-40DD-AFC4-6F175D3DCCD1}">
-              <a14:hiddenFill xmlns:a14="http://schemas.microsoft.com/office/drawing/2010/main">
-                <a:solidFill>
-                  <a:srgbClr val="FFFFFF"/>
-                </a:solidFill>
-              </a14:hiddenFill>
-            </a:ext>
-          </a:extLst>
-        </p:spPr>
-      </p:pic>
-    </p:spTree>
-    <p:extLst>
-      <p:ext uri="{BB962C8B-B14F-4D97-AF65-F5344CB8AC3E}">
-        <p14:creationId xmlns:p14="http://schemas.microsoft.com/office/powerpoint/2010/main" val="3514915763"/>
-      </p:ext>
-    </p:extLst>
-  </p:cSld>
-  <p:clrMapOvr>
-    <a:masterClrMapping/>
-  </p:clrMapOvr>
-</p:sld>
-</file>
-
-<file path=ppt/slides/slide43.xml><?xml version="1.0" encoding="utf-8"?>
 <p:sld xmlns:a="http://schemas.openxmlformats.org/drawingml/2006/main" xmlns:r="http://schemas.openxmlformats.org/officeDocument/2006/relationships" xmlns:p="http://schemas.openxmlformats.org/presentationml/2006/main">
   <p:cSld>
     <p:spTree>
@@ -9734,7 +9338,7 @@
 </p:sld>
 </file>
 
-<file path=ppt/slides/slide44.xml><?xml version="1.0" encoding="utf-8"?>
+<file path=ppt/slides/slide41.xml><?xml version="1.0" encoding="utf-8"?>
 <p:sld xmlns:a="http://schemas.openxmlformats.org/drawingml/2006/main" xmlns:r="http://schemas.openxmlformats.org/officeDocument/2006/relationships" xmlns:p="http://schemas.openxmlformats.org/presentationml/2006/main">
   <p:cSld>
     <p:spTree>
@@ -9815,7 +9419,7 @@
 </p:sld>
 </file>
 
-<file path=ppt/slides/slide45.xml><?xml version="1.0" encoding="utf-8"?>
+<file path=ppt/slides/slide42.xml><?xml version="1.0" encoding="utf-8"?>
 <p:sld xmlns:a="http://schemas.openxmlformats.org/drawingml/2006/main" xmlns:r="http://schemas.openxmlformats.org/officeDocument/2006/relationships" xmlns:p="http://schemas.openxmlformats.org/presentationml/2006/main">
   <p:cSld>
     <p:spTree>
@@ -9941,7 +9545,7 @@
 </p:sld>
 </file>
 
-<file path=ppt/slides/slide46.xml><?xml version="1.0" encoding="utf-8"?>
+<file path=ppt/slides/slide43.xml><?xml version="1.0" encoding="utf-8"?>
 <p:sld xmlns:a="http://schemas.openxmlformats.org/drawingml/2006/main" xmlns:r="http://schemas.openxmlformats.org/officeDocument/2006/relationships" xmlns:p="http://schemas.openxmlformats.org/presentationml/2006/main">
   <p:cSld>
     <p:spTree>
@@ -10082,7 +9686,7 @@
 </p:sld>
 </file>
 
-<file path=ppt/slides/slide47.xml><?xml version="1.0" encoding="utf-8"?>
+<file path=ppt/slides/slide44.xml><?xml version="1.0" encoding="utf-8"?>
 <p:sld xmlns:a="http://schemas.openxmlformats.org/drawingml/2006/main" xmlns:r="http://schemas.openxmlformats.org/officeDocument/2006/relationships" xmlns:p="http://schemas.openxmlformats.org/presentationml/2006/main">
   <p:cSld>
     <p:spTree>
@@ -10276,7 +9880,7 @@
 </p:sld>
 </file>
 
-<file path=ppt/slides/slide48.xml><?xml version="1.0" encoding="utf-8"?>
+<file path=ppt/slides/slide45.xml><?xml version="1.0" encoding="utf-8"?>
 <p:sld xmlns:a="http://schemas.openxmlformats.org/drawingml/2006/main" xmlns:r="http://schemas.openxmlformats.org/officeDocument/2006/relationships" xmlns:p="http://schemas.openxmlformats.org/presentationml/2006/main">
   <p:cSld>
     <p:spTree>
@@ -10414,7 +10018,7 @@
 </p:sld>
 </file>
 
-<file path=ppt/slides/slide49.xml><?xml version="1.0" encoding="utf-8"?>
+<file path=ppt/slides/slide46.xml><?xml version="1.0" encoding="utf-8"?>
 <p:sld xmlns:a="http://schemas.openxmlformats.org/drawingml/2006/main" xmlns:r="http://schemas.openxmlformats.org/officeDocument/2006/relationships" xmlns:p="http://schemas.openxmlformats.org/presentationml/2006/main">
   <p:cSld>
     <p:spTree>
@@ -10634,7 +10238,7 @@
 </p:sld>
 </file>
 
-<file path=ppt/slides/slide5.xml><?xml version="1.0" encoding="utf-8"?>
+<file path=ppt/slides/slide47.xml><?xml version="1.0" encoding="utf-8"?>
 <p:sld xmlns:a="http://schemas.openxmlformats.org/drawingml/2006/main" xmlns:r="http://schemas.openxmlformats.org/officeDocument/2006/relationships" xmlns:p="http://schemas.openxmlformats.org/presentationml/2006/main">
   <p:cSld>
     <p:spTree>
@@ -10661,137 +10265,6 @@
             <p:ph type="title"/>
           </p:nvPr>
         </p:nvSpPr>
-        <p:spPr>
-          <a:xfrm>
-            <a:off x="76200" y="76200"/>
-            <a:ext cx="8229600" cy="1143000"/>
-          </a:xfrm>
-        </p:spPr>
-        <p:txBody>
-          <a:bodyPr/>
-          <a:lstStyle/>
-          <a:p>
-            <a:r>
-              <a:rPr lang="en-IE" dirty="0"/>
-              <a:t>How HTML5 Works 2</a:t>
-            </a:r>
-            <a:endParaRPr lang="en-US" dirty="0"/>
-          </a:p>
-        </p:txBody>
-      </p:sp>
-      <p:sp>
-        <p:nvSpPr>
-          <p:cNvPr id="3" name="Content Placeholder 2"/>
-          <p:cNvSpPr>
-            <a:spLocks noGrp="1"/>
-          </p:cNvSpPr>
-          <p:nvPr>
-            <p:ph idx="1"/>
-          </p:nvPr>
-        </p:nvSpPr>
-        <p:spPr/>
-        <p:txBody>
-          <a:bodyPr/>
-          <a:lstStyle/>
-          <a:p>
-            <a:endParaRPr lang="en-US" dirty="0"/>
-          </a:p>
-        </p:txBody>
-      </p:sp>
-      <p:pic>
-        <p:nvPicPr>
-          <p:cNvPr id="4" name="Picture 3"/>
-          <p:cNvPicPr>
-            <a:picLocks noChangeAspect="1" noChangeArrowheads="1"/>
-          </p:cNvPicPr>
-          <p:nvPr/>
-        </p:nvPicPr>
-        <p:blipFill>
-          <a:blip r:embed="rId2">
-            <a:extLst>
-              <a:ext uri="{28A0092B-C50C-407E-A947-70E740481C1C}">
-                <a14:useLocalDpi xmlns:a14="http://schemas.microsoft.com/office/drawing/2010/main" val="0"/>
-              </a:ext>
-            </a:extLst>
-          </a:blip>
-          <a:srcRect/>
-          <a:stretch>
-            <a:fillRect/>
-          </a:stretch>
-        </p:blipFill>
-        <p:spPr bwMode="auto">
-          <a:xfrm>
-            <a:off x="1524000" y="914400"/>
-            <a:ext cx="5257800" cy="5776022"/>
-          </a:xfrm>
-          <a:prstGeom prst="rect">
-            <a:avLst/>
-          </a:prstGeom>
-          <a:noFill/>
-          <a:ln>
-            <a:noFill/>
-          </a:ln>
-          <a:extLst>
-            <a:ext uri="{909E8E84-426E-40DD-AFC4-6F175D3DCCD1}">
-              <a14:hiddenFill xmlns:a14="http://schemas.microsoft.com/office/drawing/2010/main">
-                <a:solidFill>
-                  <a:schemeClr val="accent1"/>
-                </a:solidFill>
-              </a14:hiddenFill>
-            </a:ext>
-            <a:ext uri="{91240B29-F687-4F45-9708-019B960494DF}">
-              <a14:hiddenLine xmlns:a14="http://schemas.microsoft.com/office/drawing/2010/main" w="9525">
-                <a:solidFill>
-                  <a:schemeClr val="tx1"/>
-                </a:solidFill>
-                <a:miter lim="800000"/>
-                <a:headEnd/>
-                <a:tailEnd/>
-              </a14:hiddenLine>
-            </a:ext>
-          </a:extLst>
-        </p:spPr>
-      </p:pic>
-    </p:spTree>
-    <p:extLst>
-      <p:ext uri="{BB962C8B-B14F-4D97-AF65-F5344CB8AC3E}">
-        <p14:creationId xmlns:p14="http://schemas.microsoft.com/office/powerpoint/2010/main" val="3335828931"/>
-      </p:ext>
-    </p:extLst>
-  </p:cSld>
-  <p:clrMapOvr>
-    <a:masterClrMapping/>
-  </p:clrMapOvr>
-</p:sld>
-</file>
-
-<file path=ppt/slides/slide50.xml><?xml version="1.0" encoding="utf-8"?>
-<p:sld xmlns:a="http://schemas.openxmlformats.org/drawingml/2006/main" xmlns:r="http://schemas.openxmlformats.org/officeDocument/2006/relationships" xmlns:p="http://schemas.openxmlformats.org/presentationml/2006/main">
-  <p:cSld>
-    <p:spTree>
-      <p:nvGrpSpPr>
-        <p:cNvPr id="1" name=""/>
-        <p:cNvGrpSpPr/>
-        <p:nvPr/>
-      </p:nvGrpSpPr>
-      <p:grpSpPr>
-        <a:xfrm>
-          <a:off x="0" y="0"/>
-          <a:ext cx="0" cy="0"/>
-          <a:chOff x="0" y="0"/>
-          <a:chExt cx="0" cy="0"/>
-        </a:xfrm>
-      </p:grpSpPr>
-      <p:sp>
-        <p:nvSpPr>
-          <p:cNvPr id="2" name="Title 1"/>
-          <p:cNvSpPr>
-            <a:spLocks noGrp="1"/>
-          </p:cNvSpPr>
-          <p:nvPr>
-            <p:ph type="title"/>
-          </p:nvPr>
-        </p:nvSpPr>
         <p:spPr/>
         <p:txBody>
           <a:bodyPr/>
@@ -10879,7 +10352,7 @@
 </p:sld>
 </file>
 
-<file path=ppt/slides/slide51.xml><?xml version="1.0" encoding="utf-8"?>
+<file path=ppt/slides/slide48.xml><?xml version="1.0" encoding="utf-8"?>
 <p:sld xmlns:a="http://schemas.openxmlformats.org/drawingml/2006/main" xmlns:r="http://schemas.openxmlformats.org/officeDocument/2006/relationships" xmlns:p="http://schemas.openxmlformats.org/presentationml/2006/main">
   <p:cSld>
     <p:spTree>
@@ -11010,7 +10483,7 @@
 </p:sld>
 </file>
 
-<file path=ppt/slides/slide52.xml><?xml version="1.0" encoding="utf-8"?>
+<file path=ppt/slides/slide49.xml><?xml version="1.0" encoding="utf-8"?>
 <p:sld xmlns:a="http://schemas.openxmlformats.org/drawingml/2006/main" xmlns:r="http://schemas.openxmlformats.org/officeDocument/2006/relationships" xmlns:p="http://schemas.openxmlformats.org/presentationml/2006/main">
   <p:cSld>
     <p:spTree>
@@ -11215,7 +10688,138 @@
 </p:sld>
 </file>
 
-<file path=ppt/slides/slide53.xml><?xml version="1.0" encoding="utf-8"?>
+<file path=ppt/slides/slide5.xml><?xml version="1.0" encoding="utf-8"?>
+<p:sld xmlns:a="http://schemas.openxmlformats.org/drawingml/2006/main" xmlns:r="http://schemas.openxmlformats.org/officeDocument/2006/relationships" xmlns:p="http://schemas.openxmlformats.org/presentationml/2006/main">
+  <p:cSld>
+    <p:spTree>
+      <p:nvGrpSpPr>
+        <p:cNvPr id="1" name=""/>
+        <p:cNvGrpSpPr/>
+        <p:nvPr/>
+      </p:nvGrpSpPr>
+      <p:grpSpPr>
+        <a:xfrm>
+          <a:off x="0" y="0"/>
+          <a:ext cx="0" cy="0"/>
+          <a:chOff x="0" y="0"/>
+          <a:chExt cx="0" cy="0"/>
+        </a:xfrm>
+      </p:grpSpPr>
+      <p:sp>
+        <p:nvSpPr>
+          <p:cNvPr id="2" name="Title 1"/>
+          <p:cNvSpPr>
+            <a:spLocks noGrp="1"/>
+          </p:cNvSpPr>
+          <p:nvPr>
+            <p:ph type="title"/>
+          </p:nvPr>
+        </p:nvSpPr>
+        <p:spPr>
+          <a:xfrm>
+            <a:off x="76200" y="76200"/>
+            <a:ext cx="8229600" cy="1143000"/>
+          </a:xfrm>
+        </p:spPr>
+        <p:txBody>
+          <a:bodyPr/>
+          <a:lstStyle/>
+          <a:p>
+            <a:r>
+              <a:rPr lang="en-IE" dirty="0"/>
+              <a:t>How HTML5 Works 2</a:t>
+            </a:r>
+            <a:endParaRPr lang="en-US" dirty="0"/>
+          </a:p>
+        </p:txBody>
+      </p:sp>
+      <p:sp>
+        <p:nvSpPr>
+          <p:cNvPr id="3" name="Content Placeholder 2"/>
+          <p:cNvSpPr>
+            <a:spLocks noGrp="1"/>
+          </p:cNvSpPr>
+          <p:nvPr>
+            <p:ph idx="1"/>
+          </p:nvPr>
+        </p:nvSpPr>
+        <p:spPr/>
+        <p:txBody>
+          <a:bodyPr/>
+          <a:lstStyle/>
+          <a:p>
+            <a:endParaRPr lang="en-US" dirty="0"/>
+          </a:p>
+        </p:txBody>
+      </p:sp>
+      <p:pic>
+        <p:nvPicPr>
+          <p:cNvPr id="4" name="Picture 3"/>
+          <p:cNvPicPr>
+            <a:picLocks noChangeAspect="1" noChangeArrowheads="1"/>
+          </p:cNvPicPr>
+          <p:nvPr/>
+        </p:nvPicPr>
+        <p:blipFill>
+          <a:blip r:embed="rId2">
+            <a:extLst>
+              <a:ext uri="{28A0092B-C50C-407E-A947-70E740481C1C}">
+                <a14:useLocalDpi xmlns:a14="http://schemas.microsoft.com/office/drawing/2010/main" val="0"/>
+              </a:ext>
+            </a:extLst>
+          </a:blip>
+          <a:srcRect/>
+          <a:stretch>
+            <a:fillRect/>
+          </a:stretch>
+        </p:blipFill>
+        <p:spPr bwMode="auto">
+          <a:xfrm>
+            <a:off x="1524000" y="914400"/>
+            <a:ext cx="5257800" cy="5776022"/>
+          </a:xfrm>
+          <a:prstGeom prst="rect">
+            <a:avLst/>
+          </a:prstGeom>
+          <a:noFill/>
+          <a:ln>
+            <a:noFill/>
+          </a:ln>
+          <a:extLst>
+            <a:ext uri="{909E8E84-426E-40DD-AFC4-6F175D3DCCD1}">
+              <a14:hiddenFill xmlns:a14="http://schemas.microsoft.com/office/drawing/2010/main">
+                <a:solidFill>
+                  <a:schemeClr val="accent1"/>
+                </a:solidFill>
+              </a14:hiddenFill>
+            </a:ext>
+            <a:ext uri="{91240B29-F687-4F45-9708-019B960494DF}">
+              <a14:hiddenLine xmlns:a14="http://schemas.microsoft.com/office/drawing/2010/main" w="9525">
+                <a:solidFill>
+                  <a:schemeClr val="tx1"/>
+                </a:solidFill>
+                <a:miter lim="800000"/>
+                <a:headEnd/>
+                <a:tailEnd/>
+              </a14:hiddenLine>
+            </a:ext>
+          </a:extLst>
+        </p:spPr>
+      </p:pic>
+    </p:spTree>
+    <p:extLst>
+      <p:ext uri="{BB962C8B-B14F-4D97-AF65-F5344CB8AC3E}">
+        <p14:creationId xmlns:p14="http://schemas.microsoft.com/office/powerpoint/2010/main" val="3335828931"/>
+      </p:ext>
+    </p:extLst>
+  </p:cSld>
+  <p:clrMapOvr>
+    <a:masterClrMapping/>
+  </p:clrMapOvr>
+</p:sld>
+</file>
+
+<file path=ppt/slides/slide50.xml><?xml version="1.0" encoding="utf-8"?>
 <p:sld xmlns:a="http://schemas.openxmlformats.org/drawingml/2006/main" xmlns:r="http://schemas.openxmlformats.org/officeDocument/2006/relationships" xmlns:p="http://schemas.openxmlformats.org/presentationml/2006/main">
   <p:cSld>
     <p:spTree>
@@ -11414,7 +11018,7 @@
 </p:sld>
 </file>
 
-<file path=ppt/slides/slide54.xml><?xml version="1.0" encoding="utf-8"?>
+<file path=ppt/slides/slide51.xml><?xml version="1.0" encoding="utf-8"?>
 <p:sld xmlns:a="http://schemas.openxmlformats.org/drawingml/2006/main" xmlns:r="http://schemas.openxmlformats.org/officeDocument/2006/relationships" xmlns:p="http://schemas.openxmlformats.org/presentationml/2006/main">
   <p:cSld>
     <p:spTree>
@@ -11630,7 +11234,7 @@
 </p:sld>
 </file>
 
-<file path=ppt/slides/slide55.xml><?xml version="1.0" encoding="utf-8"?>
+<file path=ppt/slides/slide52.xml><?xml version="1.0" encoding="utf-8"?>
 <p:sld xmlns:a="http://schemas.openxmlformats.org/drawingml/2006/main" xmlns:r="http://schemas.openxmlformats.org/officeDocument/2006/relationships" xmlns:p="http://schemas.openxmlformats.org/presentationml/2006/main">
   <p:cSld>
     <p:spTree>
@@ -11877,7 +11481,7 @@
           <a:p>
             <a:r>
               <a:rPr lang="en-US" dirty="0"/>
-              <a:t>&lt;/p&gt;S</a:t>
+              <a:t>&lt;/p&gt;</a:t>
             </a:r>
           </a:p>
         </p:txBody>
@@ -12012,7 +11616,7 @@
 </p:sld>
 </file>
 
-<file path=ppt/slides/slide56.xml><?xml version="1.0" encoding="utf-8"?>
+<file path=ppt/slides/slide53.xml><?xml version="1.0" encoding="utf-8"?>
 <p:sld xmlns:a="http://schemas.openxmlformats.org/drawingml/2006/main" xmlns:r="http://schemas.openxmlformats.org/officeDocument/2006/relationships" xmlns:p="http://schemas.openxmlformats.org/presentationml/2006/main">
   <p:cSld>
     <p:spTree>
@@ -12176,7 +11780,7 @@
 </p:sld>
 </file>
 
-<file path=ppt/slides/slide57.xml><?xml version="1.0" encoding="utf-8"?>
+<file path=ppt/slides/slide54.xml><?xml version="1.0" encoding="utf-8"?>
 <p:sld xmlns:a="http://schemas.openxmlformats.org/drawingml/2006/main" xmlns:r="http://schemas.openxmlformats.org/officeDocument/2006/relationships" xmlns:p="http://schemas.openxmlformats.org/presentationml/2006/main">
   <p:cSld>
     <p:spTree>
@@ -12289,6 +11893,827 @@
 </p:sld>
 </file>
 
+<file path=ppt/slides/slide55.xml><?xml version="1.0" encoding="utf-8"?>
+<p:sld xmlns:a="http://schemas.openxmlformats.org/drawingml/2006/main" xmlns:r="http://schemas.openxmlformats.org/officeDocument/2006/relationships" xmlns:p="http://schemas.openxmlformats.org/presentationml/2006/main">
+  <p:cSld>
+    <p:spTree>
+      <p:nvGrpSpPr>
+        <p:cNvPr id="1" name=""/>
+        <p:cNvGrpSpPr/>
+        <p:nvPr/>
+      </p:nvGrpSpPr>
+      <p:grpSpPr>
+        <a:xfrm>
+          <a:off x="0" y="0"/>
+          <a:ext cx="0" cy="0"/>
+          <a:chOff x="0" y="0"/>
+          <a:chExt cx="0" cy="0"/>
+        </a:xfrm>
+      </p:grpSpPr>
+      <p:sp>
+        <p:nvSpPr>
+          <p:cNvPr id="2" name="Title 1"/>
+          <p:cNvSpPr>
+            <a:spLocks noGrp="1"/>
+          </p:cNvSpPr>
+          <p:nvPr>
+            <p:ph type="title"/>
+          </p:nvPr>
+        </p:nvSpPr>
+        <p:spPr/>
+        <p:txBody>
+          <a:bodyPr/>
+          <a:lstStyle/>
+          <a:p>
+            <a:r>
+              <a:rPr lang="en-IE" dirty="0"/>
+              <a:t>What’s Bootstrap</a:t>
+            </a:r>
+            <a:endParaRPr lang="en-US" dirty="0"/>
+          </a:p>
+        </p:txBody>
+      </p:sp>
+      <p:sp>
+        <p:nvSpPr>
+          <p:cNvPr id="3" name="Content Placeholder 2"/>
+          <p:cNvSpPr>
+            <a:spLocks noGrp="1"/>
+          </p:cNvSpPr>
+          <p:nvPr>
+            <p:ph idx="1"/>
+          </p:nvPr>
+        </p:nvSpPr>
+        <p:spPr/>
+        <p:txBody>
+          <a:bodyPr/>
+          <a:lstStyle/>
+          <a:p>
+            <a:r>
+              <a:rPr lang="en-US" dirty="0"/>
+              <a:t>Bootstrap is a free framework for creating web applications.</a:t>
+            </a:r>
+          </a:p>
+          <a:p>
+            <a:r>
+              <a:rPr lang="en-US" dirty="0"/>
+              <a:t>It contains HTML and CSS-based design templates for styling text, forms, buttons, navigation </a:t>
+            </a:r>
+          </a:p>
+          <a:p>
+            <a:r>
+              <a:rPr lang="en-US" dirty="0"/>
+              <a:t>Also has optional JavaScript extensions.</a:t>
+            </a:r>
+          </a:p>
+        </p:txBody>
+      </p:sp>
+    </p:spTree>
+    <p:extLst>
+      <p:ext uri="{BB962C8B-B14F-4D97-AF65-F5344CB8AC3E}">
+        <p14:creationId xmlns:p14="http://schemas.microsoft.com/office/powerpoint/2010/main" val="1424651882"/>
+      </p:ext>
+    </p:extLst>
+  </p:cSld>
+  <p:clrMapOvr>
+    <a:masterClrMapping/>
+  </p:clrMapOvr>
+</p:sld>
+</file>
+
+<file path=ppt/slides/slide56.xml><?xml version="1.0" encoding="utf-8"?>
+<p:sld xmlns:a="http://schemas.openxmlformats.org/drawingml/2006/main" xmlns:r="http://schemas.openxmlformats.org/officeDocument/2006/relationships" xmlns:p="http://schemas.openxmlformats.org/presentationml/2006/main">
+  <p:cSld>
+    <p:spTree>
+      <p:nvGrpSpPr>
+        <p:cNvPr id="1" name=""/>
+        <p:cNvGrpSpPr/>
+        <p:nvPr/>
+      </p:nvGrpSpPr>
+      <p:grpSpPr>
+        <a:xfrm>
+          <a:off x="0" y="0"/>
+          <a:ext cx="0" cy="0"/>
+          <a:chOff x="0" y="0"/>
+          <a:chExt cx="0" cy="0"/>
+        </a:xfrm>
+      </p:grpSpPr>
+      <p:sp>
+        <p:nvSpPr>
+          <p:cNvPr id="2" name="Title 1"/>
+          <p:cNvSpPr>
+            <a:spLocks noGrp="1"/>
+          </p:cNvSpPr>
+          <p:nvPr>
+            <p:ph type="title"/>
+          </p:nvPr>
+        </p:nvSpPr>
+        <p:spPr/>
+        <p:txBody>
+          <a:bodyPr/>
+          <a:lstStyle/>
+          <a:p>
+            <a:r>
+              <a:rPr lang="en-IE" dirty="0"/>
+              <a:t>Why Bootstrap</a:t>
+            </a:r>
+            <a:endParaRPr lang="en-US" dirty="0"/>
+          </a:p>
+        </p:txBody>
+      </p:sp>
+      <p:sp>
+        <p:nvSpPr>
+          <p:cNvPr id="3" name="Content Placeholder 2"/>
+          <p:cNvSpPr>
+            <a:spLocks noGrp="1"/>
+          </p:cNvSpPr>
+          <p:nvPr>
+            <p:ph idx="1"/>
+          </p:nvPr>
+        </p:nvSpPr>
+        <p:spPr>
+          <a:xfrm>
+            <a:off x="457200" y="1600200"/>
+            <a:ext cx="8229600" cy="5257800"/>
+          </a:xfrm>
+        </p:spPr>
+        <p:txBody>
+          <a:bodyPr>
+            <a:normAutofit fontScale="85000" lnSpcReduction="20000"/>
+          </a:bodyPr>
+          <a:lstStyle/>
+          <a:p>
+            <a:pPr lvl="0" fontAlgn="ctr"/>
+            <a:r>
+              <a:rPr lang="en-US" dirty="0"/>
+              <a:t>CSS is can be tricky</a:t>
+            </a:r>
+          </a:p>
+          <a:p>
+            <a:pPr lvl="1" fontAlgn="ctr"/>
+            <a:r>
+              <a:rPr lang="en-US" dirty="0"/>
+              <a:t>Cross browser/device support can be a challenge (Chrome, Firefox, Internet Explorer, Safari, and Opera)</a:t>
+            </a:r>
+          </a:p>
+          <a:p>
+            <a:pPr fontAlgn="ctr"/>
+            <a:r>
+              <a:rPr lang="en-IE" dirty="0"/>
+              <a:t>“One framework, every device”.</a:t>
+            </a:r>
+            <a:endParaRPr lang="en-US" dirty="0"/>
+          </a:p>
+          <a:p>
+            <a:pPr lvl="0" fontAlgn="ctr"/>
+            <a:r>
+              <a:rPr lang="en-IE" dirty="0"/>
+              <a:t>Can Theme a page</a:t>
+            </a:r>
+          </a:p>
+          <a:p>
+            <a:pPr lvl="0" fontAlgn="ctr"/>
+            <a:r>
+              <a:rPr lang="en-US" dirty="0"/>
+              <a:t>Easy to use</a:t>
+            </a:r>
+          </a:p>
+          <a:p>
+            <a:pPr lvl="1" fontAlgn="ctr"/>
+            <a:r>
+              <a:rPr lang="en-US" dirty="0"/>
+              <a:t>Anybody with just basic knowledge of HTML and CSS can start using Bootstrap</a:t>
+            </a:r>
+          </a:p>
+          <a:p>
+            <a:pPr lvl="0" fontAlgn="ctr"/>
+            <a:r>
+              <a:rPr lang="en-US" dirty="0"/>
+              <a:t>Responsive features</a:t>
+            </a:r>
+          </a:p>
+          <a:p>
+            <a:pPr lvl="1" fontAlgn="ctr"/>
+            <a:r>
+              <a:rPr lang="en-US" dirty="0"/>
+              <a:t>Bootstrap's responsive CSS adjusts to phones, tablets, and desktops</a:t>
+            </a:r>
+          </a:p>
+          <a:p>
+            <a:pPr lvl="0" fontAlgn="ctr"/>
+            <a:r>
+              <a:rPr lang="en-US" dirty="0"/>
+              <a:t>Mobile-first approach</a:t>
+            </a:r>
+          </a:p>
+          <a:p>
+            <a:pPr lvl="1" fontAlgn="ctr"/>
+            <a:r>
+              <a:rPr lang="en-US" dirty="0"/>
+              <a:t>In Bootstrap 3, mobile-first styles are part of the core framework</a:t>
+            </a:r>
+          </a:p>
+        </p:txBody>
+      </p:sp>
+    </p:spTree>
+    <p:extLst>
+      <p:ext uri="{BB962C8B-B14F-4D97-AF65-F5344CB8AC3E}">
+        <p14:creationId xmlns:p14="http://schemas.microsoft.com/office/powerpoint/2010/main" val="1006976640"/>
+      </p:ext>
+    </p:extLst>
+  </p:cSld>
+  <p:clrMapOvr>
+    <a:masterClrMapping/>
+  </p:clrMapOvr>
+</p:sld>
+</file>
+
+<file path=ppt/slides/slide57.xml><?xml version="1.0" encoding="utf-8"?>
+<p:sld xmlns:a="http://schemas.openxmlformats.org/drawingml/2006/main" xmlns:r="http://schemas.openxmlformats.org/officeDocument/2006/relationships" xmlns:p="http://schemas.openxmlformats.org/presentationml/2006/main">
+  <p:cSld>
+    <p:spTree>
+      <p:nvGrpSpPr>
+        <p:cNvPr id="1" name=""/>
+        <p:cNvGrpSpPr/>
+        <p:nvPr/>
+      </p:nvGrpSpPr>
+      <p:grpSpPr>
+        <a:xfrm>
+          <a:off x="0" y="0"/>
+          <a:ext cx="0" cy="0"/>
+          <a:chOff x="0" y="0"/>
+          <a:chExt cx="0" cy="0"/>
+        </a:xfrm>
+      </p:grpSpPr>
+      <p:sp>
+        <p:nvSpPr>
+          <p:cNvPr id="2" name="Title 1"/>
+          <p:cNvSpPr>
+            <a:spLocks noGrp="1"/>
+          </p:cNvSpPr>
+          <p:nvPr>
+            <p:ph type="title"/>
+          </p:nvPr>
+        </p:nvSpPr>
+        <p:spPr/>
+        <p:txBody>
+          <a:bodyPr/>
+          <a:lstStyle/>
+          <a:p>
+            <a:r>
+              <a:rPr lang="en-US" dirty="0"/>
+              <a:t>Bootstrap from a  CDN</a:t>
+            </a:r>
+          </a:p>
+        </p:txBody>
+      </p:sp>
+      <p:sp>
+        <p:nvSpPr>
+          <p:cNvPr id="3" name="Content Placeholder 2"/>
+          <p:cNvSpPr>
+            <a:spLocks noGrp="1"/>
+          </p:cNvSpPr>
+          <p:nvPr>
+            <p:ph idx="1"/>
+          </p:nvPr>
+        </p:nvSpPr>
+        <p:spPr>
+          <a:xfrm>
+            <a:off x="457200" y="1295400"/>
+            <a:ext cx="8229600" cy="1676400"/>
+          </a:xfrm>
+        </p:spPr>
+        <p:txBody>
+          <a:bodyPr>
+            <a:normAutofit fontScale="70000" lnSpcReduction="20000"/>
+          </a:bodyPr>
+          <a:lstStyle/>
+          <a:p>
+            <a:r>
+              <a:rPr lang="en-IE" dirty="0"/>
+              <a:t>Can include Bootstrap from a Content Delivery Network (CDN).</a:t>
+            </a:r>
+          </a:p>
+          <a:p>
+            <a:pPr lvl="1">
+              <a:buFontTx/>
+              <a:buChar char="-"/>
+            </a:pPr>
+            <a:r>
+              <a:rPr lang="en-IE" dirty="0"/>
+              <a:t>Already present in many other web apps so cached.</a:t>
+            </a:r>
+          </a:p>
+          <a:p>
+            <a:pPr lvl="1">
+              <a:buFontTx/>
+              <a:buChar char="-"/>
+            </a:pPr>
+            <a:r>
+              <a:rPr lang="en-IE" dirty="0"/>
+              <a:t>Served from closest </a:t>
+            </a:r>
+            <a:r>
+              <a:rPr lang="en-IE" dirty="0" err="1"/>
+              <a:t>cdn</a:t>
+            </a:r>
+            <a:r>
+              <a:rPr lang="en-IE" dirty="0"/>
+              <a:t> server.</a:t>
+            </a:r>
+          </a:p>
+          <a:p>
+            <a:r>
+              <a:rPr lang="en-IE" dirty="0"/>
+              <a:t>CDN example: </a:t>
+            </a:r>
+            <a:r>
+              <a:rPr lang="en-IE" dirty="0">
+                <a:hlinkClick r:id="rId2"/>
+              </a:rPr>
+              <a:t>https://www.maxcdn.com/</a:t>
+            </a:r>
+            <a:endParaRPr lang="en-IE" dirty="0"/>
+          </a:p>
+          <a:p>
+            <a:r>
+              <a:rPr lang="en-IE" dirty="0"/>
+              <a:t>Include the following in the head element:</a:t>
+            </a:r>
+          </a:p>
+          <a:p>
+            <a:pPr marL="0" indent="0">
+              <a:buNone/>
+            </a:pPr>
+            <a:endParaRPr lang="en-IE" dirty="0"/>
+          </a:p>
+          <a:p>
+            <a:pPr marL="0" indent="0">
+              <a:buNone/>
+            </a:pPr>
+            <a:endParaRPr lang="en-IE" dirty="0"/>
+          </a:p>
+        </p:txBody>
+      </p:sp>
+      <p:sp>
+        <p:nvSpPr>
+          <p:cNvPr id="4" name="TextBox 3"/>
+          <p:cNvSpPr txBox="1"/>
+          <p:nvPr/>
+        </p:nvSpPr>
+        <p:spPr>
+          <a:xfrm>
+            <a:off x="401782" y="3124200"/>
+            <a:ext cx="8305800" cy="3139321"/>
+          </a:xfrm>
+          <a:prstGeom prst="rect">
+            <a:avLst/>
+          </a:prstGeom>
+          <a:noFill/>
+        </p:spPr>
+        <p:txBody>
+          <a:bodyPr wrap="square" rtlCol="0">
+            <a:spAutoFit/>
+          </a:bodyPr>
+          <a:lstStyle/>
+          <a:p>
+            <a:r>
+              <a:rPr lang="en-US" b="0" i="0" dirty="0">
+                <a:solidFill>
+                  <a:srgbClr val="008000"/>
+                </a:solidFill>
+                <a:effectLst/>
+                <a:latin typeface="Consolas"/>
+              </a:rPr>
+              <a:t>&lt;!-- Latest compiled and minified CSS --&gt;</a:t>
+            </a:r>
+            <a:br>
+              <a:rPr lang="en-US" dirty="0"/>
+            </a:br>
+            <a:r>
+              <a:rPr lang="en-US" b="0" i="0" dirty="0">
+                <a:solidFill>
+                  <a:srgbClr val="0000FF"/>
+                </a:solidFill>
+                <a:effectLst/>
+                <a:latin typeface="Consolas"/>
+              </a:rPr>
+              <a:t>&lt;</a:t>
+            </a:r>
+            <a:r>
+              <a:rPr lang="en-US" b="0" i="0" dirty="0">
+                <a:solidFill>
+                  <a:srgbClr val="A52A2A"/>
+                </a:solidFill>
+                <a:effectLst/>
+                <a:latin typeface="Consolas"/>
+              </a:rPr>
+              <a:t>link</a:t>
+            </a:r>
+            <a:r>
+              <a:rPr lang="en-US" b="0" i="0" dirty="0">
+                <a:solidFill>
+                  <a:srgbClr val="000000"/>
+                </a:solidFill>
+                <a:effectLst/>
+                <a:latin typeface="Consolas"/>
+              </a:rPr>
+              <a:t> </a:t>
+            </a:r>
+            <a:r>
+              <a:rPr lang="en-US" b="0" i="0" dirty="0" err="1">
+                <a:solidFill>
+                  <a:srgbClr val="DC143C"/>
+                </a:solidFill>
+                <a:effectLst/>
+                <a:latin typeface="Consolas"/>
+              </a:rPr>
+              <a:t>rel</a:t>
+            </a:r>
+            <a:r>
+              <a:rPr lang="en-US" b="0" i="0" dirty="0">
+                <a:solidFill>
+                  <a:srgbClr val="DC143C"/>
+                </a:solidFill>
+                <a:effectLst/>
+                <a:latin typeface="Consolas"/>
+              </a:rPr>
+              <a:t>=</a:t>
+            </a:r>
+            <a:r>
+              <a:rPr lang="en-US" b="0" i="0" dirty="0">
+                <a:solidFill>
+                  <a:srgbClr val="0000CD"/>
+                </a:solidFill>
+                <a:effectLst/>
+                <a:latin typeface="Consolas"/>
+              </a:rPr>
+              <a:t>"stylesheet"</a:t>
+            </a:r>
+            <a:r>
+              <a:rPr lang="en-US" b="0" i="0" dirty="0">
+                <a:solidFill>
+                  <a:srgbClr val="000000"/>
+                </a:solidFill>
+                <a:effectLst/>
+                <a:latin typeface="Consolas"/>
+              </a:rPr>
+              <a:t> </a:t>
+            </a:r>
+            <a:r>
+              <a:rPr lang="en-US" b="0" i="0" dirty="0" err="1">
+                <a:solidFill>
+                  <a:srgbClr val="DC143C"/>
+                </a:solidFill>
+                <a:effectLst/>
+                <a:latin typeface="Consolas"/>
+              </a:rPr>
+              <a:t>href</a:t>
+            </a:r>
+            <a:r>
+              <a:rPr lang="en-US" b="0" i="0" dirty="0">
+                <a:solidFill>
+                  <a:srgbClr val="DC143C"/>
+                </a:solidFill>
+                <a:effectLst/>
+                <a:latin typeface="Consolas"/>
+              </a:rPr>
+              <a:t>=</a:t>
+            </a:r>
+            <a:r>
+              <a:rPr lang="en-US" b="0" i="0" dirty="0">
+                <a:solidFill>
+                  <a:srgbClr val="0000CD"/>
+                </a:solidFill>
+                <a:effectLst/>
+                <a:latin typeface="Consolas"/>
+              </a:rPr>
+              <a:t>"http://maxcdn.bootstrapcdn.com/bootstrap/3.2.0/</a:t>
+            </a:r>
+            <a:r>
+              <a:rPr lang="en-US" b="0" i="0" dirty="0" err="1">
+                <a:solidFill>
+                  <a:srgbClr val="0000CD"/>
+                </a:solidFill>
+                <a:effectLst/>
+                <a:latin typeface="Consolas"/>
+              </a:rPr>
+              <a:t>css</a:t>
+            </a:r>
+            <a:r>
+              <a:rPr lang="en-US" b="0" i="0" dirty="0">
+                <a:solidFill>
+                  <a:srgbClr val="0000CD"/>
+                </a:solidFill>
+                <a:effectLst/>
+                <a:latin typeface="Consolas"/>
+              </a:rPr>
+              <a:t>/bootstrap.min.css"</a:t>
+            </a:r>
+            <a:r>
+              <a:rPr lang="en-US" b="0" i="0" dirty="0">
+                <a:solidFill>
+                  <a:srgbClr val="0000FF"/>
+                </a:solidFill>
+                <a:effectLst/>
+                <a:latin typeface="Consolas"/>
+              </a:rPr>
+              <a:t>&gt;</a:t>
+            </a:r>
+            <a:br>
+              <a:rPr lang="en-US" dirty="0"/>
+            </a:br>
+            <a:br>
+              <a:rPr lang="en-US" dirty="0"/>
+            </a:br>
+            <a:r>
+              <a:rPr lang="en-US" b="0" i="0" dirty="0">
+                <a:solidFill>
+                  <a:srgbClr val="008000"/>
+                </a:solidFill>
+                <a:effectLst/>
+                <a:latin typeface="Consolas"/>
+              </a:rPr>
+              <a:t>&lt;!-- jQuery library --&gt;</a:t>
+            </a:r>
+            <a:br>
+              <a:rPr lang="en-US" dirty="0"/>
+            </a:br>
+            <a:r>
+              <a:rPr lang="en-US" b="0" i="0" dirty="0">
+                <a:solidFill>
+                  <a:srgbClr val="0000FF"/>
+                </a:solidFill>
+                <a:effectLst/>
+                <a:latin typeface="Consolas"/>
+              </a:rPr>
+              <a:t>&lt;</a:t>
+            </a:r>
+            <a:r>
+              <a:rPr lang="en-US" b="0" i="0" dirty="0">
+                <a:solidFill>
+                  <a:srgbClr val="A52A2A"/>
+                </a:solidFill>
+                <a:effectLst/>
+                <a:latin typeface="Consolas"/>
+              </a:rPr>
+              <a:t>script</a:t>
+            </a:r>
+            <a:r>
+              <a:rPr lang="en-US" b="0" i="0" dirty="0">
+                <a:solidFill>
+                  <a:srgbClr val="000000"/>
+                </a:solidFill>
+                <a:effectLst/>
+                <a:latin typeface="Consolas"/>
+              </a:rPr>
+              <a:t> </a:t>
+            </a:r>
+            <a:r>
+              <a:rPr lang="en-US" b="0" i="0" dirty="0" err="1">
+                <a:solidFill>
+                  <a:srgbClr val="DC143C"/>
+                </a:solidFill>
+                <a:effectLst/>
+                <a:latin typeface="Consolas"/>
+              </a:rPr>
+              <a:t>src</a:t>
+            </a:r>
+            <a:r>
+              <a:rPr lang="en-US" b="0" i="0" dirty="0">
+                <a:solidFill>
+                  <a:srgbClr val="DC143C"/>
+                </a:solidFill>
+                <a:effectLst/>
+                <a:latin typeface="Consolas"/>
+              </a:rPr>
+              <a:t>=</a:t>
+            </a:r>
+            <a:r>
+              <a:rPr lang="en-US" b="0" i="0" dirty="0">
+                <a:solidFill>
+                  <a:srgbClr val="0000CD"/>
+                </a:solidFill>
+                <a:effectLst/>
+                <a:latin typeface="Consolas"/>
+              </a:rPr>
+              <a:t>"https://ajax.googleapis.com/</a:t>
+            </a:r>
+            <a:r>
+              <a:rPr lang="en-US" b="0" i="0" dirty="0" err="1">
+                <a:solidFill>
+                  <a:srgbClr val="0000CD"/>
+                </a:solidFill>
+                <a:effectLst/>
+                <a:latin typeface="Consolas"/>
+              </a:rPr>
+              <a:t>ajax</a:t>
+            </a:r>
+            <a:r>
+              <a:rPr lang="en-US" b="0" i="0" dirty="0">
+                <a:solidFill>
+                  <a:srgbClr val="0000CD"/>
+                </a:solidFill>
+                <a:effectLst/>
+                <a:latin typeface="Consolas"/>
+              </a:rPr>
+              <a:t>/libs/</a:t>
+            </a:r>
+            <a:r>
+              <a:rPr lang="en-US" b="0" i="0" dirty="0" err="1">
+                <a:solidFill>
+                  <a:srgbClr val="0000CD"/>
+                </a:solidFill>
+                <a:effectLst/>
+                <a:latin typeface="Consolas"/>
+              </a:rPr>
+              <a:t>jquery</a:t>
+            </a:r>
+            <a:r>
+              <a:rPr lang="en-US" b="0" i="0" dirty="0">
+                <a:solidFill>
+                  <a:srgbClr val="0000CD"/>
+                </a:solidFill>
+                <a:effectLst/>
+                <a:latin typeface="Consolas"/>
+              </a:rPr>
+              <a:t>/1.11.1/jquery.min.js"</a:t>
+            </a:r>
+            <a:r>
+              <a:rPr lang="en-US" b="0" i="0" dirty="0">
+                <a:solidFill>
+                  <a:srgbClr val="0000FF"/>
+                </a:solidFill>
+                <a:effectLst/>
+                <a:latin typeface="Consolas"/>
+              </a:rPr>
+              <a:t>&gt;&lt;</a:t>
+            </a:r>
+            <a:r>
+              <a:rPr lang="en-US" b="0" i="0" dirty="0">
+                <a:solidFill>
+                  <a:srgbClr val="A52A2A"/>
+                </a:solidFill>
+                <a:effectLst/>
+                <a:latin typeface="Consolas"/>
+              </a:rPr>
+              <a:t>/script</a:t>
+            </a:r>
+            <a:r>
+              <a:rPr lang="en-US" b="0" i="0" dirty="0">
+                <a:solidFill>
+                  <a:srgbClr val="0000FF"/>
+                </a:solidFill>
+                <a:effectLst/>
+                <a:latin typeface="Consolas"/>
+              </a:rPr>
+              <a:t>&gt;</a:t>
+            </a:r>
+            <a:br>
+              <a:rPr lang="en-US" dirty="0"/>
+            </a:br>
+            <a:br>
+              <a:rPr lang="en-US" dirty="0"/>
+            </a:br>
+            <a:r>
+              <a:rPr lang="en-US" b="0" i="0" dirty="0">
+                <a:solidFill>
+                  <a:srgbClr val="008000"/>
+                </a:solidFill>
+                <a:effectLst/>
+                <a:latin typeface="Consolas"/>
+              </a:rPr>
+              <a:t>&lt;!-- Latest compiled JavaScript --&gt;</a:t>
+            </a:r>
+            <a:br>
+              <a:rPr lang="en-US" dirty="0"/>
+            </a:br>
+            <a:r>
+              <a:rPr lang="en-US" b="0" i="0" dirty="0">
+                <a:solidFill>
+                  <a:srgbClr val="0000FF"/>
+                </a:solidFill>
+                <a:effectLst/>
+                <a:latin typeface="Consolas"/>
+              </a:rPr>
+              <a:t>&lt;</a:t>
+            </a:r>
+            <a:r>
+              <a:rPr lang="en-US" b="0" i="0" dirty="0">
+                <a:solidFill>
+                  <a:srgbClr val="A52A2A"/>
+                </a:solidFill>
+                <a:effectLst/>
+                <a:latin typeface="Consolas"/>
+              </a:rPr>
+              <a:t>script</a:t>
+            </a:r>
+            <a:r>
+              <a:rPr lang="en-US" b="0" i="0" dirty="0">
+                <a:solidFill>
+                  <a:srgbClr val="000000"/>
+                </a:solidFill>
+                <a:effectLst/>
+                <a:latin typeface="Consolas"/>
+              </a:rPr>
+              <a:t> </a:t>
+            </a:r>
+            <a:r>
+              <a:rPr lang="en-US" b="0" i="0" dirty="0" err="1">
+                <a:solidFill>
+                  <a:srgbClr val="DC143C"/>
+                </a:solidFill>
+                <a:effectLst/>
+                <a:latin typeface="Consolas"/>
+              </a:rPr>
+              <a:t>src</a:t>
+            </a:r>
+            <a:r>
+              <a:rPr lang="en-US" b="0" i="0" dirty="0">
+                <a:solidFill>
+                  <a:srgbClr val="DC143C"/>
+                </a:solidFill>
+                <a:effectLst/>
+                <a:latin typeface="Consolas"/>
+              </a:rPr>
+              <a:t>=</a:t>
+            </a:r>
+            <a:r>
+              <a:rPr lang="en-US" b="0" i="0" dirty="0">
+                <a:solidFill>
+                  <a:srgbClr val="0000CD"/>
+                </a:solidFill>
+                <a:effectLst/>
+                <a:latin typeface="Consolas"/>
+              </a:rPr>
+              <a:t>"http://maxcdn.bootstrapcdn.com/bootstrap/3.2.0/</a:t>
+            </a:r>
+            <a:r>
+              <a:rPr lang="en-US" b="0" i="0" dirty="0" err="1">
+                <a:solidFill>
+                  <a:srgbClr val="0000CD"/>
+                </a:solidFill>
+                <a:effectLst/>
+                <a:latin typeface="Consolas"/>
+              </a:rPr>
+              <a:t>js</a:t>
+            </a:r>
+            <a:r>
+              <a:rPr lang="en-US" b="0" i="0" dirty="0">
+                <a:solidFill>
+                  <a:srgbClr val="0000CD"/>
+                </a:solidFill>
+                <a:effectLst/>
+                <a:latin typeface="Consolas"/>
+              </a:rPr>
+              <a:t>/bootstrap.min.js"</a:t>
+            </a:r>
+            <a:r>
+              <a:rPr lang="en-US" b="0" i="0" dirty="0">
+                <a:solidFill>
+                  <a:srgbClr val="0000FF"/>
+                </a:solidFill>
+                <a:effectLst/>
+                <a:latin typeface="Consolas"/>
+              </a:rPr>
+              <a:t>&gt;&lt;</a:t>
+            </a:r>
+            <a:r>
+              <a:rPr lang="en-US" b="0" i="0" dirty="0">
+                <a:solidFill>
+                  <a:srgbClr val="A52A2A"/>
+                </a:solidFill>
+                <a:effectLst/>
+                <a:latin typeface="Consolas"/>
+              </a:rPr>
+              <a:t>/script</a:t>
+            </a:r>
+            <a:r>
+              <a:rPr lang="en-US" b="0" i="0" dirty="0">
+                <a:solidFill>
+                  <a:srgbClr val="0000FF"/>
+                </a:solidFill>
+                <a:effectLst/>
+                <a:latin typeface="Consolas"/>
+              </a:rPr>
+              <a:t>&gt;</a:t>
+            </a:r>
+            <a:endParaRPr lang="en-US" dirty="0"/>
+          </a:p>
+        </p:txBody>
+      </p:sp>
+    </p:spTree>
+    <p:extLst>
+      <p:ext uri="{BB962C8B-B14F-4D97-AF65-F5344CB8AC3E}">
+        <p14:creationId xmlns:p14="http://schemas.microsoft.com/office/powerpoint/2010/main" val="3109707596"/>
+      </p:ext>
+    </p:extLst>
+  </p:cSld>
+  <p:clrMapOvr>
+    <a:masterClrMapping/>
+  </p:clrMapOvr>
+</p:sld>
+</file>
+
 <file path=ppt/slides/slide58.xml><?xml version="1.0" encoding="utf-8"?>
 <p:sld xmlns:a="http://schemas.openxmlformats.org/drawingml/2006/main" xmlns:r="http://schemas.openxmlformats.org/officeDocument/2006/relationships" xmlns:p="http://schemas.openxmlformats.org/presentationml/2006/main">
   <p:cSld>
@@ -12323,7 +12748,7 @@
           <a:p>
             <a:r>
               <a:rPr lang="en-IE" dirty="0"/>
-              <a:t>What’s Bootstrap</a:t>
+              <a:t>Bootstrap is “Mobile First”</a:t>
             </a:r>
             <a:endParaRPr lang="en-US" dirty="0"/>
           </a:p>
@@ -12345,20 +12770,211 @@
           <a:lstStyle/>
           <a:p>
             <a:r>
+              <a:rPr lang="en-IE" dirty="0"/>
+              <a:t>Designed to work on heterogenous mobile, touchscreen devices.</a:t>
+            </a:r>
+          </a:p>
+          <a:p>
+            <a:r>
+              <a:rPr lang="en-IE" dirty="0"/>
+              <a:t>Use a &lt;meta&gt; tag in the &lt;head&gt; element to ensure proper rendering.</a:t>
+            </a:r>
+          </a:p>
+          <a:p>
+            <a:pPr marL="0" indent="0">
+              <a:buNone/>
+            </a:pPr>
+            <a:r>
+              <a:rPr lang="en-US" sz="1600" b="0" i="0" dirty="0">
+                <a:solidFill>
+                  <a:srgbClr val="0000FF"/>
+                </a:solidFill>
+                <a:effectLst/>
+                <a:latin typeface="Consolas"/>
+              </a:rPr>
+              <a:t>&lt;</a:t>
+            </a:r>
+            <a:r>
+              <a:rPr lang="en-US" sz="1600" b="0" i="0" dirty="0">
+                <a:solidFill>
+                  <a:srgbClr val="A52A2A"/>
+                </a:solidFill>
+                <a:effectLst/>
+                <a:latin typeface="Consolas"/>
+              </a:rPr>
+              <a:t>meta</a:t>
+            </a:r>
+            <a:r>
+              <a:rPr lang="en-US" sz="1600" b="0" i="0" dirty="0">
+                <a:solidFill>
+                  <a:srgbClr val="000000"/>
+                </a:solidFill>
+                <a:effectLst/>
+                <a:latin typeface="Consolas"/>
+              </a:rPr>
+              <a:t> </a:t>
+            </a:r>
+            <a:r>
+              <a:rPr lang="en-US" sz="1600" b="0" i="0" dirty="0">
+                <a:solidFill>
+                  <a:srgbClr val="DC143C"/>
+                </a:solidFill>
+                <a:effectLst/>
+                <a:latin typeface="Consolas"/>
+              </a:rPr>
+              <a:t>name=</a:t>
+            </a:r>
+            <a:r>
+              <a:rPr lang="en-US" sz="1600" b="0" i="0" dirty="0">
+                <a:solidFill>
+                  <a:srgbClr val="0000CD"/>
+                </a:solidFill>
+                <a:effectLst/>
+                <a:latin typeface="Consolas"/>
+              </a:rPr>
+              <a:t>"viewport"</a:t>
+            </a:r>
+            <a:r>
+              <a:rPr lang="en-US" sz="1600" b="0" i="0" dirty="0">
+                <a:solidFill>
+                  <a:srgbClr val="000000"/>
+                </a:solidFill>
+                <a:effectLst/>
+                <a:latin typeface="Consolas"/>
+              </a:rPr>
+              <a:t> </a:t>
+            </a:r>
+            <a:r>
+              <a:rPr lang="en-US" sz="1600" b="0" i="0" dirty="0">
+                <a:solidFill>
+                  <a:srgbClr val="DC143C"/>
+                </a:solidFill>
+                <a:effectLst/>
+                <a:latin typeface="Consolas"/>
+              </a:rPr>
+              <a:t>content=</a:t>
+            </a:r>
+            <a:r>
+              <a:rPr lang="en-US" sz="1600" b="0" i="0" dirty="0">
+                <a:solidFill>
+                  <a:srgbClr val="0000CD"/>
+                </a:solidFill>
+                <a:effectLst/>
+                <a:latin typeface="Consolas"/>
+              </a:rPr>
+              <a:t>"width=device-width, initial-scale=1"</a:t>
+            </a:r>
+            <a:r>
+              <a:rPr lang="en-US" sz="1600" b="0" i="0" dirty="0">
+                <a:solidFill>
+                  <a:srgbClr val="0000FF"/>
+                </a:solidFill>
+                <a:effectLst/>
+                <a:latin typeface="Consolas"/>
+              </a:rPr>
+              <a:t>&gt;</a:t>
+            </a:r>
+          </a:p>
+          <a:p>
+            <a:pPr marL="0" indent="0">
+              <a:buNone/>
+            </a:pPr>
+            <a:endParaRPr lang="en-US" sz="1600" dirty="0"/>
+          </a:p>
+        </p:txBody>
+      </p:sp>
+      <p:sp>
+        <p:nvSpPr>
+          <p:cNvPr id="4" name="Line Callout 1 3"/>
+          <p:cNvSpPr/>
+          <p:nvPr/>
+        </p:nvSpPr>
+        <p:spPr>
+          <a:xfrm>
+            <a:off x="762000" y="4876800"/>
+            <a:ext cx="2971800" cy="1600200"/>
+          </a:xfrm>
+          <a:prstGeom prst="borderCallout1">
+            <a:avLst>
+              <a:gd name="adj1" fmla="val -4627"/>
+              <a:gd name="adj2" fmla="val 49476"/>
+              <a:gd name="adj3" fmla="val -57630"/>
+              <a:gd name="adj4" fmla="val 105723"/>
+            </a:avLst>
+          </a:prstGeom>
+        </p:spPr>
+        <p:style>
+          <a:lnRef idx="2">
+            <a:schemeClr val="accent1">
+              <a:shade val="50000"/>
+            </a:schemeClr>
+          </a:lnRef>
+          <a:fillRef idx="1">
+            <a:schemeClr val="accent1"/>
+          </a:fillRef>
+          <a:effectRef idx="0">
+            <a:schemeClr val="accent1"/>
+          </a:effectRef>
+          <a:fontRef idx="minor">
+            <a:schemeClr val="lt1"/>
+          </a:fontRef>
+        </p:style>
+        <p:txBody>
+          <a:bodyPr rtlCol="0" anchor="ctr"/>
+          <a:lstStyle/>
+          <a:p>
+            <a:pPr algn="ctr"/>
+            <a:r>
               <a:rPr lang="en-US" dirty="0"/>
-              <a:t>Bootstrap is a free framework for creating web applications.</a:t>
-            </a:r>
-          </a:p>
-          <a:p>
+              <a:t>The width=device-width part sets the width of the page to follow the screen-width of the device (which will vary depending on the device).</a:t>
+            </a:r>
+          </a:p>
+        </p:txBody>
+      </p:sp>
+      <p:sp>
+        <p:nvSpPr>
+          <p:cNvPr id="6" name="Line Callout 1 5"/>
+          <p:cNvSpPr/>
+          <p:nvPr/>
+        </p:nvSpPr>
+        <p:spPr>
+          <a:xfrm>
+            <a:off x="3865418" y="4876800"/>
+            <a:ext cx="2971800" cy="1600200"/>
+          </a:xfrm>
+          <a:prstGeom prst="borderCallout1">
+            <a:avLst>
+              <a:gd name="adj1" fmla="val -4627"/>
+              <a:gd name="adj2" fmla="val 49476"/>
+              <a:gd name="adj3" fmla="val -57630"/>
+              <a:gd name="adj4" fmla="val 105723"/>
+            </a:avLst>
+          </a:prstGeom>
+        </p:spPr>
+        <p:style>
+          <a:lnRef idx="2">
+            <a:schemeClr val="accent1">
+              <a:shade val="50000"/>
+            </a:schemeClr>
+          </a:lnRef>
+          <a:fillRef idx="1">
+            <a:schemeClr val="accent1"/>
+          </a:fillRef>
+          <a:effectRef idx="0">
+            <a:schemeClr val="accent1"/>
+          </a:effectRef>
+          <a:fontRef idx="minor">
+            <a:schemeClr val="lt1"/>
+          </a:fontRef>
+        </p:style>
+        <p:txBody>
+          <a:bodyPr rtlCol="0" anchor="ctr"/>
+          <a:lstStyle/>
+          <a:p>
+            <a:pPr algn="ctr"/>
             <a:r>
               <a:rPr lang="en-US" dirty="0"/>
-              <a:t>It contains HTML and CSS-based design templates for styling text, forms, buttons, navigation </a:t>
-            </a:r>
-          </a:p>
-          <a:p>
-            <a:r>
-              <a:rPr lang="en-US" dirty="0"/>
-              <a:t>Also has optional JavaScript extensions.</a:t>
+              <a:t>The initial-scale=1 part sets the initial zoom level when the page is first loaded by the browser.</a:t>
             </a:r>
           </a:p>
         </p:txBody>
@@ -12366,7 +12982,7 @@
     </p:spTree>
     <p:extLst>
       <p:ext uri="{BB962C8B-B14F-4D97-AF65-F5344CB8AC3E}">
-        <p14:creationId xmlns:p14="http://schemas.microsoft.com/office/powerpoint/2010/main" val="1424651882"/>
+        <p14:creationId xmlns:p14="http://schemas.microsoft.com/office/powerpoint/2010/main" val="308388178"/>
       </p:ext>
     </p:extLst>
   </p:cSld>
@@ -12410,7 +13026,7 @@
           <a:p>
             <a:r>
               <a:rPr lang="en-IE" dirty="0"/>
-              <a:t>Why Bootstrap</a:t>
+              <a:t>Bootstrap uses Containers</a:t>
             </a:r>
             <a:endParaRPr lang="en-US" dirty="0"/>
           </a:p>
@@ -12426,94 +13042,313 @@
             <p:ph idx="1"/>
           </p:nvPr>
         </p:nvSpPr>
-        <p:spPr>
-          <a:xfrm>
-            <a:off x="457200" y="1600200"/>
-            <a:ext cx="8229600" cy="5257800"/>
-          </a:xfrm>
-        </p:spPr>
-        <p:txBody>
-          <a:bodyPr>
-            <a:normAutofit fontScale="85000" lnSpcReduction="20000"/>
-          </a:bodyPr>
-          <a:lstStyle/>
-          <a:p>
-            <a:pPr lvl="0" fontAlgn="ctr"/>
+        <p:spPr/>
+        <p:txBody>
+          <a:bodyPr/>
+          <a:lstStyle/>
+          <a:p>
             <a:r>
               <a:rPr lang="en-US" dirty="0"/>
-              <a:t>CSS is can be tricky</a:t>
-            </a:r>
-          </a:p>
-          <a:p>
-            <a:pPr lvl="1" fontAlgn="ctr"/>
+              <a:t>Bootstrap requires a containing element with a </a:t>
+            </a:r>
+            <a:r>
+              <a:rPr lang="en-US" b="1" dirty="0"/>
+              <a:t>container</a:t>
+            </a:r>
             <a:r>
               <a:rPr lang="en-US" dirty="0"/>
-              <a:t>Cross browser/device support can be a challenge (Chrome, Firefox, Internet Explorer, Safari, and Opera)</a:t>
-            </a:r>
-          </a:p>
-          <a:p>
-            <a:pPr fontAlgn="ctr"/>
-            <a:r>
-              <a:rPr lang="en-IE" dirty="0"/>
-              <a:t>“One framework, every device”.</a:t>
+              <a:t> or </a:t>
+            </a:r>
+            <a:r>
+              <a:rPr lang="en-US" b="1" dirty="0"/>
+              <a:t>container-fluid</a:t>
+            </a:r>
+            <a:r>
+              <a:rPr lang="en-US" dirty="0"/>
+              <a:t> classifier to wrap site contents.</a:t>
+            </a:r>
+          </a:p>
+          <a:p>
+            <a:pPr marL="0" indent="0">
+              <a:buNone/>
+            </a:pPr>
+            <a:r>
+              <a:rPr lang="en-US" b="0" i="0" dirty="0">
+                <a:solidFill>
+                  <a:srgbClr val="0000FF"/>
+                </a:solidFill>
+                <a:effectLst/>
+                <a:latin typeface="Consolas"/>
+              </a:rPr>
+              <a:t>&lt;</a:t>
+            </a:r>
+            <a:r>
+              <a:rPr lang="en-US" b="0" i="0" dirty="0">
+                <a:solidFill>
+                  <a:srgbClr val="A52A2A"/>
+                </a:solidFill>
+                <a:effectLst/>
+                <a:latin typeface="Consolas"/>
+              </a:rPr>
+              <a:t>div</a:t>
+            </a:r>
+            <a:r>
+              <a:rPr lang="en-US" b="0" i="0" dirty="0">
+                <a:solidFill>
+                  <a:srgbClr val="000000"/>
+                </a:solidFill>
+                <a:effectLst/>
+                <a:latin typeface="Consolas"/>
+              </a:rPr>
+              <a:t> </a:t>
+            </a:r>
+            <a:r>
+              <a:rPr lang="en-US" b="0" i="0" dirty="0">
+                <a:solidFill>
+                  <a:srgbClr val="DC143C"/>
+                </a:solidFill>
+                <a:effectLst/>
+                <a:latin typeface="Consolas"/>
+              </a:rPr>
+              <a:t>class=</a:t>
+            </a:r>
+            <a:r>
+              <a:rPr lang="en-US" b="0" i="0" dirty="0">
+                <a:solidFill>
+                  <a:srgbClr val="0000CD"/>
+                </a:solidFill>
+                <a:effectLst/>
+                <a:latin typeface="Consolas"/>
+              </a:rPr>
+              <a:t>"container"</a:t>
+            </a:r>
+            <a:r>
+              <a:rPr lang="en-US" b="0" i="0" dirty="0">
+                <a:solidFill>
+                  <a:srgbClr val="0000FF"/>
+                </a:solidFill>
+                <a:effectLst/>
+                <a:latin typeface="Consolas"/>
+              </a:rPr>
+              <a:t>&gt;</a:t>
+            </a:r>
+            <a:br>
+              <a:rPr lang="en-US" dirty="0"/>
+            </a:br>
+            <a:r>
+              <a:rPr lang="en-US" b="0" i="0" dirty="0">
+                <a:solidFill>
+                  <a:srgbClr val="000000"/>
+                </a:solidFill>
+                <a:effectLst/>
+                <a:latin typeface="Consolas"/>
+              </a:rPr>
+              <a:t>  </a:t>
+            </a:r>
+            <a:r>
+              <a:rPr lang="en-US" b="0" i="0" dirty="0">
+                <a:solidFill>
+                  <a:srgbClr val="0000FF"/>
+                </a:solidFill>
+                <a:effectLst/>
+                <a:latin typeface="Consolas"/>
+              </a:rPr>
+              <a:t>&lt;</a:t>
+            </a:r>
+            <a:r>
+              <a:rPr lang="en-US" b="0" i="0" dirty="0">
+                <a:solidFill>
+                  <a:srgbClr val="A52A2A"/>
+                </a:solidFill>
+                <a:effectLst/>
+                <a:latin typeface="Consolas"/>
+              </a:rPr>
+              <a:t>h1</a:t>
+            </a:r>
+            <a:r>
+              <a:rPr lang="en-US" b="0" i="0" dirty="0">
+                <a:solidFill>
+                  <a:srgbClr val="0000FF"/>
+                </a:solidFill>
+                <a:effectLst/>
+                <a:latin typeface="Consolas"/>
+              </a:rPr>
+              <a:t>&gt;</a:t>
+            </a:r>
+            <a:r>
+              <a:rPr lang="en-US" b="0" i="0" dirty="0">
+                <a:solidFill>
+                  <a:srgbClr val="000000"/>
+                </a:solidFill>
+                <a:effectLst/>
+                <a:latin typeface="Consolas"/>
+              </a:rPr>
+              <a:t>My First Bootstrap Page</a:t>
+            </a:r>
+            <a:r>
+              <a:rPr lang="en-US" b="0" i="0" dirty="0">
+                <a:solidFill>
+                  <a:srgbClr val="0000FF"/>
+                </a:solidFill>
+                <a:effectLst/>
+                <a:latin typeface="Consolas"/>
+              </a:rPr>
+              <a:t>&lt;</a:t>
+            </a:r>
+            <a:r>
+              <a:rPr lang="en-US" b="0" i="0" dirty="0">
+                <a:solidFill>
+                  <a:srgbClr val="A52A2A"/>
+                </a:solidFill>
+                <a:effectLst/>
+                <a:latin typeface="Consolas"/>
+              </a:rPr>
+              <a:t>/h1</a:t>
+            </a:r>
+            <a:r>
+              <a:rPr lang="en-US" b="0" i="0" dirty="0">
+                <a:solidFill>
+                  <a:srgbClr val="0000FF"/>
+                </a:solidFill>
+                <a:effectLst/>
+                <a:latin typeface="Consolas"/>
+              </a:rPr>
+              <a:t>&gt;</a:t>
+            </a:r>
+            <a:br>
+              <a:rPr lang="en-US" dirty="0"/>
+            </a:br>
+            <a:r>
+              <a:rPr lang="en-US" b="0" i="0" dirty="0">
+                <a:solidFill>
+                  <a:srgbClr val="000000"/>
+                </a:solidFill>
+                <a:effectLst/>
+                <a:latin typeface="Consolas"/>
+              </a:rPr>
+              <a:t>  </a:t>
+            </a:r>
+            <a:r>
+              <a:rPr lang="en-US" b="0" i="0" dirty="0">
+                <a:solidFill>
+                  <a:srgbClr val="0000FF"/>
+                </a:solidFill>
+                <a:effectLst/>
+                <a:latin typeface="Consolas"/>
+              </a:rPr>
+              <a:t>&lt;</a:t>
+            </a:r>
+            <a:r>
+              <a:rPr lang="en-US" b="0" i="0" dirty="0">
+                <a:solidFill>
+                  <a:srgbClr val="A52A2A"/>
+                </a:solidFill>
+                <a:effectLst/>
+                <a:latin typeface="Consolas"/>
+              </a:rPr>
+              <a:t>p</a:t>
+            </a:r>
+            <a:r>
+              <a:rPr lang="en-US" b="0" i="0" dirty="0">
+                <a:solidFill>
+                  <a:srgbClr val="0000FF"/>
+                </a:solidFill>
+                <a:effectLst/>
+                <a:latin typeface="Consolas"/>
+              </a:rPr>
+              <a:t>&gt;</a:t>
+            </a:r>
+            <a:r>
+              <a:rPr lang="en-US" b="0" i="0" dirty="0">
+                <a:solidFill>
+                  <a:srgbClr val="000000"/>
+                </a:solidFill>
+                <a:effectLst/>
+                <a:latin typeface="Consolas"/>
+              </a:rPr>
+              <a:t>This is some text.</a:t>
+            </a:r>
+            <a:r>
+              <a:rPr lang="en-US" b="0" i="0" dirty="0">
+                <a:solidFill>
+                  <a:srgbClr val="0000FF"/>
+                </a:solidFill>
+                <a:effectLst/>
+                <a:latin typeface="Consolas"/>
+              </a:rPr>
+              <a:t>&lt;</a:t>
+            </a:r>
+            <a:r>
+              <a:rPr lang="en-US" b="0" i="0" dirty="0">
+                <a:solidFill>
+                  <a:srgbClr val="A52A2A"/>
+                </a:solidFill>
+                <a:effectLst/>
+                <a:latin typeface="Consolas"/>
+              </a:rPr>
+              <a:t>/p</a:t>
+            </a:r>
+            <a:r>
+              <a:rPr lang="en-US" b="0" i="0" dirty="0">
+                <a:solidFill>
+                  <a:srgbClr val="0000FF"/>
+                </a:solidFill>
+                <a:effectLst/>
+                <a:latin typeface="Consolas"/>
+              </a:rPr>
+              <a:t>&gt;</a:t>
+            </a:r>
+            <a:r>
+              <a:rPr lang="en-US" b="0" i="0" dirty="0">
+                <a:solidFill>
+                  <a:srgbClr val="000000"/>
+                </a:solidFill>
+                <a:effectLst/>
+                <a:latin typeface="Consolas"/>
+              </a:rPr>
+              <a:t> </a:t>
+            </a:r>
+            <a:br>
+              <a:rPr lang="en-US" dirty="0"/>
+            </a:br>
+            <a:r>
+              <a:rPr lang="en-US" b="0" i="0" dirty="0">
+                <a:solidFill>
+                  <a:srgbClr val="0000FF"/>
+                </a:solidFill>
+                <a:effectLst/>
+                <a:latin typeface="Consolas"/>
+              </a:rPr>
+              <a:t>&lt;</a:t>
+            </a:r>
+            <a:r>
+              <a:rPr lang="en-US" b="0" i="0" dirty="0">
+                <a:solidFill>
+                  <a:srgbClr val="A52A2A"/>
+                </a:solidFill>
+                <a:effectLst/>
+                <a:latin typeface="Consolas"/>
+              </a:rPr>
+              <a:t>/div</a:t>
+            </a:r>
+            <a:r>
+              <a:rPr lang="en-US" b="0" i="0" dirty="0">
+                <a:solidFill>
+                  <a:srgbClr val="0000FF"/>
+                </a:solidFill>
+                <a:effectLst/>
+                <a:latin typeface="Consolas"/>
+              </a:rPr>
+              <a:t>&gt;</a:t>
             </a:r>
             <a:endParaRPr lang="en-US" dirty="0"/>
-          </a:p>
-          <a:p>
-            <a:pPr lvl="0" fontAlgn="ctr"/>
-            <a:r>
-              <a:rPr lang="en-IE" dirty="0"/>
-              <a:t>Can Theme a page</a:t>
-            </a:r>
-          </a:p>
-          <a:p>
-            <a:pPr lvl="0" fontAlgn="ctr"/>
-            <a:r>
-              <a:rPr lang="en-US" dirty="0"/>
-              <a:t>Easy to use</a:t>
-            </a:r>
-          </a:p>
-          <a:p>
-            <a:pPr lvl="1" fontAlgn="ctr"/>
-            <a:r>
-              <a:rPr lang="en-US" dirty="0"/>
-              <a:t>Anybody with just basic knowledge of HTML and CSS can start using Bootstrap</a:t>
-            </a:r>
-          </a:p>
-          <a:p>
-            <a:pPr lvl="0" fontAlgn="ctr"/>
-            <a:r>
-              <a:rPr lang="en-US" dirty="0"/>
-              <a:t>Responsive features</a:t>
-            </a:r>
-          </a:p>
-          <a:p>
-            <a:pPr lvl="1" fontAlgn="ctr"/>
-            <a:r>
-              <a:rPr lang="en-US" dirty="0"/>
-              <a:t>Bootstrap's responsive CSS adjusts to phones, tablets, and desktops</a:t>
-            </a:r>
-          </a:p>
-          <a:p>
-            <a:pPr lvl="0" fontAlgn="ctr"/>
-            <a:r>
-              <a:rPr lang="en-US" dirty="0"/>
-              <a:t>Mobile-first approach</a:t>
-            </a:r>
-          </a:p>
-          <a:p>
-            <a:pPr lvl="1" fontAlgn="ctr"/>
-            <a:r>
-              <a:rPr lang="en-US" dirty="0"/>
-              <a:t>In Bootstrap 3, mobile-first styles are part of the core framework</a:t>
-            </a:r>
           </a:p>
         </p:txBody>
       </p:sp>
     </p:spTree>
     <p:extLst>
       <p:ext uri="{BB962C8B-B14F-4D97-AF65-F5344CB8AC3E}">
-        <p14:creationId xmlns:p14="http://schemas.microsoft.com/office/powerpoint/2010/main" val="1006976640"/>
+        <p14:creationId xmlns:p14="http://schemas.microsoft.com/office/powerpoint/2010/main" val="1035915231"/>
       </p:ext>
     </p:extLst>
   </p:cSld>
@@ -12666,1237 +13501,6 @@
       </p:grpSpPr>
       <p:sp>
         <p:nvSpPr>
-          <p:cNvPr id="2" name="Title 1"/>
-          <p:cNvSpPr>
-            <a:spLocks noGrp="1"/>
-          </p:cNvSpPr>
-          <p:nvPr>
-            <p:ph type="title"/>
-          </p:nvPr>
-        </p:nvSpPr>
-        <p:spPr/>
-        <p:txBody>
-          <a:bodyPr/>
-          <a:lstStyle/>
-          <a:p>
-            <a:r>
-              <a:rPr lang="en-US" dirty="0"/>
-              <a:t>Bootstrap from a  CDN</a:t>
-            </a:r>
-          </a:p>
-        </p:txBody>
-      </p:sp>
-      <p:sp>
-        <p:nvSpPr>
-          <p:cNvPr id="3" name="Content Placeholder 2"/>
-          <p:cNvSpPr>
-            <a:spLocks noGrp="1"/>
-          </p:cNvSpPr>
-          <p:nvPr>
-            <p:ph idx="1"/>
-          </p:nvPr>
-        </p:nvSpPr>
-        <p:spPr>
-          <a:xfrm>
-            <a:off x="457200" y="1295400"/>
-            <a:ext cx="8229600" cy="1676400"/>
-          </a:xfrm>
-        </p:spPr>
-        <p:txBody>
-          <a:bodyPr>
-            <a:normAutofit fontScale="70000" lnSpcReduction="20000"/>
-          </a:bodyPr>
-          <a:lstStyle/>
-          <a:p>
-            <a:r>
-              <a:rPr lang="en-IE" dirty="0"/>
-              <a:t>Can include Bootstrap from a Content Delivery Network (CDN).</a:t>
-            </a:r>
-          </a:p>
-          <a:p>
-            <a:pPr lvl="1">
-              <a:buFontTx/>
-              <a:buChar char="-"/>
-            </a:pPr>
-            <a:r>
-              <a:rPr lang="en-IE" dirty="0"/>
-              <a:t>Already present in many other web apps so cached.</a:t>
-            </a:r>
-          </a:p>
-          <a:p>
-            <a:pPr lvl="1">
-              <a:buFontTx/>
-              <a:buChar char="-"/>
-            </a:pPr>
-            <a:r>
-              <a:rPr lang="en-IE" dirty="0"/>
-              <a:t>Served from closest </a:t>
-            </a:r>
-            <a:r>
-              <a:rPr lang="en-IE" dirty="0" err="1"/>
-              <a:t>cdn</a:t>
-            </a:r>
-            <a:r>
-              <a:rPr lang="en-IE" dirty="0"/>
-              <a:t> server.</a:t>
-            </a:r>
-          </a:p>
-          <a:p>
-            <a:r>
-              <a:rPr lang="en-IE" dirty="0"/>
-              <a:t>CDN example: </a:t>
-            </a:r>
-            <a:r>
-              <a:rPr lang="en-IE" dirty="0">
-                <a:hlinkClick r:id="rId2"/>
-              </a:rPr>
-              <a:t>https://www.maxcdn.com/</a:t>
-            </a:r>
-            <a:endParaRPr lang="en-IE" dirty="0"/>
-          </a:p>
-          <a:p>
-            <a:r>
-              <a:rPr lang="en-IE" dirty="0"/>
-              <a:t>Include the following in the head element:</a:t>
-            </a:r>
-          </a:p>
-          <a:p>
-            <a:pPr marL="0" indent="0">
-              <a:buNone/>
-            </a:pPr>
-            <a:endParaRPr lang="en-IE" dirty="0"/>
-          </a:p>
-          <a:p>
-            <a:pPr marL="0" indent="0">
-              <a:buNone/>
-            </a:pPr>
-            <a:endParaRPr lang="en-IE" dirty="0"/>
-          </a:p>
-        </p:txBody>
-      </p:sp>
-      <p:sp>
-        <p:nvSpPr>
-          <p:cNvPr id="4" name="TextBox 3"/>
-          <p:cNvSpPr txBox="1"/>
-          <p:nvPr/>
-        </p:nvSpPr>
-        <p:spPr>
-          <a:xfrm>
-            <a:off x="401782" y="3124200"/>
-            <a:ext cx="8305800" cy="3139321"/>
-          </a:xfrm>
-          <a:prstGeom prst="rect">
-            <a:avLst/>
-          </a:prstGeom>
-          <a:noFill/>
-        </p:spPr>
-        <p:txBody>
-          <a:bodyPr wrap="square" rtlCol="0">
-            <a:spAutoFit/>
-          </a:bodyPr>
-          <a:lstStyle/>
-          <a:p>
-            <a:r>
-              <a:rPr lang="en-US" b="0" i="0" dirty="0">
-                <a:solidFill>
-                  <a:srgbClr val="008000"/>
-                </a:solidFill>
-                <a:effectLst/>
-                <a:latin typeface="Consolas"/>
-              </a:rPr>
-              <a:t>&lt;!-- Latest compiled and minified CSS --&gt;</a:t>
-            </a:r>
-            <a:br>
-              <a:rPr lang="en-US" dirty="0"/>
-            </a:br>
-            <a:r>
-              <a:rPr lang="en-US" b="0" i="0" dirty="0">
-                <a:solidFill>
-                  <a:srgbClr val="0000FF"/>
-                </a:solidFill>
-                <a:effectLst/>
-                <a:latin typeface="Consolas"/>
-              </a:rPr>
-              <a:t>&lt;</a:t>
-            </a:r>
-            <a:r>
-              <a:rPr lang="en-US" b="0" i="0" dirty="0">
-                <a:solidFill>
-                  <a:srgbClr val="A52A2A"/>
-                </a:solidFill>
-                <a:effectLst/>
-                <a:latin typeface="Consolas"/>
-              </a:rPr>
-              <a:t>link</a:t>
-            </a:r>
-            <a:r>
-              <a:rPr lang="en-US" b="0" i="0" dirty="0">
-                <a:solidFill>
-                  <a:srgbClr val="000000"/>
-                </a:solidFill>
-                <a:effectLst/>
-                <a:latin typeface="Consolas"/>
-              </a:rPr>
-              <a:t> </a:t>
-            </a:r>
-            <a:r>
-              <a:rPr lang="en-US" b="0" i="0" dirty="0" err="1">
-                <a:solidFill>
-                  <a:srgbClr val="DC143C"/>
-                </a:solidFill>
-                <a:effectLst/>
-                <a:latin typeface="Consolas"/>
-              </a:rPr>
-              <a:t>rel</a:t>
-            </a:r>
-            <a:r>
-              <a:rPr lang="en-US" b="0" i="0" dirty="0">
-                <a:solidFill>
-                  <a:srgbClr val="DC143C"/>
-                </a:solidFill>
-                <a:effectLst/>
-                <a:latin typeface="Consolas"/>
-              </a:rPr>
-              <a:t>=</a:t>
-            </a:r>
-            <a:r>
-              <a:rPr lang="en-US" b="0" i="0" dirty="0">
-                <a:solidFill>
-                  <a:srgbClr val="0000CD"/>
-                </a:solidFill>
-                <a:effectLst/>
-                <a:latin typeface="Consolas"/>
-              </a:rPr>
-              <a:t>"stylesheet"</a:t>
-            </a:r>
-            <a:r>
-              <a:rPr lang="en-US" b="0" i="0" dirty="0">
-                <a:solidFill>
-                  <a:srgbClr val="000000"/>
-                </a:solidFill>
-                <a:effectLst/>
-                <a:latin typeface="Consolas"/>
-              </a:rPr>
-              <a:t> </a:t>
-            </a:r>
-            <a:r>
-              <a:rPr lang="en-US" b="0" i="0" dirty="0" err="1">
-                <a:solidFill>
-                  <a:srgbClr val="DC143C"/>
-                </a:solidFill>
-                <a:effectLst/>
-                <a:latin typeface="Consolas"/>
-              </a:rPr>
-              <a:t>href</a:t>
-            </a:r>
-            <a:r>
-              <a:rPr lang="en-US" b="0" i="0" dirty="0">
-                <a:solidFill>
-                  <a:srgbClr val="DC143C"/>
-                </a:solidFill>
-                <a:effectLst/>
-                <a:latin typeface="Consolas"/>
-              </a:rPr>
-              <a:t>=</a:t>
-            </a:r>
-            <a:r>
-              <a:rPr lang="en-US" b="0" i="0" dirty="0">
-                <a:solidFill>
-                  <a:srgbClr val="0000CD"/>
-                </a:solidFill>
-                <a:effectLst/>
-                <a:latin typeface="Consolas"/>
-              </a:rPr>
-              <a:t>"http://maxcdn.bootstrapcdn.com/bootstrap/3.2.0/</a:t>
-            </a:r>
-            <a:r>
-              <a:rPr lang="en-US" b="0" i="0" dirty="0" err="1">
-                <a:solidFill>
-                  <a:srgbClr val="0000CD"/>
-                </a:solidFill>
-                <a:effectLst/>
-                <a:latin typeface="Consolas"/>
-              </a:rPr>
-              <a:t>css</a:t>
-            </a:r>
-            <a:r>
-              <a:rPr lang="en-US" b="0" i="0" dirty="0">
-                <a:solidFill>
-                  <a:srgbClr val="0000CD"/>
-                </a:solidFill>
-                <a:effectLst/>
-                <a:latin typeface="Consolas"/>
-              </a:rPr>
-              <a:t>/bootstrap.min.css"</a:t>
-            </a:r>
-            <a:r>
-              <a:rPr lang="en-US" b="0" i="0" dirty="0">
-                <a:solidFill>
-                  <a:srgbClr val="0000FF"/>
-                </a:solidFill>
-                <a:effectLst/>
-                <a:latin typeface="Consolas"/>
-              </a:rPr>
-              <a:t>&gt;</a:t>
-            </a:r>
-            <a:br>
-              <a:rPr lang="en-US" dirty="0"/>
-            </a:br>
-            <a:br>
-              <a:rPr lang="en-US" dirty="0"/>
-            </a:br>
-            <a:r>
-              <a:rPr lang="en-US" b="0" i="0" dirty="0">
-                <a:solidFill>
-                  <a:srgbClr val="008000"/>
-                </a:solidFill>
-                <a:effectLst/>
-                <a:latin typeface="Consolas"/>
-              </a:rPr>
-              <a:t>&lt;!-- jQuery library --&gt;</a:t>
-            </a:r>
-            <a:br>
-              <a:rPr lang="en-US" dirty="0"/>
-            </a:br>
-            <a:r>
-              <a:rPr lang="en-US" b="0" i="0" dirty="0">
-                <a:solidFill>
-                  <a:srgbClr val="0000FF"/>
-                </a:solidFill>
-                <a:effectLst/>
-                <a:latin typeface="Consolas"/>
-              </a:rPr>
-              <a:t>&lt;</a:t>
-            </a:r>
-            <a:r>
-              <a:rPr lang="en-US" b="0" i="0" dirty="0">
-                <a:solidFill>
-                  <a:srgbClr val="A52A2A"/>
-                </a:solidFill>
-                <a:effectLst/>
-                <a:latin typeface="Consolas"/>
-              </a:rPr>
-              <a:t>script</a:t>
-            </a:r>
-            <a:r>
-              <a:rPr lang="en-US" b="0" i="0" dirty="0">
-                <a:solidFill>
-                  <a:srgbClr val="000000"/>
-                </a:solidFill>
-                <a:effectLst/>
-                <a:latin typeface="Consolas"/>
-              </a:rPr>
-              <a:t> </a:t>
-            </a:r>
-            <a:r>
-              <a:rPr lang="en-US" b="0" i="0" dirty="0" err="1">
-                <a:solidFill>
-                  <a:srgbClr val="DC143C"/>
-                </a:solidFill>
-                <a:effectLst/>
-                <a:latin typeface="Consolas"/>
-              </a:rPr>
-              <a:t>src</a:t>
-            </a:r>
-            <a:r>
-              <a:rPr lang="en-US" b="0" i="0" dirty="0">
-                <a:solidFill>
-                  <a:srgbClr val="DC143C"/>
-                </a:solidFill>
-                <a:effectLst/>
-                <a:latin typeface="Consolas"/>
-              </a:rPr>
-              <a:t>=</a:t>
-            </a:r>
-            <a:r>
-              <a:rPr lang="en-US" b="0" i="0" dirty="0">
-                <a:solidFill>
-                  <a:srgbClr val="0000CD"/>
-                </a:solidFill>
-                <a:effectLst/>
-                <a:latin typeface="Consolas"/>
-              </a:rPr>
-              <a:t>"https://ajax.googleapis.com/</a:t>
-            </a:r>
-            <a:r>
-              <a:rPr lang="en-US" b="0" i="0" dirty="0" err="1">
-                <a:solidFill>
-                  <a:srgbClr val="0000CD"/>
-                </a:solidFill>
-                <a:effectLst/>
-                <a:latin typeface="Consolas"/>
-              </a:rPr>
-              <a:t>ajax</a:t>
-            </a:r>
-            <a:r>
-              <a:rPr lang="en-US" b="0" i="0" dirty="0">
-                <a:solidFill>
-                  <a:srgbClr val="0000CD"/>
-                </a:solidFill>
-                <a:effectLst/>
-                <a:latin typeface="Consolas"/>
-              </a:rPr>
-              <a:t>/libs/</a:t>
-            </a:r>
-            <a:r>
-              <a:rPr lang="en-US" b="0" i="0" dirty="0" err="1">
-                <a:solidFill>
-                  <a:srgbClr val="0000CD"/>
-                </a:solidFill>
-                <a:effectLst/>
-                <a:latin typeface="Consolas"/>
-              </a:rPr>
-              <a:t>jquery</a:t>
-            </a:r>
-            <a:r>
-              <a:rPr lang="en-US" b="0" i="0" dirty="0">
-                <a:solidFill>
-                  <a:srgbClr val="0000CD"/>
-                </a:solidFill>
-                <a:effectLst/>
-                <a:latin typeface="Consolas"/>
-              </a:rPr>
-              <a:t>/1.11.1/jquery.min.js"</a:t>
-            </a:r>
-            <a:r>
-              <a:rPr lang="en-US" b="0" i="0" dirty="0">
-                <a:solidFill>
-                  <a:srgbClr val="0000FF"/>
-                </a:solidFill>
-                <a:effectLst/>
-                <a:latin typeface="Consolas"/>
-              </a:rPr>
-              <a:t>&gt;&lt;</a:t>
-            </a:r>
-            <a:r>
-              <a:rPr lang="en-US" b="0" i="0" dirty="0">
-                <a:solidFill>
-                  <a:srgbClr val="A52A2A"/>
-                </a:solidFill>
-                <a:effectLst/>
-                <a:latin typeface="Consolas"/>
-              </a:rPr>
-              <a:t>/script</a:t>
-            </a:r>
-            <a:r>
-              <a:rPr lang="en-US" b="0" i="0" dirty="0">
-                <a:solidFill>
-                  <a:srgbClr val="0000FF"/>
-                </a:solidFill>
-                <a:effectLst/>
-                <a:latin typeface="Consolas"/>
-              </a:rPr>
-              <a:t>&gt;</a:t>
-            </a:r>
-            <a:br>
-              <a:rPr lang="en-US" dirty="0"/>
-            </a:br>
-            <a:br>
-              <a:rPr lang="en-US" dirty="0"/>
-            </a:br>
-            <a:r>
-              <a:rPr lang="en-US" b="0" i="0" dirty="0">
-                <a:solidFill>
-                  <a:srgbClr val="008000"/>
-                </a:solidFill>
-                <a:effectLst/>
-                <a:latin typeface="Consolas"/>
-              </a:rPr>
-              <a:t>&lt;!-- Latest compiled JavaScript --&gt;</a:t>
-            </a:r>
-            <a:br>
-              <a:rPr lang="en-US" dirty="0"/>
-            </a:br>
-            <a:r>
-              <a:rPr lang="en-US" b="0" i="0" dirty="0">
-                <a:solidFill>
-                  <a:srgbClr val="0000FF"/>
-                </a:solidFill>
-                <a:effectLst/>
-                <a:latin typeface="Consolas"/>
-              </a:rPr>
-              <a:t>&lt;</a:t>
-            </a:r>
-            <a:r>
-              <a:rPr lang="en-US" b="0" i="0" dirty="0">
-                <a:solidFill>
-                  <a:srgbClr val="A52A2A"/>
-                </a:solidFill>
-                <a:effectLst/>
-                <a:latin typeface="Consolas"/>
-              </a:rPr>
-              <a:t>script</a:t>
-            </a:r>
-            <a:r>
-              <a:rPr lang="en-US" b="0" i="0" dirty="0">
-                <a:solidFill>
-                  <a:srgbClr val="000000"/>
-                </a:solidFill>
-                <a:effectLst/>
-                <a:latin typeface="Consolas"/>
-              </a:rPr>
-              <a:t> </a:t>
-            </a:r>
-            <a:r>
-              <a:rPr lang="en-US" b="0" i="0" dirty="0" err="1">
-                <a:solidFill>
-                  <a:srgbClr val="DC143C"/>
-                </a:solidFill>
-                <a:effectLst/>
-                <a:latin typeface="Consolas"/>
-              </a:rPr>
-              <a:t>src</a:t>
-            </a:r>
-            <a:r>
-              <a:rPr lang="en-US" b="0" i="0" dirty="0">
-                <a:solidFill>
-                  <a:srgbClr val="DC143C"/>
-                </a:solidFill>
-                <a:effectLst/>
-                <a:latin typeface="Consolas"/>
-              </a:rPr>
-              <a:t>=</a:t>
-            </a:r>
-            <a:r>
-              <a:rPr lang="en-US" b="0" i="0" dirty="0">
-                <a:solidFill>
-                  <a:srgbClr val="0000CD"/>
-                </a:solidFill>
-                <a:effectLst/>
-                <a:latin typeface="Consolas"/>
-              </a:rPr>
-              <a:t>"http://maxcdn.bootstrapcdn.com/bootstrap/3.2.0/</a:t>
-            </a:r>
-            <a:r>
-              <a:rPr lang="en-US" b="0" i="0" dirty="0" err="1">
-                <a:solidFill>
-                  <a:srgbClr val="0000CD"/>
-                </a:solidFill>
-                <a:effectLst/>
-                <a:latin typeface="Consolas"/>
-              </a:rPr>
-              <a:t>js</a:t>
-            </a:r>
-            <a:r>
-              <a:rPr lang="en-US" b="0" i="0" dirty="0">
-                <a:solidFill>
-                  <a:srgbClr val="0000CD"/>
-                </a:solidFill>
-                <a:effectLst/>
-                <a:latin typeface="Consolas"/>
-              </a:rPr>
-              <a:t>/bootstrap.min.js"</a:t>
-            </a:r>
-            <a:r>
-              <a:rPr lang="en-US" b="0" i="0" dirty="0">
-                <a:solidFill>
-                  <a:srgbClr val="0000FF"/>
-                </a:solidFill>
-                <a:effectLst/>
-                <a:latin typeface="Consolas"/>
-              </a:rPr>
-              <a:t>&gt;&lt;</a:t>
-            </a:r>
-            <a:r>
-              <a:rPr lang="en-US" b="0" i="0" dirty="0">
-                <a:solidFill>
-                  <a:srgbClr val="A52A2A"/>
-                </a:solidFill>
-                <a:effectLst/>
-                <a:latin typeface="Consolas"/>
-              </a:rPr>
-              <a:t>/script</a:t>
-            </a:r>
-            <a:r>
-              <a:rPr lang="en-US" b="0" i="0" dirty="0">
-                <a:solidFill>
-                  <a:srgbClr val="0000FF"/>
-                </a:solidFill>
-                <a:effectLst/>
-                <a:latin typeface="Consolas"/>
-              </a:rPr>
-              <a:t>&gt;</a:t>
-            </a:r>
-            <a:endParaRPr lang="en-US" dirty="0"/>
-          </a:p>
-        </p:txBody>
-      </p:sp>
-    </p:spTree>
-    <p:extLst>
-      <p:ext uri="{BB962C8B-B14F-4D97-AF65-F5344CB8AC3E}">
-        <p14:creationId xmlns:p14="http://schemas.microsoft.com/office/powerpoint/2010/main" val="3109707596"/>
-      </p:ext>
-    </p:extLst>
-  </p:cSld>
-  <p:clrMapOvr>
-    <a:masterClrMapping/>
-  </p:clrMapOvr>
-</p:sld>
-</file>
-
-<file path=ppt/slides/slide61.xml><?xml version="1.0" encoding="utf-8"?>
-<p:sld xmlns:a="http://schemas.openxmlformats.org/drawingml/2006/main" xmlns:r="http://schemas.openxmlformats.org/officeDocument/2006/relationships" xmlns:p="http://schemas.openxmlformats.org/presentationml/2006/main">
-  <p:cSld>
-    <p:spTree>
-      <p:nvGrpSpPr>
-        <p:cNvPr id="1" name=""/>
-        <p:cNvGrpSpPr/>
-        <p:nvPr/>
-      </p:nvGrpSpPr>
-      <p:grpSpPr>
-        <a:xfrm>
-          <a:off x="0" y="0"/>
-          <a:ext cx="0" cy="0"/>
-          <a:chOff x="0" y="0"/>
-          <a:chExt cx="0" cy="0"/>
-        </a:xfrm>
-      </p:grpSpPr>
-      <p:sp>
-        <p:nvSpPr>
-          <p:cNvPr id="2" name="Title 1"/>
-          <p:cNvSpPr>
-            <a:spLocks noGrp="1"/>
-          </p:cNvSpPr>
-          <p:nvPr>
-            <p:ph type="title"/>
-          </p:nvPr>
-        </p:nvSpPr>
-        <p:spPr/>
-        <p:txBody>
-          <a:bodyPr/>
-          <a:lstStyle/>
-          <a:p>
-            <a:r>
-              <a:rPr lang="en-IE" dirty="0"/>
-              <a:t>Bootstrap is “Mobile First”</a:t>
-            </a:r>
-            <a:endParaRPr lang="en-US" dirty="0"/>
-          </a:p>
-        </p:txBody>
-      </p:sp>
-      <p:sp>
-        <p:nvSpPr>
-          <p:cNvPr id="3" name="Content Placeholder 2"/>
-          <p:cNvSpPr>
-            <a:spLocks noGrp="1"/>
-          </p:cNvSpPr>
-          <p:nvPr>
-            <p:ph idx="1"/>
-          </p:nvPr>
-        </p:nvSpPr>
-        <p:spPr/>
-        <p:txBody>
-          <a:bodyPr/>
-          <a:lstStyle/>
-          <a:p>
-            <a:r>
-              <a:rPr lang="en-IE" dirty="0"/>
-              <a:t>Designed to work on heterogenous mobile, touchscreen devices.</a:t>
-            </a:r>
-          </a:p>
-          <a:p>
-            <a:r>
-              <a:rPr lang="en-IE" dirty="0"/>
-              <a:t>Use a &lt;meta&gt; tag in the &lt;head&gt; element to ensure proper rendering.</a:t>
-            </a:r>
-          </a:p>
-          <a:p>
-            <a:pPr marL="0" indent="0">
-              <a:buNone/>
-            </a:pPr>
-            <a:r>
-              <a:rPr lang="en-US" sz="1600" b="0" i="0" dirty="0">
-                <a:solidFill>
-                  <a:srgbClr val="0000FF"/>
-                </a:solidFill>
-                <a:effectLst/>
-                <a:latin typeface="Consolas"/>
-              </a:rPr>
-              <a:t>&lt;</a:t>
-            </a:r>
-            <a:r>
-              <a:rPr lang="en-US" sz="1600" b="0" i="0" dirty="0">
-                <a:solidFill>
-                  <a:srgbClr val="A52A2A"/>
-                </a:solidFill>
-                <a:effectLst/>
-                <a:latin typeface="Consolas"/>
-              </a:rPr>
-              <a:t>meta</a:t>
-            </a:r>
-            <a:r>
-              <a:rPr lang="en-US" sz="1600" b="0" i="0" dirty="0">
-                <a:solidFill>
-                  <a:srgbClr val="000000"/>
-                </a:solidFill>
-                <a:effectLst/>
-                <a:latin typeface="Consolas"/>
-              </a:rPr>
-              <a:t> </a:t>
-            </a:r>
-            <a:r>
-              <a:rPr lang="en-US" sz="1600" b="0" i="0" dirty="0">
-                <a:solidFill>
-                  <a:srgbClr val="DC143C"/>
-                </a:solidFill>
-                <a:effectLst/>
-                <a:latin typeface="Consolas"/>
-              </a:rPr>
-              <a:t>name=</a:t>
-            </a:r>
-            <a:r>
-              <a:rPr lang="en-US" sz="1600" b="0" i="0" dirty="0">
-                <a:solidFill>
-                  <a:srgbClr val="0000CD"/>
-                </a:solidFill>
-                <a:effectLst/>
-                <a:latin typeface="Consolas"/>
-              </a:rPr>
-              <a:t>"viewport"</a:t>
-            </a:r>
-            <a:r>
-              <a:rPr lang="en-US" sz="1600" b="0" i="0" dirty="0">
-                <a:solidFill>
-                  <a:srgbClr val="000000"/>
-                </a:solidFill>
-                <a:effectLst/>
-                <a:latin typeface="Consolas"/>
-              </a:rPr>
-              <a:t> </a:t>
-            </a:r>
-            <a:r>
-              <a:rPr lang="en-US" sz="1600" b="0" i="0" dirty="0">
-                <a:solidFill>
-                  <a:srgbClr val="DC143C"/>
-                </a:solidFill>
-                <a:effectLst/>
-                <a:latin typeface="Consolas"/>
-              </a:rPr>
-              <a:t>content=</a:t>
-            </a:r>
-            <a:r>
-              <a:rPr lang="en-US" sz="1600" b="0" i="0" dirty="0">
-                <a:solidFill>
-                  <a:srgbClr val="0000CD"/>
-                </a:solidFill>
-                <a:effectLst/>
-                <a:latin typeface="Consolas"/>
-              </a:rPr>
-              <a:t>"width=device-width, initial-scale=1"</a:t>
-            </a:r>
-            <a:r>
-              <a:rPr lang="en-US" sz="1600" b="0" i="0" dirty="0">
-                <a:solidFill>
-                  <a:srgbClr val="0000FF"/>
-                </a:solidFill>
-                <a:effectLst/>
-                <a:latin typeface="Consolas"/>
-              </a:rPr>
-              <a:t>&gt;</a:t>
-            </a:r>
-          </a:p>
-          <a:p>
-            <a:pPr marL="0" indent="0">
-              <a:buNone/>
-            </a:pPr>
-            <a:endParaRPr lang="en-US" sz="1600" dirty="0"/>
-          </a:p>
-        </p:txBody>
-      </p:sp>
-      <p:sp>
-        <p:nvSpPr>
-          <p:cNvPr id="4" name="Line Callout 1 3"/>
-          <p:cNvSpPr/>
-          <p:nvPr/>
-        </p:nvSpPr>
-        <p:spPr>
-          <a:xfrm>
-            <a:off x="762000" y="4876800"/>
-            <a:ext cx="2971800" cy="1600200"/>
-          </a:xfrm>
-          <a:prstGeom prst="borderCallout1">
-            <a:avLst>
-              <a:gd name="adj1" fmla="val -4627"/>
-              <a:gd name="adj2" fmla="val 49476"/>
-              <a:gd name="adj3" fmla="val -57630"/>
-              <a:gd name="adj4" fmla="val 105723"/>
-            </a:avLst>
-          </a:prstGeom>
-        </p:spPr>
-        <p:style>
-          <a:lnRef idx="2">
-            <a:schemeClr val="accent1">
-              <a:shade val="50000"/>
-            </a:schemeClr>
-          </a:lnRef>
-          <a:fillRef idx="1">
-            <a:schemeClr val="accent1"/>
-          </a:fillRef>
-          <a:effectRef idx="0">
-            <a:schemeClr val="accent1"/>
-          </a:effectRef>
-          <a:fontRef idx="minor">
-            <a:schemeClr val="lt1"/>
-          </a:fontRef>
-        </p:style>
-        <p:txBody>
-          <a:bodyPr rtlCol="0" anchor="ctr"/>
-          <a:lstStyle/>
-          <a:p>
-            <a:pPr algn="ctr"/>
-            <a:r>
-              <a:rPr lang="en-US" dirty="0"/>
-              <a:t>The width=device-width part sets the width of the page to follow the screen-width of the device (which will vary depending on the device).</a:t>
-            </a:r>
-          </a:p>
-        </p:txBody>
-      </p:sp>
-      <p:sp>
-        <p:nvSpPr>
-          <p:cNvPr id="6" name="Line Callout 1 5"/>
-          <p:cNvSpPr/>
-          <p:nvPr/>
-        </p:nvSpPr>
-        <p:spPr>
-          <a:xfrm>
-            <a:off x="3865418" y="4876800"/>
-            <a:ext cx="2971800" cy="1600200"/>
-          </a:xfrm>
-          <a:prstGeom prst="borderCallout1">
-            <a:avLst>
-              <a:gd name="adj1" fmla="val -4627"/>
-              <a:gd name="adj2" fmla="val 49476"/>
-              <a:gd name="adj3" fmla="val -57630"/>
-              <a:gd name="adj4" fmla="val 105723"/>
-            </a:avLst>
-          </a:prstGeom>
-        </p:spPr>
-        <p:style>
-          <a:lnRef idx="2">
-            <a:schemeClr val="accent1">
-              <a:shade val="50000"/>
-            </a:schemeClr>
-          </a:lnRef>
-          <a:fillRef idx="1">
-            <a:schemeClr val="accent1"/>
-          </a:fillRef>
-          <a:effectRef idx="0">
-            <a:schemeClr val="accent1"/>
-          </a:effectRef>
-          <a:fontRef idx="minor">
-            <a:schemeClr val="lt1"/>
-          </a:fontRef>
-        </p:style>
-        <p:txBody>
-          <a:bodyPr rtlCol="0" anchor="ctr"/>
-          <a:lstStyle/>
-          <a:p>
-            <a:pPr algn="ctr"/>
-            <a:r>
-              <a:rPr lang="en-US" dirty="0"/>
-              <a:t>The initial-scale=1 part sets the initial zoom level when the page is first loaded by the browser.</a:t>
-            </a:r>
-          </a:p>
-        </p:txBody>
-      </p:sp>
-    </p:spTree>
-    <p:extLst>
-      <p:ext uri="{BB962C8B-B14F-4D97-AF65-F5344CB8AC3E}">
-        <p14:creationId xmlns:p14="http://schemas.microsoft.com/office/powerpoint/2010/main" val="308388178"/>
-      </p:ext>
-    </p:extLst>
-  </p:cSld>
-  <p:clrMapOvr>
-    <a:masterClrMapping/>
-  </p:clrMapOvr>
-</p:sld>
-</file>
-
-<file path=ppt/slides/slide62.xml><?xml version="1.0" encoding="utf-8"?>
-<p:sld xmlns:a="http://schemas.openxmlformats.org/drawingml/2006/main" xmlns:r="http://schemas.openxmlformats.org/officeDocument/2006/relationships" xmlns:p="http://schemas.openxmlformats.org/presentationml/2006/main">
-  <p:cSld>
-    <p:spTree>
-      <p:nvGrpSpPr>
-        <p:cNvPr id="1" name=""/>
-        <p:cNvGrpSpPr/>
-        <p:nvPr/>
-      </p:nvGrpSpPr>
-      <p:grpSpPr>
-        <a:xfrm>
-          <a:off x="0" y="0"/>
-          <a:ext cx="0" cy="0"/>
-          <a:chOff x="0" y="0"/>
-          <a:chExt cx="0" cy="0"/>
-        </a:xfrm>
-      </p:grpSpPr>
-      <p:sp>
-        <p:nvSpPr>
-          <p:cNvPr id="2" name="Title 1"/>
-          <p:cNvSpPr>
-            <a:spLocks noGrp="1"/>
-          </p:cNvSpPr>
-          <p:nvPr>
-            <p:ph type="title"/>
-          </p:nvPr>
-        </p:nvSpPr>
-        <p:spPr/>
-        <p:txBody>
-          <a:bodyPr/>
-          <a:lstStyle/>
-          <a:p>
-            <a:r>
-              <a:rPr lang="en-IE" dirty="0"/>
-              <a:t>Bootstrap uses Containers</a:t>
-            </a:r>
-            <a:endParaRPr lang="en-US" dirty="0"/>
-          </a:p>
-        </p:txBody>
-      </p:sp>
-      <p:sp>
-        <p:nvSpPr>
-          <p:cNvPr id="3" name="Content Placeholder 2"/>
-          <p:cNvSpPr>
-            <a:spLocks noGrp="1"/>
-          </p:cNvSpPr>
-          <p:nvPr>
-            <p:ph idx="1"/>
-          </p:nvPr>
-        </p:nvSpPr>
-        <p:spPr/>
-        <p:txBody>
-          <a:bodyPr/>
-          <a:lstStyle/>
-          <a:p>
-            <a:r>
-              <a:rPr lang="en-US" dirty="0"/>
-              <a:t>Bootstrap requires a containing element with a </a:t>
-            </a:r>
-            <a:r>
-              <a:rPr lang="en-US" b="1" dirty="0"/>
-              <a:t>container</a:t>
-            </a:r>
-            <a:r>
-              <a:rPr lang="en-US" dirty="0"/>
-              <a:t> or </a:t>
-            </a:r>
-            <a:r>
-              <a:rPr lang="en-US" b="1" dirty="0"/>
-              <a:t>container-fluid</a:t>
-            </a:r>
-            <a:r>
-              <a:rPr lang="en-US" dirty="0"/>
-              <a:t> classifier to wrap site contents.</a:t>
-            </a:r>
-          </a:p>
-          <a:p>
-            <a:pPr marL="0" indent="0">
-              <a:buNone/>
-            </a:pPr>
-            <a:r>
-              <a:rPr lang="en-US" b="0" i="0" dirty="0">
-                <a:solidFill>
-                  <a:srgbClr val="0000FF"/>
-                </a:solidFill>
-                <a:effectLst/>
-                <a:latin typeface="Consolas"/>
-              </a:rPr>
-              <a:t>&lt;</a:t>
-            </a:r>
-            <a:r>
-              <a:rPr lang="en-US" b="0" i="0" dirty="0">
-                <a:solidFill>
-                  <a:srgbClr val="A52A2A"/>
-                </a:solidFill>
-                <a:effectLst/>
-                <a:latin typeface="Consolas"/>
-              </a:rPr>
-              <a:t>div</a:t>
-            </a:r>
-            <a:r>
-              <a:rPr lang="en-US" b="0" i="0" dirty="0">
-                <a:solidFill>
-                  <a:srgbClr val="000000"/>
-                </a:solidFill>
-                <a:effectLst/>
-                <a:latin typeface="Consolas"/>
-              </a:rPr>
-              <a:t> </a:t>
-            </a:r>
-            <a:r>
-              <a:rPr lang="en-US" b="0" i="0" dirty="0">
-                <a:solidFill>
-                  <a:srgbClr val="DC143C"/>
-                </a:solidFill>
-                <a:effectLst/>
-                <a:latin typeface="Consolas"/>
-              </a:rPr>
-              <a:t>class=</a:t>
-            </a:r>
-            <a:r>
-              <a:rPr lang="en-US" b="0" i="0" dirty="0">
-                <a:solidFill>
-                  <a:srgbClr val="0000CD"/>
-                </a:solidFill>
-                <a:effectLst/>
-                <a:latin typeface="Consolas"/>
-              </a:rPr>
-              <a:t>"container"</a:t>
-            </a:r>
-            <a:r>
-              <a:rPr lang="en-US" b="0" i="0" dirty="0">
-                <a:solidFill>
-                  <a:srgbClr val="0000FF"/>
-                </a:solidFill>
-                <a:effectLst/>
-                <a:latin typeface="Consolas"/>
-              </a:rPr>
-              <a:t>&gt;</a:t>
-            </a:r>
-            <a:br>
-              <a:rPr lang="en-US" dirty="0"/>
-            </a:br>
-            <a:r>
-              <a:rPr lang="en-US" b="0" i="0" dirty="0">
-                <a:solidFill>
-                  <a:srgbClr val="000000"/>
-                </a:solidFill>
-                <a:effectLst/>
-                <a:latin typeface="Consolas"/>
-              </a:rPr>
-              <a:t>  </a:t>
-            </a:r>
-            <a:r>
-              <a:rPr lang="en-US" b="0" i="0" dirty="0">
-                <a:solidFill>
-                  <a:srgbClr val="0000FF"/>
-                </a:solidFill>
-                <a:effectLst/>
-                <a:latin typeface="Consolas"/>
-              </a:rPr>
-              <a:t>&lt;</a:t>
-            </a:r>
-            <a:r>
-              <a:rPr lang="en-US" b="0" i="0" dirty="0">
-                <a:solidFill>
-                  <a:srgbClr val="A52A2A"/>
-                </a:solidFill>
-                <a:effectLst/>
-                <a:latin typeface="Consolas"/>
-              </a:rPr>
-              <a:t>h1</a:t>
-            </a:r>
-            <a:r>
-              <a:rPr lang="en-US" b="0" i="0" dirty="0">
-                <a:solidFill>
-                  <a:srgbClr val="0000FF"/>
-                </a:solidFill>
-                <a:effectLst/>
-                <a:latin typeface="Consolas"/>
-              </a:rPr>
-              <a:t>&gt;</a:t>
-            </a:r>
-            <a:r>
-              <a:rPr lang="en-US" b="0" i="0" dirty="0">
-                <a:solidFill>
-                  <a:srgbClr val="000000"/>
-                </a:solidFill>
-                <a:effectLst/>
-                <a:latin typeface="Consolas"/>
-              </a:rPr>
-              <a:t>My First Bootstrap Page</a:t>
-            </a:r>
-            <a:r>
-              <a:rPr lang="en-US" b="0" i="0" dirty="0">
-                <a:solidFill>
-                  <a:srgbClr val="0000FF"/>
-                </a:solidFill>
-                <a:effectLst/>
-                <a:latin typeface="Consolas"/>
-              </a:rPr>
-              <a:t>&lt;</a:t>
-            </a:r>
-            <a:r>
-              <a:rPr lang="en-US" b="0" i="0" dirty="0">
-                <a:solidFill>
-                  <a:srgbClr val="A52A2A"/>
-                </a:solidFill>
-                <a:effectLst/>
-                <a:latin typeface="Consolas"/>
-              </a:rPr>
-              <a:t>/h1</a:t>
-            </a:r>
-            <a:r>
-              <a:rPr lang="en-US" b="0" i="0" dirty="0">
-                <a:solidFill>
-                  <a:srgbClr val="0000FF"/>
-                </a:solidFill>
-                <a:effectLst/>
-                <a:latin typeface="Consolas"/>
-              </a:rPr>
-              <a:t>&gt;</a:t>
-            </a:r>
-            <a:br>
-              <a:rPr lang="en-US" dirty="0"/>
-            </a:br>
-            <a:r>
-              <a:rPr lang="en-US" b="0" i="0" dirty="0">
-                <a:solidFill>
-                  <a:srgbClr val="000000"/>
-                </a:solidFill>
-                <a:effectLst/>
-                <a:latin typeface="Consolas"/>
-              </a:rPr>
-              <a:t>  </a:t>
-            </a:r>
-            <a:r>
-              <a:rPr lang="en-US" b="0" i="0" dirty="0">
-                <a:solidFill>
-                  <a:srgbClr val="0000FF"/>
-                </a:solidFill>
-                <a:effectLst/>
-                <a:latin typeface="Consolas"/>
-              </a:rPr>
-              <a:t>&lt;</a:t>
-            </a:r>
-            <a:r>
-              <a:rPr lang="en-US" b="0" i="0" dirty="0">
-                <a:solidFill>
-                  <a:srgbClr val="A52A2A"/>
-                </a:solidFill>
-                <a:effectLst/>
-                <a:latin typeface="Consolas"/>
-              </a:rPr>
-              <a:t>p</a:t>
-            </a:r>
-            <a:r>
-              <a:rPr lang="en-US" b="0" i="0" dirty="0">
-                <a:solidFill>
-                  <a:srgbClr val="0000FF"/>
-                </a:solidFill>
-                <a:effectLst/>
-                <a:latin typeface="Consolas"/>
-              </a:rPr>
-              <a:t>&gt;</a:t>
-            </a:r>
-            <a:r>
-              <a:rPr lang="en-US" b="0" i="0" dirty="0">
-                <a:solidFill>
-                  <a:srgbClr val="000000"/>
-                </a:solidFill>
-                <a:effectLst/>
-                <a:latin typeface="Consolas"/>
-              </a:rPr>
-              <a:t>This is some text.</a:t>
-            </a:r>
-            <a:r>
-              <a:rPr lang="en-US" b="0" i="0" dirty="0">
-                <a:solidFill>
-                  <a:srgbClr val="0000FF"/>
-                </a:solidFill>
-                <a:effectLst/>
-                <a:latin typeface="Consolas"/>
-              </a:rPr>
-              <a:t>&lt;</a:t>
-            </a:r>
-            <a:r>
-              <a:rPr lang="en-US" b="0" i="0" dirty="0">
-                <a:solidFill>
-                  <a:srgbClr val="A52A2A"/>
-                </a:solidFill>
-                <a:effectLst/>
-                <a:latin typeface="Consolas"/>
-              </a:rPr>
-              <a:t>/p</a:t>
-            </a:r>
-            <a:r>
-              <a:rPr lang="en-US" b="0" i="0" dirty="0">
-                <a:solidFill>
-                  <a:srgbClr val="0000FF"/>
-                </a:solidFill>
-                <a:effectLst/>
-                <a:latin typeface="Consolas"/>
-              </a:rPr>
-              <a:t>&gt;</a:t>
-            </a:r>
-            <a:r>
-              <a:rPr lang="en-US" b="0" i="0" dirty="0">
-                <a:solidFill>
-                  <a:srgbClr val="000000"/>
-                </a:solidFill>
-                <a:effectLst/>
-                <a:latin typeface="Consolas"/>
-              </a:rPr>
-              <a:t> </a:t>
-            </a:r>
-            <a:br>
-              <a:rPr lang="en-US" dirty="0"/>
-            </a:br>
-            <a:r>
-              <a:rPr lang="en-US" b="0" i="0" dirty="0">
-                <a:solidFill>
-                  <a:srgbClr val="0000FF"/>
-                </a:solidFill>
-                <a:effectLst/>
-                <a:latin typeface="Consolas"/>
-              </a:rPr>
-              <a:t>&lt;</a:t>
-            </a:r>
-            <a:r>
-              <a:rPr lang="en-US" b="0" i="0" dirty="0">
-                <a:solidFill>
-                  <a:srgbClr val="A52A2A"/>
-                </a:solidFill>
-                <a:effectLst/>
-                <a:latin typeface="Consolas"/>
-              </a:rPr>
-              <a:t>/div</a:t>
-            </a:r>
-            <a:r>
-              <a:rPr lang="en-US" b="0" i="0" dirty="0">
-                <a:solidFill>
-                  <a:srgbClr val="0000FF"/>
-                </a:solidFill>
-                <a:effectLst/>
-                <a:latin typeface="Consolas"/>
-              </a:rPr>
-              <a:t>&gt;</a:t>
-            </a:r>
-            <a:endParaRPr lang="en-US" dirty="0"/>
-          </a:p>
-        </p:txBody>
-      </p:sp>
-    </p:spTree>
-    <p:extLst>
-      <p:ext uri="{BB962C8B-B14F-4D97-AF65-F5344CB8AC3E}">
-        <p14:creationId xmlns:p14="http://schemas.microsoft.com/office/powerpoint/2010/main" val="1035915231"/>
-      </p:ext>
-    </p:extLst>
-  </p:cSld>
-  <p:clrMapOvr>
-    <a:masterClrMapping/>
-  </p:clrMapOvr>
-</p:sld>
-</file>
-
-<file path=ppt/slides/slide63.xml><?xml version="1.0" encoding="utf-8"?>
-<p:sld xmlns:a="http://schemas.openxmlformats.org/drawingml/2006/main" xmlns:r="http://schemas.openxmlformats.org/officeDocument/2006/relationships" xmlns:p="http://schemas.openxmlformats.org/presentationml/2006/main">
-  <p:cSld>
-    <p:spTree>
-      <p:nvGrpSpPr>
-        <p:cNvPr id="1" name=""/>
-        <p:cNvGrpSpPr/>
-        <p:nvPr/>
-      </p:nvGrpSpPr>
-      <p:grpSpPr>
-        <a:xfrm>
-          <a:off x="0" y="0"/>
-          <a:ext cx="0" cy="0"/>
-          <a:chOff x="0" y="0"/>
-          <a:chExt cx="0" cy="0"/>
-        </a:xfrm>
-      </p:grpSpPr>
-      <p:sp>
-        <p:nvSpPr>
           <p:cNvPr id="2" name="Title 1">
             <a:extLst>
               <a:ext uri="{FF2B5EF4-FFF2-40B4-BE49-F238E27FC236}">
@@ -14019,7 +13623,7 @@
 </p:sld>
 </file>
 
-<file path=ppt/slides/slide64.xml><?xml version="1.0" encoding="utf-8"?>
+<file path=ppt/slides/slide61.xml><?xml version="1.0" encoding="utf-8"?>
 <p:sld xmlns:a="http://schemas.openxmlformats.org/drawingml/2006/main" xmlns:r="http://schemas.openxmlformats.org/officeDocument/2006/relationships" xmlns:p="http://schemas.openxmlformats.org/presentationml/2006/main">
   <p:cSld>
     <p:spTree>
@@ -14124,7 +13728,7 @@
 </p:sld>
 </file>
 
-<file path=ppt/slides/slide65.xml><?xml version="1.0" encoding="utf-8"?>
+<file path=ppt/slides/slide62.xml><?xml version="1.0" encoding="utf-8"?>
 <p:sld xmlns:a="http://schemas.openxmlformats.org/drawingml/2006/main" xmlns:r="http://schemas.openxmlformats.org/officeDocument/2006/relationships" xmlns:p="http://schemas.openxmlformats.org/presentationml/2006/main">
   <p:cSld>
     <p:bg>
@@ -14330,7 +13934,7 @@
 </p:sld>
 </file>
 
-<file path=ppt/slides/slide66.xml><?xml version="1.0" encoding="utf-8"?>
+<file path=ppt/slides/slide63.xml><?xml version="1.0" encoding="utf-8"?>
 <p:sld xmlns:a="http://schemas.openxmlformats.org/drawingml/2006/main" xmlns:r="http://schemas.openxmlformats.org/officeDocument/2006/relationships" xmlns:p="http://schemas.openxmlformats.org/presentationml/2006/main">
   <p:cSld>
     <p:spTree>
@@ -14448,7 +14052,7 @@
 </p:sld>
 </file>
 
-<file path=ppt/slides/slide67.xml><?xml version="1.0" encoding="utf-8"?>
+<file path=ppt/slides/slide64.xml><?xml version="1.0" encoding="utf-8"?>
 <p:sld xmlns:a="http://schemas.openxmlformats.org/drawingml/2006/main" xmlns:r="http://schemas.openxmlformats.org/officeDocument/2006/relationships" xmlns:p="http://schemas.openxmlformats.org/presentationml/2006/main">
   <p:cSld>
     <p:spTree>
@@ -15286,72 +14890,100 @@
           <a:p>
             <a:r>
               <a:rPr lang="en-IE" dirty="0"/>
-              <a:t>HTML Fundamentals: Rendering</a:t>
+              <a:t>HTML Fundamentals: HTML</a:t>
             </a:r>
             <a:endParaRPr lang="en-US" dirty="0"/>
           </a:p>
         </p:txBody>
       </p:sp>
-      <p:pic>
-        <p:nvPicPr>
-          <p:cNvPr id="7170" name="Picture 2"/>
-          <p:cNvPicPr>
-            <a:picLocks noGrp="1" noChangeAspect="1" noChangeArrowheads="1"/>
-          </p:cNvPicPr>
+      <p:sp>
+        <p:nvSpPr>
+          <p:cNvPr id="3" name="Content Placeholder 2"/>
+          <p:cNvSpPr>
+            <a:spLocks noGrp="1"/>
+          </p:cNvSpPr>
           <p:nvPr>
             <p:ph idx="1"/>
           </p:nvPr>
-        </p:nvPicPr>
-        <p:blipFill>
-          <a:blip r:embed="rId2">
-            <a:extLst>
-              <a:ext uri="{28A0092B-C50C-407E-A947-70E740481C1C}">
-                <a14:useLocalDpi xmlns:a14="http://schemas.microsoft.com/office/drawing/2010/main" val="0"/>
-              </a:ext>
-            </a:extLst>
-          </a:blip>
-          <a:srcRect/>
-          <a:stretch>
-            <a:fillRect/>
-          </a:stretch>
-        </p:blipFill>
-        <p:spPr bwMode="auto">
-          <a:xfrm>
-            <a:off x="1905000" y="1219200"/>
-            <a:ext cx="5410200" cy="5261568"/>
-          </a:xfrm>
-          <a:prstGeom prst="rect">
-            <a:avLst/>
-          </a:prstGeom>
-          <a:noFill/>
-          <a:ln>
-            <a:noFill/>
-          </a:ln>
-          <a:extLst>
-            <a:ext uri="{909E8E84-426E-40DD-AFC4-6F175D3DCCD1}">
-              <a14:hiddenFill xmlns:a14="http://schemas.microsoft.com/office/drawing/2010/main">
-                <a:solidFill>
-                  <a:schemeClr val="accent1"/>
-                </a:solidFill>
-              </a14:hiddenFill>
-            </a:ext>
-            <a:ext uri="{91240B29-F687-4F45-9708-019B960494DF}">
-              <a14:hiddenLine xmlns:a14="http://schemas.microsoft.com/office/drawing/2010/main" w="9525">
-                <a:solidFill>
-                  <a:schemeClr val="tx1"/>
-                </a:solidFill>
-                <a:miter lim="800000"/>
-                <a:headEnd/>
-                <a:tailEnd/>
-              </a14:hiddenLine>
-            </a:ext>
-          </a:extLst>
-        </p:spPr>
-      </p:pic>
+        </p:nvSpPr>
+        <p:spPr/>
+        <p:txBody>
+          <a:bodyPr>
+            <a:normAutofit fontScale="92500" lnSpcReduction="20000"/>
+          </a:bodyPr>
+          <a:lstStyle/>
+          <a:p>
+            <a:r>
+              <a:rPr lang="en-IE" dirty="0"/>
+              <a:t>HTML tell the browser about the structure of your document</a:t>
+            </a:r>
+          </a:p>
+          <a:p>
+            <a:pPr lvl="1"/>
+            <a:r>
+              <a:rPr lang="en-IE" dirty="0"/>
+              <a:t>where the headings are</a:t>
+            </a:r>
+          </a:p>
+          <a:p>
+            <a:pPr lvl="1"/>
+            <a:r>
+              <a:rPr lang="en-IE" dirty="0"/>
+              <a:t>Where paragraphs are</a:t>
+            </a:r>
+          </a:p>
+          <a:p>
+            <a:pPr lvl="1"/>
+            <a:r>
+              <a:rPr lang="en-IE" dirty="0"/>
+              <a:t>Where text has emphasis</a:t>
+            </a:r>
+          </a:p>
+          <a:p>
+            <a:pPr lvl="1"/>
+            <a:r>
+              <a:rPr lang="en-IE" dirty="0"/>
+              <a:t>Where links are</a:t>
+            </a:r>
+          </a:p>
+          <a:p>
+            <a:pPr lvl="1"/>
+            <a:r>
+              <a:rPr lang="en-IE" dirty="0"/>
+              <a:t>What images are to be displayed</a:t>
+            </a:r>
+          </a:p>
+          <a:p>
+            <a:r>
+              <a:rPr lang="en-IE" dirty="0"/>
+              <a:t>Using HTML alone, browsers have default rules on how to display each element</a:t>
+            </a:r>
+          </a:p>
+          <a:p>
+            <a:r>
+              <a:rPr lang="en-IE" dirty="0"/>
+              <a:t>Information is conveyed using </a:t>
+            </a:r>
+            <a:r>
+              <a:rPr lang="en-IE" b="1" dirty="0"/>
+              <a:t> “tags” </a:t>
+            </a:r>
+            <a:r>
+              <a:rPr lang="en-IE" dirty="0"/>
+              <a:t>or </a:t>
+            </a:r>
+            <a:r>
+              <a:rPr lang="en-IE" b="1" dirty="0"/>
+              <a:t>“elements”. </a:t>
+            </a:r>
+            <a:endParaRPr lang="en-IE" dirty="0"/>
+          </a:p>
+        </p:txBody>
+      </p:sp>
     </p:spTree>
     <p:extLst>
       <p:ext uri="{BB962C8B-B14F-4D97-AF65-F5344CB8AC3E}">
-        <p14:creationId xmlns:p14="http://schemas.microsoft.com/office/powerpoint/2010/main" val="3392299316"/>
+        <p14:creationId xmlns:p14="http://schemas.microsoft.com/office/powerpoint/2010/main" val="1108202927"/>
       </p:ext>
     </p:extLst>
   </p:cSld>
